--- a/doc/test/ZoomLab/AutoZoom.pptx
+++ b/doc/test/ZoomLab/AutoZoom.pptx
@@ -37,7 +37,9 @@
     <p:sldId id="348" r:id="rId31"/>
     <p:sldId id="316" r:id="rId32"/>
     <p:sldId id="317" r:id="rId33"/>
-    <p:sldId id="312" r:id="rId34"/>
+    <p:sldId id="351" r:id="rId34"/>
+    <p:sldId id="352" r:id="rId35"/>
+    <p:sldId id="312" r:id="rId36"/>
   </p:sldIdLst>
   <p:sldSz cx="9144000" cy="6858000" type="screen4x3"/>
   <p:notesSz cx="6858000" cy="9144000"/>
@@ -175,13 +177,15 @@
             <p14:sldId id="348"/>
             <p14:sldId id="316"/>
             <p14:sldId id="317"/>
+            <p14:sldId id="351"/>
+            <p14:sldId id="352"/>
             <p14:sldId id="312"/>
           </p14:sldIdLst>
         </p14:section>
       </p14:sectionLst>
     </p:ext>
     <p:ext uri="{EFAFB233-063F-42B5-8137-9DF3F51BA10A}">
-      <p15:sldGuideLst xmlns="" xmlns:p15="http://schemas.microsoft.com/office/powerpoint/2012/main">
+      <p15:sldGuideLst xmlns:p15="http://schemas.microsoft.com/office/powerpoint/2012/main">
         <p15:guide id="1" orient="horz" pos="2160">
           <p15:clr>
             <a:srgbClr val="A4A3A4"/>
@@ -236,10 +240,9 @@
           <a:lstStyle/>
           <a:p>
             <a:r>
-              <a:rPr lang="en-US" smtClean="0"/>
+              <a:rPr lang="en-US"/>
               <a:t>Click to edit Master title style</a:t>
             </a:r>
-            <a:endParaRPr lang="en-US"/>
           </a:p>
         </p:txBody>
       </p:sp>
@@ -355,10 +358,9 @@
           </a:lstStyle>
           <a:p>
             <a:r>
-              <a:rPr lang="en-US" smtClean="0"/>
+              <a:rPr lang="en-US"/>
               <a:t>Click to edit Master subtitle style</a:t>
             </a:r>
-            <a:endParaRPr lang="en-US"/>
           </a:p>
         </p:txBody>
       </p:sp>
@@ -379,7 +381,7 @@
           <a:p>
             <a:fld id="{699DC775-C286-4358-8C92-D7E584E969B3}" type="datetimeFigureOut">
               <a:rPr lang="en-US" smtClean="0"/>
-              <a:t>26-Jun-15</a:t>
+              <a:t>7/3/2019</a:t>
             </a:fld>
             <a:endParaRPr lang="en-US"/>
           </a:p>
@@ -473,10 +475,9 @@
           <a:lstStyle/>
           <a:p>
             <a:r>
-              <a:rPr lang="en-US" smtClean="0"/>
+              <a:rPr lang="en-US"/>
               <a:t>Click to edit Master title style</a:t>
             </a:r>
-            <a:endParaRPr lang="en-US"/>
           </a:p>
         </p:txBody>
       </p:sp>
@@ -497,38 +498,37 @@
           <a:p>
             <a:pPr lvl="0"/>
             <a:r>
-              <a:rPr lang="en-US" smtClean="0"/>
+              <a:rPr lang="en-US"/>
               <a:t>Click to edit Master text styles</a:t>
             </a:r>
           </a:p>
           <a:p>
             <a:pPr lvl="1"/>
             <a:r>
-              <a:rPr lang="en-US" smtClean="0"/>
+              <a:rPr lang="en-US"/>
               <a:t>Second level</a:t>
             </a:r>
           </a:p>
           <a:p>
             <a:pPr lvl="2"/>
             <a:r>
-              <a:rPr lang="en-US" smtClean="0"/>
+              <a:rPr lang="en-US"/>
               <a:t>Third level</a:t>
             </a:r>
           </a:p>
           <a:p>
             <a:pPr lvl="3"/>
             <a:r>
-              <a:rPr lang="en-US" smtClean="0"/>
+              <a:rPr lang="en-US"/>
               <a:t>Fourth level</a:t>
             </a:r>
           </a:p>
           <a:p>
             <a:pPr lvl="4"/>
             <a:r>
-              <a:rPr lang="en-US" smtClean="0"/>
+              <a:rPr lang="en-US"/>
               <a:t>Fifth level</a:t>
             </a:r>
-            <a:endParaRPr lang="en-US"/>
           </a:p>
         </p:txBody>
       </p:sp>
@@ -549,7 +549,7 @@
           <a:p>
             <a:fld id="{699DC775-C286-4358-8C92-D7E584E969B3}" type="datetimeFigureOut">
               <a:rPr lang="en-US" smtClean="0"/>
-              <a:t>26-Jun-15</a:t>
+              <a:t>7/3/2019</a:t>
             </a:fld>
             <a:endParaRPr lang="en-US"/>
           </a:p>
@@ -648,10 +648,9 @@
           <a:lstStyle/>
           <a:p>
             <a:r>
-              <a:rPr lang="en-US" smtClean="0"/>
+              <a:rPr lang="en-US"/>
               <a:t>Click to edit Master title style</a:t>
             </a:r>
-            <a:endParaRPr lang="en-US"/>
           </a:p>
         </p:txBody>
       </p:sp>
@@ -677,38 +676,37 @@
           <a:p>
             <a:pPr lvl="0"/>
             <a:r>
-              <a:rPr lang="en-US" smtClean="0"/>
+              <a:rPr lang="en-US"/>
               <a:t>Click to edit Master text styles</a:t>
             </a:r>
           </a:p>
           <a:p>
             <a:pPr lvl="1"/>
             <a:r>
-              <a:rPr lang="en-US" smtClean="0"/>
+              <a:rPr lang="en-US"/>
               <a:t>Second level</a:t>
             </a:r>
           </a:p>
           <a:p>
             <a:pPr lvl="2"/>
             <a:r>
-              <a:rPr lang="en-US" smtClean="0"/>
+              <a:rPr lang="en-US"/>
               <a:t>Third level</a:t>
             </a:r>
           </a:p>
           <a:p>
             <a:pPr lvl="3"/>
             <a:r>
-              <a:rPr lang="en-US" smtClean="0"/>
+              <a:rPr lang="en-US"/>
               <a:t>Fourth level</a:t>
             </a:r>
           </a:p>
           <a:p>
             <a:pPr lvl="4"/>
             <a:r>
-              <a:rPr lang="en-US" smtClean="0"/>
+              <a:rPr lang="en-US"/>
               <a:t>Fifth level</a:t>
             </a:r>
-            <a:endParaRPr lang="en-US"/>
           </a:p>
         </p:txBody>
       </p:sp>
@@ -729,7 +727,7 @@
           <a:p>
             <a:fld id="{699DC775-C286-4358-8C92-D7E584E969B3}" type="datetimeFigureOut">
               <a:rPr lang="en-US" smtClean="0"/>
-              <a:t>26-Jun-15</a:t>
+              <a:t>7/3/2019</a:t>
             </a:fld>
             <a:endParaRPr lang="en-US"/>
           </a:p>
@@ -828,10 +826,9 @@
           <a:lstStyle/>
           <a:p>
             <a:r>
-              <a:rPr lang="en-US" smtClean="0"/>
+              <a:rPr lang="en-US"/>
               <a:t>Click to edit Master title style</a:t>
             </a:r>
-            <a:endParaRPr lang="en-US"/>
           </a:p>
         </p:txBody>
       </p:sp>
@@ -947,10 +944,9 @@
           </a:lstStyle>
           <a:p>
             <a:r>
-              <a:rPr lang="en-US" smtClean="0"/>
+              <a:rPr lang="en-US"/>
               <a:t>Click to edit Master subtitle style</a:t>
             </a:r>
-            <a:endParaRPr lang="en-US"/>
           </a:p>
         </p:txBody>
       </p:sp>
@@ -971,7 +967,7 @@
           <a:p>
             <a:fld id="{699DC775-C286-4358-8C92-D7E584E969B3}" type="datetimeFigureOut">
               <a:rPr lang="en-US" smtClean="0"/>
-              <a:t>26-Jun-15</a:t>
+              <a:t>7/3/2019</a:t>
             </a:fld>
             <a:endParaRPr lang="en-US"/>
           </a:p>
@@ -1065,10 +1061,9 @@
           <a:lstStyle/>
           <a:p>
             <a:r>
-              <a:rPr lang="en-US" smtClean="0"/>
+              <a:rPr lang="en-US"/>
               <a:t>Click to edit Master title style</a:t>
             </a:r>
-            <a:endParaRPr lang="en-US"/>
           </a:p>
         </p:txBody>
       </p:sp>
@@ -1089,38 +1084,37 @@
           <a:p>
             <a:pPr lvl="0"/>
             <a:r>
-              <a:rPr lang="en-US" smtClean="0"/>
+              <a:rPr lang="en-US"/>
               <a:t>Click to edit Master text styles</a:t>
             </a:r>
           </a:p>
           <a:p>
             <a:pPr lvl="1"/>
             <a:r>
-              <a:rPr lang="en-US" smtClean="0"/>
+              <a:rPr lang="en-US"/>
               <a:t>Second level</a:t>
             </a:r>
           </a:p>
           <a:p>
             <a:pPr lvl="2"/>
             <a:r>
-              <a:rPr lang="en-US" smtClean="0"/>
+              <a:rPr lang="en-US"/>
               <a:t>Third level</a:t>
             </a:r>
           </a:p>
           <a:p>
             <a:pPr lvl="3"/>
             <a:r>
-              <a:rPr lang="en-US" smtClean="0"/>
+              <a:rPr lang="en-US"/>
               <a:t>Fourth level</a:t>
             </a:r>
           </a:p>
           <a:p>
             <a:pPr lvl="4"/>
             <a:r>
-              <a:rPr lang="en-US" smtClean="0"/>
+              <a:rPr lang="en-US"/>
               <a:t>Fifth level</a:t>
             </a:r>
-            <a:endParaRPr lang="en-US"/>
           </a:p>
         </p:txBody>
       </p:sp>
@@ -1141,7 +1135,7 @@
           <a:p>
             <a:fld id="{699DC775-C286-4358-8C92-D7E584E969B3}" type="datetimeFigureOut">
               <a:rPr lang="en-US" smtClean="0"/>
-              <a:t>26-Jun-15</a:t>
+              <a:t>7/3/2019</a:t>
             </a:fld>
             <a:endParaRPr lang="en-US"/>
           </a:p>
@@ -1244,10 +1238,9 @@
           </a:lstStyle>
           <a:p>
             <a:r>
-              <a:rPr lang="en-US" smtClean="0"/>
+              <a:rPr lang="en-US"/>
               <a:t>Click to edit Master title style</a:t>
             </a:r>
-            <a:endParaRPr lang="en-US"/>
           </a:p>
         </p:txBody>
       </p:sp>
@@ -1364,7 +1357,7 @@
           <a:p>
             <a:pPr lvl="0"/>
             <a:r>
-              <a:rPr lang="en-US" smtClean="0"/>
+              <a:rPr lang="en-US"/>
               <a:t>Click to edit Master text styles</a:t>
             </a:r>
           </a:p>
@@ -1387,7 +1380,7 @@
           <a:p>
             <a:fld id="{699DC775-C286-4358-8C92-D7E584E969B3}" type="datetimeFigureOut">
               <a:rPr lang="en-US" smtClean="0"/>
-              <a:t>26-Jun-15</a:t>
+              <a:t>7/3/2019</a:t>
             </a:fld>
             <a:endParaRPr lang="en-US"/>
           </a:p>
@@ -1481,10 +1474,9 @@
           <a:lstStyle/>
           <a:p>
             <a:r>
-              <a:rPr lang="en-US" smtClean="0"/>
+              <a:rPr lang="en-US"/>
               <a:t>Click to edit Master title style</a:t>
             </a:r>
-            <a:endParaRPr lang="en-US"/>
           </a:p>
         </p:txBody>
       </p:sp>
@@ -1538,38 +1530,37 @@
           <a:p>
             <a:pPr lvl="0"/>
             <a:r>
-              <a:rPr lang="en-US" smtClean="0"/>
+              <a:rPr lang="en-US"/>
               <a:t>Click to edit Master text styles</a:t>
             </a:r>
           </a:p>
           <a:p>
             <a:pPr lvl="1"/>
             <a:r>
-              <a:rPr lang="en-US" smtClean="0"/>
+              <a:rPr lang="en-US"/>
               <a:t>Second level</a:t>
             </a:r>
           </a:p>
           <a:p>
             <a:pPr lvl="2"/>
             <a:r>
-              <a:rPr lang="en-US" smtClean="0"/>
+              <a:rPr lang="en-US"/>
               <a:t>Third level</a:t>
             </a:r>
           </a:p>
           <a:p>
             <a:pPr lvl="3"/>
             <a:r>
-              <a:rPr lang="en-US" smtClean="0"/>
+              <a:rPr lang="en-US"/>
               <a:t>Fourth level</a:t>
             </a:r>
           </a:p>
           <a:p>
             <a:pPr lvl="4"/>
             <a:r>
-              <a:rPr lang="en-US" smtClean="0"/>
+              <a:rPr lang="en-US"/>
               <a:t>Fifth level</a:t>
             </a:r>
-            <a:endParaRPr lang="en-US"/>
           </a:p>
         </p:txBody>
       </p:sp>
@@ -1623,38 +1614,37 @@
           <a:p>
             <a:pPr lvl="0"/>
             <a:r>
-              <a:rPr lang="en-US" smtClean="0"/>
+              <a:rPr lang="en-US"/>
               <a:t>Click to edit Master text styles</a:t>
             </a:r>
           </a:p>
           <a:p>
             <a:pPr lvl="1"/>
             <a:r>
-              <a:rPr lang="en-US" smtClean="0"/>
+              <a:rPr lang="en-US"/>
               <a:t>Second level</a:t>
             </a:r>
           </a:p>
           <a:p>
             <a:pPr lvl="2"/>
             <a:r>
-              <a:rPr lang="en-US" smtClean="0"/>
+              <a:rPr lang="en-US"/>
               <a:t>Third level</a:t>
             </a:r>
           </a:p>
           <a:p>
             <a:pPr lvl="3"/>
             <a:r>
-              <a:rPr lang="en-US" smtClean="0"/>
+              <a:rPr lang="en-US"/>
               <a:t>Fourth level</a:t>
             </a:r>
           </a:p>
           <a:p>
             <a:pPr lvl="4"/>
             <a:r>
-              <a:rPr lang="en-US" smtClean="0"/>
+              <a:rPr lang="en-US"/>
               <a:t>Fifth level</a:t>
             </a:r>
-            <a:endParaRPr lang="en-US"/>
           </a:p>
         </p:txBody>
       </p:sp>
@@ -1675,7 +1665,7 @@
           <a:p>
             <a:fld id="{699DC775-C286-4358-8C92-D7E584E969B3}" type="datetimeFigureOut">
               <a:rPr lang="en-US" smtClean="0"/>
-              <a:t>26-Jun-15</a:t>
+              <a:t>7/3/2019</a:t>
             </a:fld>
             <a:endParaRPr lang="en-US"/>
           </a:p>
@@ -1773,10 +1763,9 @@
           </a:lstStyle>
           <a:p>
             <a:r>
-              <a:rPr lang="en-US" smtClean="0"/>
+              <a:rPr lang="en-US"/>
               <a:t>Click to edit Master title style</a:t>
             </a:r>
-            <a:endParaRPr lang="en-US"/>
           </a:p>
         </p:txBody>
       </p:sp>
@@ -1839,7 +1828,7 @@
           <a:p>
             <a:pPr lvl="0"/>
             <a:r>
-              <a:rPr lang="en-US" smtClean="0"/>
+              <a:rPr lang="en-US"/>
               <a:t>Click to edit Master text styles</a:t>
             </a:r>
           </a:p>
@@ -1895,38 +1884,37 @@
           <a:p>
             <a:pPr lvl="0"/>
             <a:r>
-              <a:rPr lang="en-US" smtClean="0"/>
+              <a:rPr lang="en-US"/>
               <a:t>Click to edit Master text styles</a:t>
             </a:r>
           </a:p>
           <a:p>
             <a:pPr lvl="1"/>
             <a:r>
-              <a:rPr lang="en-US" smtClean="0"/>
+              <a:rPr lang="en-US"/>
               <a:t>Second level</a:t>
             </a:r>
           </a:p>
           <a:p>
             <a:pPr lvl="2"/>
             <a:r>
-              <a:rPr lang="en-US" smtClean="0"/>
+              <a:rPr lang="en-US"/>
               <a:t>Third level</a:t>
             </a:r>
           </a:p>
           <a:p>
             <a:pPr lvl="3"/>
             <a:r>
-              <a:rPr lang="en-US" smtClean="0"/>
+              <a:rPr lang="en-US"/>
               <a:t>Fourth level</a:t>
             </a:r>
           </a:p>
           <a:p>
             <a:pPr lvl="4"/>
             <a:r>
-              <a:rPr lang="en-US" smtClean="0"/>
+              <a:rPr lang="en-US"/>
               <a:t>Fifth level</a:t>
             </a:r>
-            <a:endParaRPr lang="en-US"/>
           </a:p>
         </p:txBody>
       </p:sp>
@@ -1989,7 +1977,7 @@
           <a:p>
             <a:pPr lvl="0"/>
             <a:r>
-              <a:rPr lang="en-US" smtClean="0"/>
+              <a:rPr lang="en-US"/>
               <a:t>Click to edit Master text styles</a:t>
             </a:r>
           </a:p>
@@ -2045,38 +2033,37 @@
           <a:p>
             <a:pPr lvl="0"/>
             <a:r>
-              <a:rPr lang="en-US" smtClean="0"/>
+              <a:rPr lang="en-US"/>
               <a:t>Click to edit Master text styles</a:t>
             </a:r>
           </a:p>
           <a:p>
             <a:pPr lvl="1"/>
             <a:r>
-              <a:rPr lang="en-US" smtClean="0"/>
+              <a:rPr lang="en-US"/>
               <a:t>Second level</a:t>
             </a:r>
           </a:p>
           <a:p>
             <a:pPr lvl="2"/>
             <a:r>
-              <a:rPr lang="en-US" smtClean="0"/>
+              <a:rPr lang="en-US"/>
               <a:t>Third level</a:t>
             </a:r>
           </a:p>
           <a:p>
             <a:pPr lvl="3"/>
             <a:r>
-              <a:rPr lang="en-US" smtClean="0"/>
+              <a:rPr lang="en-US"/>
               <a:t>Fourth level</a:t>
             </a:r>
           </a:p>
           <a:p>
             <a:pPr lvl="4"/>
             <a:r>
-              <a:rPr lang="en-US" smtClean="0"/>
+              <a:rPr lang="en-US"/>
               <a:t>Fifth level</a:t>
             </a:r>
-            <a:endParaRPr lang="en-US"/>
           </a:p>
         </p:txBody>
       </p:sp>
@@ -2097,7 +2084,7 @@
           <a:p>
             <a:fld id="{699DC775-C286-4358-8C92-D7E584E969B3}" type="datetimeFigureOut">
               <a:rPr lang="en-US" smtClean="0"/>
-              <a:t>26-Jun-15</a:t>
+              <a:t>7/3/2019</a:t>
             </a:fld>
             <a:endParaRPr lang="en-US"/>
           </a:p>
@@ -2191,10 +2178,9 @@
           <a:lstStyle/>
           <a:p>
             <a:r>
-              <a:rPr lang="en-US" smtClean="0"/>
+              <a:rPr lang="en-US"/>
               <a:t>Click to edit Master title style</a:t>
             </a:r>
-            <a:endParaRPr lang="en-US"/>
           </a:p>
         </p:txBody>
       </p:sp>
@@ -2215,7 +2201,7 @@
           <a:p>
             <a:fld id="{699DC775-C286-4358-8C92-D7E584E969B3}" type="datetimeFigureOut">
               <a:rPr lang="en-US" smtClean="0"/>
-              <a:t>26-Jun-15</a:t>
+              <a:t>7/3/2019</a:t>
             </a:fld>
             <a:endParaRPr lang="en-US"/>
           </a:p>
@@ -2310,7 +2296,7 @@
           <a:p>
             <a:fld id="{699DC775-C286-4358-8C92-D7E584E969B3}" type="datetimeFigureOut">
               <a:rPr lang="en-US" smtClean="0"/>
-              <a:t>26-Jun-15</a:t>
+              <a:t>7/3/2019</a:t>
             </a:fld>
             <a:endParaRPr lang="en-US"/>
           </a:p>
@@ -2413,10 +2399,9 @@
           </a:lstStyle>
           <a:p>
             <a:r>
-              <a:rPr lang="en-US" smtClean="0"/>
+              <a:rPr lang="en-US"/>
               <a:t>Click to edit Master title style</a:t>
             </a:r>
-            <a:endParaRPr lang="en-US"/>
           </a:p>
         </p:txBody>
       </p:sp>
@@ -2470,38 +2455,37 @@
           <a:p>
             <a:pPr lvl="0"/>
             <a:r>
-              <a:rPr lang="en-US" smtClean="0"/>
+              <a:rPr lang="en-US"/>
               <a:t>Click to edit Master text styles</a:t>
             </a:r>
           </a:p>
           <a:p>
             <a:pPr lvl="1"/>
             <a:r>
-              <a:rPr lang="en-US" smtClean="0"/>
+              <a:rPr lang="en-US"/>
               <a:t>Second level</a:t>
             </a:r>
           </a:p>
           <a:p>
             <a:pPr lvl="2"/>
             <a:r>
-              <a:rPr lang="en-US" smtClean="0"/>
+              <a:rPr lang="en-US"/>
               <a:t>Third level</a:t>
             </a:r>
           </a:p>
           <a:p>
             <a:pPr lvl="3"/>
             <a:r>
-              <a:rPr lang="en-US" smtClean="0"/>
+              <a:rPr lang="en-US"/>
               <a:t>Fourth level</a:t>
             </a:r>
           </a:p>
           <a:p>
             <a:pPr lvl="4"/>
             <a:r>
-              <a:rPr lang="en-US" smtClean="0"/>
+              <a:rPr lang="en-US"/>
               <a:t>Fifth level</a:t>
             </a:r>
-            <a:endParaRPr lang="en-US"/>
           </a:p>
         </p:txBody>
       </p:sp>
@@ -2564,7 +2548,7 @@
           <a:p>
             <a:pPr lvl="0"/>
             <a:r>
-              <a:rPr lang="en-US" smtClean="0"/>
+              <a:rPr lang="en-US"/>
               <a:t>Click to edit Master text styles</a:t>
             </a:r>
           </a:p>
@@ -2587,7 +2571,7 @@
           <a:p>
             <a:fld id="{699DC775-C286-4358-8C92-D7E584E969B3}" type="datetimeFigureOut">
               <a:rPr lang="en-US" smtClean="0"/>
-              <a:t>26-Jun-15</a:t>
+              <a:t>7/3/2019</a:t>
             </a:fld>
             <a:endParaRPr lang="en-US"/>
           </a:p>
@@ -2681,10 +2665,9 @@
           <a:lstStyle/>
           <a:p>
             <a:r>
-              <a:rPr lang="en-US" smtClean="0"/>
+              <a:rPr lang="en-US"/>
               <a:t>Click to edit Master title style</a:t>
             </a:r>
-            <a:endParaRPr lang="en-US"/>
           </a:p>
         </p:txBody>
       </p:sp>
@@ -2705,38 +2688,37 @@
           <a:p>
             <a:pPr lvl="0"/>
             <a:r>
-              <a:rPr lang="en-US" smtClean="0"/>
+              <a:rPr lang="en-US"/>
               <a:t>Click to edit Master text styles</a:t>
             </a:r>
           </a:p>
           <a:p>
             <a:pPr lvl="1"/>
             <a:r>
-              <a:rPr lang="en-US" smtClean="0"/>
+              <a:rPr lang="en-US"/>
               <a:t>Second level</a:t>
             </a:r>
           </a:p>
           <a:p>
             <a:pPr lvl="2"/>
             <a:r>
-              <a:rPr lang="en-US" smtClean="0"/>
+              <a:rPr lang="en-US"/>
               <a:t>Third level</a:t>
             </a:r>
           </a:p>
           <a:p>
             <a:pPr lvl="3"/>
             <a:r>
-              <a:rPr lang="en-US" smtClean="0"/>
+              <a:rPr lang="en-US"/>
               <a:t>Fourth level</a:t>
             </a:r>
           </a:p>
           <a:p>
             <a:pPr lvl="4"/>
             <a:r>
-              <a:rPr lang="en-US" smtClean="0"/>
+              <a:rPr lang="en-US"/>
               <a:t>Fifth level</a:t>
             </a:r>
-            <a:endParaRPr lang="en-US"/>
           </a:p>
         </p:txBody>
       </p:sp>
@@ -2757,7 +2739,7 @@
           <a:p>
             <a:fld id="{699DC775-C286-4358-8C92-D7E584E969B3}" type="datetimeFigureOut">
               <a:rPr lang="en-US" smtClean="0"/>
-              <a:t>26-Jun-15</a:t>
+              <a:t>7/3/2019</a:t>
             </a:fld>
             <a:endParaRPr lang="en-US"/>
           </a:p>
@@ -2860,10 +2842,9 @@
           </a:lstStyle>
           <a:p>
             <a:r>
-              <a:rPr lang="en-US" smtClean="0"/>
+              <a:rPr lang="en-US"/>
               <a:t>Click to edit Master title style</a:t>
             </a:r>
-            <a:endParaRPr lang="en-US"/>
           </a:p>
         </p:txBody>
       </p:sp>
@@ -2987,7 +2968,7 @@
           <a:p>
             <a:pPr lvl="0"/>
             <a:r>
-              <a:rPr lang="en-US" smtClean="0"/>
+              <a:rPr lang="en-US"/>
               <a:t>Click to edit Master text styles</a:t>
             </a:r>
           </a:p>
@@ -3010,7 +2991,7 @@
           <a:p>
             <a:fld id="{699DC775-C286-4358-8C92-D7E584E969B3}" type="datetimeFigureOut">
               <a:rPr lang="en-US" smtClean="0"/>
-              <a:t>26-Jun-15</a:t>
+              <a:t>7/3/2019</a:t>
             </a:fld>
             <a:endParaRPr lang="en-US"/>
           </a:p>
@@ -3104,10 +3085,9 @@
           <a:lstStyle/>
           <a:p>
             <a:r>
-              <a:rPr lang="en-US" smtClean="0"/>
+              <a:rPr lang="en-US"/>
               <a:t>Click to edit Master title style</a:t>
             </a:r>
-            <a:endParaRPr lang="en-US"/>
           </a:p>
         </p:txBody>
       </p:sp>
@@ -3128,38 +3108,37 @@
           <a:p>
             <a:pPr lvl="0"/>
             <a:r>
-              <a:rPr lang="en-US" smtClean="0"/>
+              <a:rPr lang="en-US"/>
               <a:t>Click to edit Master text styles</a:t>
             </a:r>
           </a:p>
           <a:p>
             <a:pPr lvl="1"/>
             <a:r>
-              <a:rPr lang="en-US" smtClean="0"/>
+              <a:rPr lang="en-US"/>
               <a:t>Second level</a:t>
             </a:r>
           </a:p>
           <a:p>
             <a:pPr lvl="2"/>
             <a:r>
-              <a:rPr lang="en-US" smtClean="0"/>
+              <a:rPr lang="en-US"/>
               <a:t>Third level</a:t>
             </a:r>
           </a:p>
           <a:p>
             <a:pPr lvl="3"/>
             <a:r>
-              <a:rPr lang="en-US" smtClean="0"/>
+              <a:rPr lang="en-US"/>
               <a:t>Fourth level</a:t>
             </a:r>
           </a:p>
           <a:p>
             <a:pPr lvl="4"/>
             <a:r>
-              <a:rPr lang="en-US" smtClean="0"/>
+              <a:rPr lang="en-US"/>
               <a:t>Fifth level</a:t>
             </a:r>
-            <a:endParaRPr lang="en-US"/>
           </a:p>
         </p:txBody>
       </p:sp>
@@ -3180,7 +3159,7 @@
           <a:p>
             <a:fld id="{699DC775-C286-4358-8C92-D7E584E969B3}" type="datetimeFigureOut">
               <a:rPr lang="en-US" smtClean="0"/>
-              <a:t>26-Jun-15</a:t>
+              <a:t>7/3/2019</a:t>
             </a:fld>
             <a:endParaRPr lang="en-US"/>
           </a:p>
@@ -3279,10 +3258,9 @@
           <a:lstStyle/>
           <a:p>
             <a:r>
-              <a:rPr lang="en-US" smtClean="0"/>
+              <a:rPr lang="en-US"/>
               <a:t>Click to edit Master title style</a:t>
             </a:r>
-            <a:endParaRPr lang="en-US"/>
           </a:p>
         </p:txBody>
       </p:sp>
@@ -3308,38 +3286,37 @@
           <a:p>
             <a:pPr lvl="0"/>
             <a:r>
-              <a:rPr lang="en-US" smtClean="0"/>
+              <a:rPr lang="en-US"/>
               <a:t>Click to edit Master text styles</a:t>
             </a:r>
           </a:p>
           <a:p>
             <a:pPr lvl="1"/>
             <a:r>
-              <a:rPr lang="en-US" smtClean="0"/>
+              <a:rPr lang="en-US"/>
               <a:t>Second level</a:t>
             </a:r>
           </a:p>
           <a:p>
             <a:pPr lvl="2"/>
             <a:r>
-              <a:rPr lang="en-US" smtClean="0"/>
+              <a:rPr lang="en-US"/>
               <a:t>Third level</a:t>
             </a:r>
           </a:p>
           <a:p>
             <a:pPr lvl="3"/>
             <a:r>
-              <a:rPr lang="en-US" smtClean="0"/>
+              <a:rPr lang="en-US"/>
               <a:t>Fourth level</a:t>
             </a:r>
           </a:p>
           <a:p>
             <a:pPr lvl="4"/>
             <a:r>
-              <a:rPr lang="en-US" smtClean="0"/>
+              <a:rPr lang="en-US"/>
               <a:t>Fifth level</a:t>
             </a:r>
-            <a:endParaRPr lang="en-US"/>
           </a:p>
         </p:txBody>
       </p:sp>
@@ -3360,7 +3337,7 @@
           <a:p>
             <a:fld id="{699DC775-C286-4358-8C92-D7E584E969B3}" type="datetimeFigureOut">
               <a:rPr lang="en-US" smtClean="0"/>
-              <a:t>26-Jun-15</a:t>
+              <a:t>7/3/2019</a:t>
             </a:fld>
             <a:endParaRPr lang="en-US"/>
           </a:p>
@@ -3467,10 +3444,9 @@
           <a:lstStyle/>
           <a:p>
             <a:r>
-              <a:rPr lang="en-US" smtClean="0"/>
+              <a:rPr lang="en-US"/>
               <a:t>Click to edit Master title style</a:t>
             </a:r>
-            <a:endParaRPr lang="en-US"/>
           </a:p>
         </p:txBody>
       </p:sp>
@@ -3586,10 +3562,9 @@
           </a:lstStyle>
           <a:p>
             <a:r>
-              <a:rPr lang="en-US" smtClean="0"/>
+              <a:rPr lang="en-US"/>
               <a:t>Click to edit Master subtitle style</a:t>
             </a:r>
-            <a:endParaRPr lang="en-US"/>
           </a:p>
         </p:txBody>
       </p:sp>
@@ -3610,7 +3585,7 @@
           <a:p>
             <a:fld id="{699DC775-C286-4358-8C92-D7E584E969B3}" type="datetimeFigureOut">
               <a:rPr lang="en-US" smtClean="0"/>
-              <a:t>26-Jun-15</a:t>
+              <a:t>7/3/2019</a:t>
             </a:fld>
             <a:endParaRPr lang="en-US"/>
           </a:p>
@@ -3712,10 +3687,9 @@
           <a:lstStyle/>
           <a:p>
             <a:r>
-              <a:rPr lang="en-US" smtClean="0"/>
+              <a:rPr lang="en-US"/>
               <a:t>Click to edit Master title style</a:t>
             </a:r>
-            <a:endParaRPr lang="en-US"/>
           </a:p>
         </p:txBody>
       </p:sp>
@@ -3736,38 +3710,37 @@
           <a:p>
             <a:pPr lvl="0"/>
             <a:r>
-              <a:rPr lang="en-US" smtClean="0"/>
+              <a:rPr lang="en-US"/>
               <a:t>Click to edit Master text styles</a:t>
             </a:r>
           </a:p>
           <a:p>
             <a:pPr lvl="1"/>
             <a:r>
-              <a:rPr lang="en-US" smtClean="0"/>
+              <a:rPr lang="en-US"/>
               <a:t>Second level</a:t>
             </a:r>
           </a:p>
           <a:p>
             <a:pPr lvl="2"/>
             <a:r>
-              <a:rPr lang="en-US" smtClean="0"/>
+              <a:rPr lang="en-US"/>
               <a:t>Third level</a:t>
             </a:r>
           </a:p>
           <a:p>
             <a:pPr lvl="3"/>
             <a:r>
-              <a:rPr lang="en-US" smtClean="0"/>
+              <a:rPr lang="en-US"/>
               <a:t>Fourth level</a:t>
             </a:r>
           </a:p>
           <a:p>
             <a:pPr lvl="4"/>
             <a:r>
-              <a:rPr lang="en-US" smtClean="0"/>
+              <a:rPr lang="en-US"/>
               <a:t>Fifth level</a:t>
             </a:r>
-            <a:endParaRPr lang="en-US"/>
           </a:p>
         </p:txBody>
       </p:sp>
@@ -3788,7 +3761,7 @@
           <a:p>
             <a:fld id="{699DC775-C286-4358-8C92-D7E584E969B3}" type="datetimeFigureOut">
               <a:rPr lang="en-US" smtClean="0"/>
-              <a:t>26-Jun-15</a:t>
+              <a:t>7/3/2019</a:t>
             </a:fld>
             <a:endParaRPr lang="en-US"/>
           </a:p>
@@ -3899,10 +3872,9 @@
           </a:lstStyle>
           <a:p>
             <a:r>
-              <a:rPr lang="en-US" smtClean="0"/>
+              <a:rPr lang="en-US"/>
               <a:t>Click to edit Master title style</a:t>
             </a:r>
-            <a:endParaRPr lang="en-US"/>
           </a:p>
         </p:txBody>
       </p:sp>
@@ -4019,7 +3991,7 @@
           <a:p>
             <a:pPr lvl="0"/>
             <a:r>
-              <a:rPr lang="en-US" smtClean="0"/>
+              <a:rPr lang="en-US"/>
               <a:t>Click to edit Master text styles</a:t>
             </a:r>
           </a:p>
@@ -4042,7 +4014,7 @@
           <a:p>
             <a:fld id="{699DC775-C286-4358-8C92-D7E584E969B3}" type="datetimeFigureOut">
               <a:rPr lang="en-US" smtClean="0"/>
-              <a:t>26-Jun-15</a:t>
+              <a:t>7/3/2019</a:t>
             </a:fld>
             <a:endParaRPr lang="en-US"/>
           </a:p>
@@ -4144,10 +4116,9 @@
           <a:lstStyle/>
           <a:p>
             <a:r>
-              <a:rPr lang="en-US" smtClean="0"/>
+              <a:rPr lang="en-US"/>
               <a:t>Click to edit Master title style</a:t>
             </a:r>
-            <a:endParaRPr lang="en-US"/>
           </a:p>
         </p:txBody>
       </p:sp>
@@ -4201,38 +4172,37 @@
           <a:p>
             <a:pPr lvl="0"/>
             <a:r>
-              <a:rPr lang="en-US" smtClean="0"/>
+              <a:rPr lang="en-US"/>
               <a:t>Click to edit Master text styles</a:t>
             </a:r>
           </a:p>
           <a:p>
             <a:pPr lvl="1"/>
             <a:r>
-              <a:rPr lang="en-US" smtClean="0"/>
+              <a:rPr lang="en-US"/>
               <a:t>Second level</a:t>
             </a:r>
           </a:p>
           <a:p>
             <a:pPr lvl="2"/>
             <a:r>
-              <a:rPr lang="en-US" smtClean="0"/>
+              <a:rPr lang="en-US"/>
               <a:t>Third level</a:t>
             </a:r>
           </a:p>
           <a:p>
             <a:pPr lvl="3"/>
             <a:r>
-              <a:rPr lang="en-US" smtClean="0"/>
+              <a:rPr lang="en-US"/>
               <a:t>Fourth level</a:t>
             </a:r>
           </a:p>
           <a:p>
             <a:pPr lvl="4"/>
             <a:r>
-              <a:rPr lang="en-US" smtClean="0"/>
+              <a:rPr lang="en-US"/>
               <a:t>Fifth level</a:t>
             </a:r>
-            <a:endParaRPr lang="en-US"/>
           </a:p>
         </p:txBody>
       </p:sp>
@@ -4286,38 +4256,37 @@
           <a:p>
             <a:pPr lvl="0"/>
             <a:r>
-              <a:rPr lang="en-US" smtClean="0"/>
+              <a:rPr lang="en-US"/>
               <a:t>Click to edit Master text styles</a:t>
             </a:r>
           </a:p>
           <a:p>
             <a:pPr lvl="1"/>
             <a:r>
-              <a:rPr lang="en-US" smtClean="0"/>
+              <a:rPr lang="en-US"/>
               <a:t>Second level</a:t>
             </a:r>
           </a:p>
           <a:p>
             <a:pPr lvl="2"/>
             <a:r>
-              <a:rPr lang="en-US" smtClean="0"/>
+              <a:rPr lang="en-US"/>
               <a:t>Third level</a:t>
             </a:r>
           </a:p>
           <a:p>
             <a:pPr lvl="3"/>
             <a:r>
-              <a:rPr lang="en-US" smtClean="0"/>
+              <a:rPr lang="en-US"/>
               <a:t>Fourth level</a:t>
             </a:r>
           </a:p>
           <a:p>
             <a:pPr lvl="4"/>
             <a:r>
-              <a:rPr lang="en-US" smtClean="0"/>
+              <a:rPr lang="en-US"/>
               <a:t>Fifth level</a:t>
             </a:r>
-            <a:endParaRPr lang="en-US"/>
           </a:p>
         </p:txBody>
       </p:sp>
@@ -4338,7 +4307,7 @@
           <a:p>
             <a:fld id="{699DC775-C286-4358-8C92-D7E584E969B3}" type="datetimeFigureOut">
               <a:rPr lang="en-US" smtClean="0"/>
-              <a:t>26-Jun-15</a:t>
+              <a:t>7/3/2019</a:t>
             </a:fld>
             <a:endParaRPr lang="en-US"/>
           </a:p>
@@ -4444,10 +4413,9 @@
           </a:lstStyle>
           <a:p>
             <a:r>
-              <a:rPr lang="en-US" smtClean="0"/>
+              <a:rPr lang="en-US"/>
               <a:t>Click to edit Master title style</a:t>
             </a:r>
-            <a:endParaRPr lang="en-US"/>
           </a:p>
         </p:txBody>
       </p:sp>
@@ -4510,7 +4478,7 @@
           <a:p>
             <a:pPr lvl="0"/>
             <a:r>
-              <a:rPr lang="en-US" smtClean="0"/>
+              <a:rPr lang="en-US"/>
               <a:t>Click to edit Master text styles</a:t>
             </a:r>
           </a:p>
@@ -4566,38 +4534,37 @@
           <a:p>
             <a:pPr lvl="0"/>
             <a:r>
-              <a:rPr lang="en-US" smtClean="0"/>
+              <a:rPr lang="en-US"/>
               <a:t>Click to edit Master text styles</a:t>
             </a:r>
           </a:p>
           <a:p>
             <a:pPr lvl="1"/>
             <a:r>
-              <a:rPr lang="en-US" smtClean="0"/>
+              <a:rPr lang="en-US"/>
               <a:t>Second level</a:t>
             </a:r>
           </a:p>
           <a:p>
             <a:pPr lvl="2"/>
             <a:r>
-              <a:rPr lang="en-US" smtClean="0"/>
+              <a:rPr lang="en-US"/>
               <a:t>Third level</a:t>
             </a:r>
           </a:p>
           <a:p>
             <a:pPr lvl="3"/>
             <a:r>
-              <a:rPr lang="en-US" smtClean="0"/>
+              <a:rPr lang="en-US"/>
               <a:t>Fourth level</a:t>
             </a:r>
           </a:p>
           <a:p>
             <a:pPr lvl="4"/>
             <a:r>
-              <a:rPr lang="en-US" smtClean="0"/>
+              <a:rPr lang="en-US"/>
               <a:t>Fifth level</a:t>
             </a:r>
-            <a:endParaRPr lang="en-US"/>
           </a:p>
         </p:txBody>
       </p:sp>
@@ -4660,7 +4627,7 @@
           <a:p>
             <a:pPr lvl="0"/>
             <a:r>
-              <a:rPr lang="en-US" smtClean="0"/>
+              <a:rPr lang="en-US"/>
               <a:t>Click to edit Master text styles</a:t>
             </a:r>
           </a:p>
@@ -4716,38 +4683,37 @@
           <a:p>
             <a:pPr lvl="0"/>
             <a:r>
-              <a:rPr lang="en-US" smtClean="0"/>
+              <a:rPr lang="en-US"/>
               <a:t>Click to edit Master text styles</a:t>
             </a:r>
           </a:p>
           <a:p>
             <a:pPr lvl="1"/>
             <a:r>
-              <a:rPr lang="en-US" smtClean="0"/>
+              <a:rPr lang="en-US"/>
               <a:t>Second level</a:t>
             </a:r>
           </a:p>
           <a:p>
             <a:pPr lvl="2"/>
             <a:r>
-              <a:rPr lang="en-US" smtClean="0"/>
+              <a:rPr lang="en-US"/>
               <a:t>Third level</a:t>
             </a:r>
           </a:p>
           <a:p>
             <a:pPr lvl="3"/>
             <a:r>
-              <a:rPr lang="en-US" smtClean="0"/>
+              <a:rPr lang="en-US"/>
               <a:t>Fourth level</a:t>
             </a:r>
           </a:p>
           <a:p>
             <a:pPr lvl="4"/>
             <a:r>
-              <a:rPr lang="en-US" smtClean="0"/>
+              <a:rPr lang="en-US"/>
               <a:t>Fifth level</a:t>
             </a:r>
-            <a:endParaRPr lang="en-US"/>
           </a:p>
         </p:txBody>
       </p:sp>
@@ -4768,7 +4734,7 @@
           <a:p>
             <a:fld id="{699DC775-C286-4358-8C92-D7E584E969B3}" type="datetimeFigureOut">
               <a:rPr lang="en-US" smtClean="0"/>
-              <a:t>26-Jun-15</a:t>
+              <a:t>7/3/2019</a:t>
             </a:fld>
             <a:endParaRPr lang="en-US"/>
           </a:p>
@@ -4870,10 +4836,9 @@
           <a:lstStyle/>
           <a:p>
             <a:r>
-              <a:rPr lang="en-US" smtClean="0"/>
+              <a:rPr lang="en-US"/>
               <a:t>Click to edit Master title style</a:t>
             </a:r>
-            <a:endParaRPr lang="en-US"/>
           </a:p>
         </p:txBody>
       </p:sp>
@@ -4894,7 +4859,7 @@
           <a:p>
             <a:fld id="{699DC775-C286-4358-8C92-D7E584E969B3}" type="datetimeFigureOut">
               <a:rPr lang="en-US" smtClean="0"/>
-              <a:t>26-Jun-15</a:t>
+              <a:t>7/3/2019</a:t>
             </a:fld>
             <a:endParaRPr lang="en-US"/>
           </a:p>
@@ -4997,7 +4962,7 @@
           <a:p>
             <a:fld id="{699DC775-C286-4358-8C92-D7E584E969B3}" type="datetimeFigureOut">
               <a:rPr lang="en-US" smtClean="0"/>
-              <a:t>26-Jun-15</a:t>
+              <a:t>7/3/2019</a:t>
             </a:fld>
             <a:endParaRPr lang="en-US"/>
           </a:p>
@@ -5100,10 +5065,9 @@
           </a:lstStyle>
           <a:p>
             <a:r>
-              <a:rPr lang="en-US" smtClean="0"/>
+              <a:rPr lang="en-US"/>
               <a:t>Click to edit Master title style</a:t>
             </a:r>
-            <a:endParaRPr lang="en-US"/>
           </a:p>
         </p:txBody>
       </p:sp>
@@ -5220,7 +5184,7 @@
           <a:p>
             <a:pPr lvl="0"/>
             <a:r>
-              <a:rPr lang="en-US" smtClean="0"/>
+              <a:rPr lang="en-US"/>
               <a:t>Click to edit Master text styles</a:t>
             </a:r>
           </a:p>
@@ -5243,7 +5207,7 @@
           <a:p>
             <a:fld id="{699DC775-C286-4358-8C92-D7E584E969B3}" type="datetimeFigureOut">
               <a:rPr lang="en-US" smtClean="0"/>
-              <a:t>26-Jun-15</a:t>
+              <a:t>7/3/2019</a:t>
             </a:fld>
             <a:endParaRPr lang="en-US"/>
           </a:p>
@@ -5354,10 +5318,9 @@
           </a:lstStyle>
           <a:p>
             <a:r>
-              <a:rPr lang="en-US" smtClean="0"/>
+              <a:rPr lang="en-US"/>
               <a:t>Click to edit Master title style</a:t>
             </a:r>
-            <a:endParaRPr lang="en-US"/>
           </a:p>
         </p:txBody>
       </p:sp>
@@ -5411,38 +5374,37 @@
           <a:p>
             <a:pPr lvl="0"/>
             <a:r>
-              <a:rPr lang="en-US" smtClean="0"/>
+              <a:rPr lang="en-US"/>
               <a:t>Click to edit Master text styles</a:t>
             </a:r>
           </a:p>
           <a:p>
             <a:pPr lvl="1"/>
             <a:r>
-              <a:rPr lang="en-US" smtClean="0"/>
+              <a:rPr lang="en-US"/>
               <a:t>Second level</a:t>
             </a:r>
           </a:p>
           <a:p>
             <a:pPr lvl="2"/>
             <a:r>
-              <a:rPr lang="en-US" smtClean="0"/>
+              <a:rPr lang="en-US"/>
               <a:t>Third level</a:t>
             </a:r>
           </a:p>
           <a:p>
             <a:pPr lvl="3"/>
             <a:r>
-              <a:rPr lang="en-US" smtClean="0"/>
+              <a:rPr lang="en-US"/>
               <a:t>Fourth level</a:t>
             </a:r>
           </a:p>
           <a:p>
             <a:pPr lvl="4"/>
             <a:r>
-              <a:rPr lang="en-US" smtClean="0"/>
+              <a:rPr lang="en-US"/>
               <a:t>Fifth level</a:t>
             </a:r>
-            <a:endParaRPr lang="en-US"/>
           </a:p>
         </p:txBody>
       </p:sp>
@@ -5505,7 +5467,7 @@
           <a:p>
             <a:pPr lvl="0"/>
             <a:r>
-              <a:rPr lang="en-US" smtClean="0"/>
+              <a:rPr lang="en-US"/>
               <a:t>Click to edit Master text styles</a:t>
             </a:r>
           </a:p>
@@ -5528,7 +5490,7 @@
           <a:p>
             <a:fld id="{699DC775-C286-4358-8C92-D7E584E969B3}" type="datetimeFigureOut">
               <a:rPr lang="en-US" smtClean="0"/>
-              <a:t>26-Jun-15</a:t>
+              <a:t>7/3/2019</a:t>
             </a:fld>
             <a:endParaRPr lang="en-US"/>
           </a:p>
@@ -5639,10 +5601,9 @@
           </a:lstStyle>
           <a:p>
             <a:r>
-              <a:rPr lang="en-US" smtClean="0"/>
+              <a:rPr lang="en-US"/>
               <a:t>Click to edit Master title style</a:t>
             </a:r>
-            <a:endParaRPr lang="en-US"/>
           </a:p>
         </p:txBody>
       </p:sp>
@@ -5766,7 +5727,7 @@
           <a:p>
             <a:pPr lvl="0"/>
             <a:r>
-              <a:rPr lang="en-US" smtClean="0"/>
+              <a:rPr lang="en-US"/>
               <a:t>Click to edit Master text styles</a:t>
             </a:r>
           </a:p>
@@ -5789,7 +5750,7 @@
           <a:p>
             <a:fld id="{699DC775-C286-4358-8C92-D7E584E969B3}" type="datetimeFigureOut">
               <a:rPr lang="en-US" smtClean="0"/>
-              <a:t>26-Jun-15</a:t>
+              <a:t>7/3/2019</a:t>
             </a:fld>
             <a:endParaRPr lang="en-US"/>
           </a:p>
@@ -5891,10 +5852,9 @@
           <a:lstStyle/>
           <a:p>
             <a:r>
-              <a:rPr lang="en-US" smtClean="0"/>
+              <a:rPr lang="en-US"/>
               <a:t>Click to edit Master title style</a:t>
             </a:r>
-            <a:endParaRPr lang="en-US"/>
           </a:p>
         </p:txBody>
       </p:sp>
@@ -5915,38 +5875,37 @@
           <a:p>
             <a:pPr lvl="0"/>
             <a:r>
-              <a:rPr lang="en-US" smtClean="0"/>
+              <a:rPr lang="en-US"/>
               <a:t>Click to edit Master text styles</a:t>
             </a:r>
           </a:p>
           <a:p>
             <a:pPr lvl="1"/>
             <a:r>
-              <a:rPr lang="en-US" smtClean="0"/>
+              <a:rPr lang="en-US"/>
               <a:t>Second level</a:t>
             </a:r>
           </a:p>
           <a:p>
             <a:pPr lvl="2"/>
             <a:r>
-              <a:rPr lang="en-US" smtClean="0"/>
+              <a:rPr lang="en-US"/>
               <a:t>Third level</a:t>
             </a:r>
           </a:p>
           <a:p>
             <a:pPr lvl="3"/>
             <a:r>
-              <a:rPr lang="en-US" smtClean="0"/>
+              <a:rPr lang="en-US"/>
               <a:t>Fourth level</a:t>
             </a:r>
           </a:p>
           <a:p>
             <a:pPr lvl="4"/>
             <a:r>
-              <a:rPr lang="en-US" smtClean="0"/>
+              <a:rPr lang="en-US"/>
               <a:t>Fifth level</a:t>
             </a:r>
-            <a:endParaRPr lang="en-US"/>
           </a:p>
         </p:txBody>
       </p:sp>
@@ -5967,7 +5926,7 @@
           <a:p>
             <a:fld id="{699DC775-C286-4358-8C92-D7E584E969B3}" type="datetimeFigureOut">
               <a:rPr lang="en-US" smtClean="0"/>
-              <a:t>26-Jun-15</a:t>
+              <a:t>7/3/2019</a:t>
             </a:fld>
             <a:endParaRPr lang="en-US"/>
           </a:p>
@@ -6074,10 +6033,9 @@
           <a:lstStyle/>
           <a:p>
             <a:r>
-              <a:rPr lang="en-US" smtClean="0"/>
+              <a:rPr lang="en-US"/>
               <a:t>Click to edit Master title style</a:t>
             </a:r>
-            <a:endParaRPr lang="en-US"/>
           </a:p>
         </p:txBody>
       </p:sp>
@@ -6103,38 +6061,37 @@
           <a:p>
             <a:pPr lvl="0"/>
             <a:r>
-              <a:rPr lang="en-US" smtClean="0"/>
+              <a:rPr lang="en-US"/>
               <a:t>Click to edit Master text styles</a:t>
             </a:r>
           </a:p>
           <a:p>
             <a:pPr lvl="1"/>
             <a:r>
-              <a:rPr lang="en-US" smtClean="0"/>
+              <a:rPr lang="en-US"/>
               <a:t>Second level</a:t>
             </a:r>
           </a:p>
           <a:p>
             <a:pPr lvl="2"/>
             <a:r>
-              <a:rPr lang="en-US" smtClean="0"/>
+              <a:rPr lang="en-US"/>
               <a:t>Third level</a:t>
             </a:r>
           </a:p>
           <a:p>
             <a:pPr lvl="3"/>
             <a:r>
-              <a:rPr lang="en-US" smtClean="0"/>
+              <a:rPr lang="en-US"/>
               <a:t>Fourth level</a:t>
             </a:r>
           </a:p>
           <a:p>
             <a:pPr lvl="4"/>
             <a:r>
-              <a:rPr lang="en-US" smtClean="0"/>
+              <a:rPr lang="en-US"/>
               <a:t>Fifth level</a:t>
             </a:r>
-            <a:endParaRPr lang="en-US"/>
           </a:p>
         </p:txBody>
       </p:sp>
@@ -6155,7 +6112,7 @@
           <a:p>
             <a:fld id="{699DC775-C286-4358-8C92-D7E584E969B3}" type="datetimeFigureOut">
               <a:rPr lang="en-US" smtClean="0"/>
-              <a:t>26-Jun-15</a:t>
+              <a:t>7/3/2019</a:t>
             </a:fld>
             <a:endParaRPr lang="en-US"/>
           </a:p>
@@ -6249,10 +6206,9 @@
           <a:lstStyle/>
           <a:p>
             <a:r>
-              <a:rPr lang="en-US" smtClean="0"/>
+              <a:rPr lang="en-US"/>
               <a:t>Click to edit Master title style</a:t>
             </a:r>
-            <a:endParaRPr lang="en-US"/>
           </a:p>
         </p:txBody>
       </p:sp>
@@ -6306,38 +6262,37 @@
           <a:p>
             <a:pPr lvl="0"/>
             <a:r>
-              <a:rPr lang="en-US" smtClean="0"/>
+              <a:rPr lang="en-US"/>
               <a:t>Click to edit Master text styles</a:t>
             </a:r>
           </a:p>
           <a:p>
             <a:pPr lvl="1"/>
             <a:r>
-              <a:rPr lang="en-US" smtClean="0"/>
+              <a:rPr lang="en-US"/>
               <a:t>Second level</a:t>
             </a:r>
           </a:p>
           <a:p>
             <a:pPr lvl="2"/>
             <a:r>
-              <a:rPr lang="en-US" smtClean="0"/>
+              <a:rPr lang="en-US"/>
               <a:t>Third level</a:t>
             </a:r>
           </a:p>
           <a:p>
             <a:pPr lvl="3"/>
             <a:r>
-              <a:rPr lang="en-US" smtClean="0"/>
+              <a:rPr lang="en-US"/>
               <a:t>Fourth level</a:t>
             </a:r>
           </a:p>
           <a:p>
             <a:pPr lvl="4"/>
             <a:r>
-              <a:rPr lang="en-US" smtClean="0"/>
+              <a:rPr lang="en-US"/>
               <a:t>Fifth level</a:t>
             </a:r>
-            <a:endParaRPr lang="en-US"/>
           </a:p>
         </p:txBody>
       </p:sp>
@@ -6391,38 +6346,37 @@
           <a:p>
             <a:pPr lvl="0"/>
             <a:r>
-              <a:rPr lang="en-US" smtClean="0"/>
+              <a:rPr lang="en-US"/>
               <a:t>Click to edit Master text styles</a:t>
             </a:r>
           </a:p>
           <a:p>
             <a:pPr lvl="1"/>
             <a:r>
-              <a:rPr lang="en-US" smtClean="0"/>
+              <a:rPr lang="en-US"/>
               <a:t>Second level</a:t>
             </a:r>
           </a:p>
           <a:p>
             <a:pPr lvl="2"/>
             <a:r>
-              <a:rPr lang="en-US" smtClean="0"/>
+              <a:rPr lang="en-US"/>
               <a:t>Third level</a:t>
             </a:r>
           </a:p>
           <a:p>
             <a:pPr lvl="3"/>
             <a:r>
-              <a:rPr lang="en-US" smtClean="0"/>
+              <a:rPr lang="en-US"/>
               <a:t>Fourth level</a:t>
             </a:r>
           </a:p>
           <a:p>
             <a:pPr lvl="4"/>
             <a:r>
-              <a:rPr lang="en-US" smtClean="0"/>
+              <a:rPr lang="en-US"/>
               <a:t>Fifth level</a:t>
             </a:r>
-            <a:endParaRPr lang="en-US"/>
           </a:p>
         </p:txBody>
       </p:sp>
@@ -6443,7 +6397,7 @@
           <a:p>
             <a:fld id="{699DC775-C286-4358-8C92-D7E584E969B3}" type="datetimeFigureOut">
               <a:rPr lang="en-US" smtClean="0"/>
-              <a:t>26-Jun-15</a:t>
+              <a:t>7/3/2019</a:t>
             </a:fld>
             <a:endParaRPr lang="en-US"/>
           </a:p>
@@ -6541,10 +6495,9 @@
           </a:lstStyle>
           <a:p>
             <a:r>
-              <a:rPr lang="en-US" smtClean="0"/>
+              <a:rPr lang="en-US"/>
               <a:t>Click to edit Master title style</a:t>
             </a:r>
-            <a:endParaRPr lang="en-US"/>
           </a:p>
         </p:txBody>
       </p:sp>
@@ -6607,7 +6560,7 @@
           <a:p>
             <a:pPr lvl="0"/>
             <a:r>
-              <a:rPr lang="en-US" smtClean="0"/>
+              <a:rPr lang="en-US"/>
               <a:t>Click to edit Master text styles</a:t>
             </a:r>
           </a:p>
@@ -6663,38 +6616,37 @@
           <a:p>
             <a:pPr lvl="0"/>
             <a:r>
-              <a:rPr lang="en-US" smtClean="0"/>
+              <a:rPr lang="en-US"/>
               <a:t>Click to edit Master text styles</a:t>
             </a:r>
           </a:p>
           <a:p>
             <a:pPr lvl="1"/>
             <a:r>
-              <a:rPr lang="en-US" smtClean="0"/>
+              <a:rPr lang="en-US"/>
               <a:t>Second level</a:t>
             </a:r>
           </a:p>
           <a:p>
             <a:pPr lvl="2"/>
             <a:r>
-              <a:rPr lang="en-US" smtClean="0"/>
+              <a:rPr lang="en-US"/>
               <a:t>Third level</a:t>
             </a:r>
           </a:p>
           <a:p>
             <a:pPr lvl="3"/>
             <a:r>
-              <a:rPr lang="en-US" smtClean="0"/>
+              <a:rPr lang="en-US"/>
               <a:t>Fourth level</a:t>
             </a:r>
           </a:p>
           <a:p>
             <a:pPr lvl="4"/>
             <a:r>
-              <a:rPr lang="en-US" smtClean="0"/>
+              <a:rPr lang="en-US"/>
               <a:t>Fifth level</a:t>
             </a:r>
-            <a:endParaRPr lang="en-US"/>
           </a:p>
         </p:txBody>
       </p:sp>
@@ -6757,7 +6709,7 @@
           <a:p>
             <a:pPr lvl="0"/>
             <a:r>
-              <a:rPr lang="en-US" smtClean="0"/>
+              <a:rPr lang="en-US"/>
               <a:t>Click to edit Master text styles</a:t>
             </a:r>
           </a:p>
@@ -6813,38 +6765,37 @@
           <a:p>
             <a:pPr lvl="0"/>
             <a:r>
-              <a:rPr lang="en-US" smtClean="0"/>
+              <a:rPr lang="en-US"/>
               <a:t>Click to edit Master text styles</a:t>
             </a:r>
           </a:p>
           <a:p>
             <a:pPr lvl="1"/>
             <a:r>
-              <a:rPr lang="en-US" smtClean="0"/>
+              <a:rPr lang="en-US"/>
               <a:t>Second level</a:t>
             </a:r>
           </a:p>
           <a:p>
             <a:pPr lvl="2"/>
             <a:r>
-              <a:rPr lang="en-US" smtClean="0"/>
+              <a:rPr lang="en-US"/>
               <a:t>Third level</a:t>
             </a:r>
           </a:p>
           <a:p>
             <a:pPr lvl="3"/>
             <a:r>
-              <a:rPr lang="en-US" smtClean="0"/>
+              <a:rPr lang="en-US"/>
               <a:t>Fourth level</a:t>
             </a:r>
           </a:p>
           <a:p>
             <a:pPr lvl="4"/>
             <a:r>
-              <a:rPr lang="en-US" smtClean="0"/>
+              <a:rPr lang="en-US"/>
               <a:t>Fifth level</a:t>
             </a:r>
-            <a:endParaRPr lang="en-US"/>
           </a:p>
         </p:txBody>
       </p:sp>
@@ -6865,7 +6816,7 @@
           <a:p>
             <a:fld id="{699DC775-C286-4358-8C92-D7E584E969B3}" type="datetimeFigureOut">
               <a:rPr lang="en-US" smtClean="0"/>
-              <a:t>26-Jun-15</a:t>
+              <a:t>7/3/2019</a:t>
             </a:fld>
             <a:endParaRPr lang="en-US"/>
           </a:p>
@@ -6959,10 +6910,9 @@
           <a:lstStyle/>
           <a:p>
             <a:r>
-              <a:rPr lang="en-US" smtClean="0"/>
+              <a:rPr lang="en-US"/>
               <a:t>Click to edit Master title style</a:t>
             </a:r>
-            <a:endParaRPr lang="en-US"/>
           </a:p>
         </p:txBody>
       </p:sp>
@@ -6983,7 +6933,7 @@
           <a:p>
             <a:fld id="{699DC775-C286-4358-8C92-D7E584E969B3}" type="datetimeFigureOut">
               <a:rPr lang="en-US" smtClean="0"/>
-              <a:t>26-Jun-15</a:t>
+              <a:t>7/3/2019</a:t>
             </a:fld>
             <a:endParaRPr lang="en-US"/>
           </a:p>
@@ -7078,7 +7028,7 @@
           <a:p>
             <a:fld id="{699DC775-C286-4358-8C92-D7E584E969B3}" type="datetimeFigureOut">
               <a:rPr lang="en-US" smtClean="0"/>
-              <a:t>26-Jun-15</a:t>
+              <a:t>7/3/2019</a:t>
             </a:fld>
             <a:endParaRPr lang="en-US"/>
           </a:p>
@@ -7181,10 +7131,9 @@
           </a:lstStyle>
           <a:p>
             <a:r>
-              <a:rPr lang="en-US" smtClean="0"/>
+              <a:rPr lang="en-US"/>
               <a:t>Click to edit Master title style</a:t>
             </a:r>
-            <a:endParaRPr lang="en-US"/>
           </a:p>
         </p:txBody>
       </p:sp>
@@ -7238,38 +7187,37 @@
           <a:p>
             <a:pPr lvl="0"/>
             <a:r>
-              <a:rPr lang="en-US" smtClean="0"/>
+              <a:rPr lang="en-US"/>
               <a:t>Click to edit Master text styles</a:t>
             </a:r>
           </a:p>
           <a:p>
             <a:pPr lvl="1"/>
             <a:r>
-              <a:rPr lang="en-US" smtClean="0"/>
+              <a:rPr lang="en-US"/>
               <a:t>Second level</a:t>
             </a:r>
           </a:p>
           <a:p>
             <a:pPr lvl="2"/>
             <a:r>
-              <a:rPr lang="en-US" smtClean="0"/>
+              <a:rPr lang="en-US"/>
               <a:t>Third level</a:t>
             </a:r>
           </a:p>
           <a:p>
             <a:pPr lvl="3"/>
             <a:r>
-              <a:rPr lang="en-US" smtClean="0"/>
+              <a:rPr lang="en-US"/>
               <a:t>Fourth level</a:t>
             </a:r>
           </a:p>
           <a:p>
             <a:pPr lvl="4"/>
             <a:r>
-              <a:rPr lang="en-US" smtClean="0"/>
+              <a:rPr lang="en-US"/>
               <a:t>Fifth level</a:t>
             </a:r>
-            <a:endParaRPr lang="en-US"/>
           </a:p>
         </p:txBody>
       </p:sp>
@@ -7332,7 +7280,7 @@
           <a:p>
             <a:pPr lvl="0"/>
             <a:r>
-              <a:rPr lang="en-US" smtClean="0"/>
+              <a:rPr lang="en-US"/>
               <a:t>Click to edit Master text styles</a:t>
             </a:r>
           </a:p>
@@ -7355,7 +7303,7 @@
           <a:p>
             <a:fld id="{699DC775-C286-4358-8C92-D7E584E969B3}" type="datetimeFigureOut">
               <a:rPr lang="en-US" smtClean="0"/>
-              <a:t>26-Jun-15</a:t>
+              <a:t>7/3/2019</a:t>
             </a:fld>
             <a:endParaRPr lang="en-US"/>
           </a:p>
@@ -7458,10 +7406,9 @@
           </a:lstStyle>
           <a:p>
             <a:r>
-              <a:rPr lang="en-US" smtClean="0"/>
+              <a:rPr lang="en-US"/>
               <a:t>Click to edit Master title style</a:t>
             </a:r>
-            <a:endParaRPr lang="en-US"/>
           </a:p>
         </p:txBody>
       </p:sp>
@@ -7585,7 +7532,7 @@
           <a:p>
             <a:pPr lvl="0"/>
             <a:r>
-              <a:rPr lang="en-US" smtClean="0"/>
+              <a:rPr lang="en-US"/>
               <a:t>Click to edit Master text styles</a:t>
             </a:r>
           </a:p>
@@ -7608,7 +7555,7 @@
           <a:p>
             <a:fld id="{699DC775-C286-4358-8C92-D7E584E969B3}" type="datetimeFigureOut">
               <a:rPr lang="en-US" smtClean="0"/>
-              <a:t>26-Jun-15</a:t>
+              <a:t>7/3/2019</a:t>
             </a:fld>
             <a:endParaRPr lang="en-US"/>
           </a:p>
@@ -7717,10 +7664,9 @@
           <a:lstStyle/>
           <a:p>
             <a:r>
-              <a:rPr lang="en-US" smtClean="0"/>
+              <a:rPr lang="en-US"/>
               <a:t>Click to edit Master title style</a:t>
             </a:r>
-            <a:endParaRPr lang="en-US"/>
           </a:p>
         </p:txBody>
       </p:sp>
@@ -7751,38 +7697,37 @@
           <a:p>
             <a:pPr lvl="0"/>
             <a:r>
-              <a:rPr lang="en-US" smtClean="0"/>
+              <a:rPr lang="en-US"/>
               <a:t>Click to edit Master text styles</a:t>
             </a:r>
           </a:p>
           <a:p>
             <a:pPr lvl="1"/>
             <a:r>
-              <a:rPr lang="en-US" smtClean="0"/>
+              <a:rPr lang="en-US"/>
               <a:t>Second level</a:t>
             </a:r>
           </a:p>
           <a:p>
             <a:pPr lvl="2"/>
             <a:r>
-              <a:rPr lang="en-US" smtClean="0"/>
+              <a:rPr lang="en-US"/>
               <a:t>Third level</a:t>
             </a:r>
           </a:p>
           <a:p>
             <a:pPr lvl="3"/>
             <a:r>
-              <a:rPr lang="en-US" smtClean="0"/>
+              <a:rPr lang="en-US"/>
               <a:t>Fourth level</a:t>
             </a:r>
           </a:p>
           <a:p>
             <a:pPr lvl="4"/>
             <a:r>
-              <a:rPr lang="en-US" smtClean="0"/>
+              <a:rPr lang="en-US"/>
               <a:t>Fifth level</a:t>
             </a:r>
-            <a:endParaRPr lang="en-US"/>
           </a:p>
         </p:txBody>
       </p:sp>
@@ -7821,7 +7766,7 @@
           <a:p>
             <a:fld id="{699DC775-C286-4358-8C92-D7E584E969B3}" type="datetimeFigureOut">
               <a:rPr lang="en-US" smtClean="0"/>
-              <a:t>26-Jun-15</a:t>
+              <a:t>7/3/2019</a:t>
             </a:fld>
             <a:endParaRPr lang="en-US"/>
           </a:p>
@@ -8232,10 +8177,9 @@
           <a:lstStyle/>
           <a:p>
             <a:r>
-              <a:rPr lang="en-US" smtClean="0"/>
+              <a:rPr lang="en-US"/>
               <a:t>Click to edit Master title style</a:t>
             </a:r>
-            <a:endParaRPr lang="en-US"/>
           </a:p>
         </p:txBody>
       </p:sp>
@@ -8266,38 +8210,37 @@
           <a:p>
             <a:pPr lvl="0"/>
             <a:r>
-              <a:rPr lang="en-US" smtClean="0"/>
+              <a:rPr lang="en-US"/>
               <a:t>Click to edit Master text styles</a:t>
             </a:r>
           </a:p>
           <a:p>
             <a:pPr lvl="1"/>
             <a:r>
-              <a:rPr lang="en-US" smtClean="0"/>
+              <a:rPr lang="en-US"/>
               <a:t>Second level</a:t>
             </a:r>
           </a:p>
           <a:p>
             <a:pPr lvl="2"/>
             <a:r>
-              <a:rPr lang="en-US" smtClean="0"/>
+              <a:rPr lang="en-US"/>
               <a:t>Third level</a:t>
             </a:r>
           </a:p>
           <a:p>
             <a:pPr lvl="3"/>
             <a:r>
-              <a:rPr lang="en-US" smtClean="0"/>
+              <a:rPr lang="en-US"/>
               <a:t>Fourth level</a:t>
             </a:r>
           </a:p>
           <a:p>
             <a:pPr lvl="4"/>
             <a:r>
-              <a:rPr lang="en-US" smtClean="0"/>
+              <a:rPr lang="en-US"/>
               <a:t>Fifth level</a:t>
             </a:r>
-            <a:endParaRPr lang="en-US"/>
           </a:p>
         </p:txBody>
       </p:sp>
@@ -8336,7 +8279,7 @@
           <a:p>
             <a:fld id="{699DC775-C286-4358-8C92-D7E584E969B3}" type="datetimeFigureOut">
               <a:rPr lang="en-US" smtClean="0"/>
-              <a:t>26-Jun-15</a:t>
+              <a:t>7/3/2019</a:t>
             </a:fld>
             <a:endParaRPr lang="en-US"/>
           </a:p>
@@ -8745,10 +8688,9 @@
           <a:lstStyle/>
           <a:p>
             <a:r>
-              <a:rPr lang="en-US" dirty="0" smtClean="0"/>
+              <a:rPr lang="en-US" dirty="0"/>
               <a:t>Click to edit Master title style</a:t>
             </a:r>
-            <a:endParaRPr lang="en-US" dirty="0"/>
           </a:p>
         </p:txBody>
       </p:sp>
@@ -8779,38 +8721,37 @@
           <a:p>
             <a:pPr lvl="0"/>
             <a:r>
-              <a:rPr lang="en-US" smtClean="0"/>
+              <a:rPr lang="en-US"/>
               <a:t>Click to edit Master text styles</a:t>
             </a:r>
           </a:p>
           <a:p>
             <a:pPr lvl="1"/>
             <a:r>
-              <a:rPr lang="en-US" smtClean="0"/>
+              <a:rPr lang="en-US"/>
               <a:t>Second level</a:t>
             </a:r>
           </a:p>
           <a:p>
             <a:pPr lvl="2"/>
             <a:r>
-              <a:rPr lang="en-US" smtClean="0"/>
+              <a:rPr lang="en-US"/>
               <a:t>Third level</a:t>
             </a:r>
           </a:p>
           <a:p>
             <a:pPr lvl="3"/>
             <a:r>
-              <a:rPr lang="en-US" smtClean="0"/>
+              <a:rPr lang="en-US"/>
               <a:t>Fourth level</a:t>
             </a:r>
           </a:p>
           <a:p>
             <a:pPr lvl="4"/>
             <a:r>
-              <a:rPr lang="en-US" smtClean="0"/>
+              <a:rPr lang="en-US"/>
               <a:t>Fifth level</a:t>
             </a:r>
-            <a:endParaRPr lang="en-US"/>
           </a:p>
         </p:txBody>
       </p:sp>
@@ -8849,7 +8790,7 @@
           <a:p>
             <a:fld id="{699DC775-C286-4358-8C92-D7E584E969B3}" type="datetimeFigureOut">
               <a:rPr lang="en-US" smtClean="0"/>
-              <a:t>26-Jun-15</a:t>
+              <a:t>7/3/2019</a:t>
             </a:fld>
             <a:endParaRPr lang="en-US"/>
           </a:p>
@@ -9242,7 +9183,7 @@
           <a:lstStyle/>
           <a:p>
             <a:r>
-              <a:rPr lang="en-US" sz="5400" b="1" dirty="0" err="1" smtClean="0">
+              <a:rPr lang="en-US" sz="5400" b="1" dirty="0" err="1">
                 <a:solidFill>
                   <a:schemeClr val="accent6">
                     <a:lumMod val="75000"/>
@@ -9252,7 +9193,7 @@
               <a:t>PowerPointLabs</a:t>
             </a:r>
             <a:r>
-              <a:rPr lang="en-US" sz="5400" b="1" dirty="0" smtClean="0">
+              <a:rPr lang="en-US" sz="5400" b="1" dirty="0">
                 <a:solidFill>
                   <a:schemeClr val="accent6">
                     <a:lumMod val="75000"/>
@@ -9290,7 +9231,7 @@
               <a:buNone/>
             </a:pPr>
             <a:r>
-              <a:rPr lang="en-US" b="1" dirty="0" smtClean="0">
+              <a:rPr lang="en-US" b="1" dirty="0">
                 <a:solidFill>
                   <a:srgbClr val="0070C0"/>
                 </a:solidFill>
@@ -9301,34 +9242,21 @@
           <a:p>
             <a:pPr marL="285750" indent="-285750"/>
             <a:r>
-              <a:rPr lang="en-US" b="1" dirty="0" smtClean="0">
-                <a:solidFill>
-                  <a:srgbClr val="0070C0"/>
-                </a:solidFill>
-              </a:rPr>
-              <a:t>DO </a:t>
-            </a:r>
-            <a:r>
               <a:rPr lang="en-US" b="1" dirty="0">
                 <a:solidFill>
                   <a:srgbClr val="0070C0"/>
                 </a:solidFill>
               </a:rPr>
-              <a:t>NOT SAVE </a:t>
-            </a:r>
-            <a:r>
-              <a:rPr lang="en-US" dirty="0" smtClean="0">
+              <a:t>DO NOT SAVE </a:t>
+            </a:r>
+            <a:r>
+              <a:rPr lang="en-US" dirty="0">
                 <a:solidFill>
                   <a:srgbClr val="0070C0"/>
                 </a:solidFill>
               </a:rPr>
               <a:t>these slides after testing. Keep this file in its original form.</a:t>
             </a:r>
-            <a:endParaRPr lang="en-US" dirty="0">
-              <a:solidFill>
-                <a:srgbClr val="0070C0"/>
-              </a:solidFill>
-            </a:endParaRPr>
           </a:p>
           <a:p>
             <a:pPr marL="285750" indent="-285750"/>
@@ -9338,47 +9266,7 @@
                   <a:srgbClr val="0070C0"/>
                 </a:solidFill>
               </a:rPr>
-              <a:t>If </a:t>
-            </a:r>
-            <a:r>
-              <a:rPr lang="en-US" dirty="0" smtClean="0">
-                <a:solidFill>
-                  <a:srgbClr val="0070C0"/>
-                </a:solidFill>
-              </a:rPr>
-              <a:t>your </a:t>
-            </a:r>
-            <a:r>
-              <a:rPr lang="en-US" dirty="0">
-                <a:solidFill>
-                  <a:srgbClr val="0070C0"/>
-                </a:solidFill>
-              </a:rPr>
-              <a:t>result </a:t>
-            </a:r>
-            <a:r>
-              <a:rPr lang="en-US" dirty="0" smtClean="0">
-                <a:solidFill>
-                  <a:srgbClr val="0070C0"/>
-                </a:solidFill>
-              </a:rPr>
-              <a:t>is different from the </a:t>
-            </a:r>
-            <a:r>
-              <a:rPr lang="en-US" dirty="0">
-                <a:solidFill>
-                  <a:srgbClr val="0070C0"/>
-                </a:solidFill>
-              </a:rPr>
-              <a:t>expected output, </a:t>
-            </a:r>
-            <a:r>
-              <a:rPr lang="en-US" dirty="0" smtClean="0">
-                <a:solidFill>
-                  <a:srgbClr val="0070C0"/>
-                </a:solidFill>
-              </a:rPr>
-              <a:t>please submit a bug report (attach slides/screenshots as necessary).</a:t>
+              <a:t>If your result is different from the expected output, please submit a bug report (attach slides/screenshots as necessary).</a:t>
             </a:r>
             <a:endParaRPr lang="en-SG" dirty="0">
               <a:solidFill>
@@ -9401,13 +9289,6 @@
   <p:clrMapOvr>
     <a:masterClrMapping/>
   </p:clrMapOvr>
-  <p:timing>
-    <p:tnLst>
-      <p:par>
-        <p:cTn id="1" dur="indefinite" restart="never" nodeType="tmRoot"/>
-      </p:par>
-    </p:tnLst>
-  </p:timing>
 </p:sld>
 </file>
 
@@ -9600,7 +9481,7 @@
           <a:p>
             <a:pPr algn="ctr"/>
             <a:r>
-              <a:rPr lang="en-US" sz="2800" smtClean="0"/>
+              <a:rPr lang="en-US" sz="2800"/>
               <a:t>Drill Down</a:t>
             </a:r>
             <a:endParaRPr lang="en-SG" sz="2800" dirty="0"/>
@@ -9647,10 +9528,9 @@
           <a:p>
             <a:pPr algn="ctr"/>
             <a:r>
-              <a:rPr lang="en-US" dirty="0" smtClean="0"/>
+              <a:rPr lang="en-US" dirty="0"/>
               <a:t>HIDDEN SHAPE</a:t>
             </a:r>
-            <a:endParaRPr lang="en-US" dirty="0"/>
           </a:p>
         </p:txBody>
       </p:sp>
@@ -9694,10 +9574,9 @@
           <a:p>
             <a:pPr algn="ctr"/>
             <a:r>
-              <a:rPr lang="en-US" dirty="0" smtClean="0"/>
+              <a:rPr lang="en-US" dirty="0"/>
               <a:t>HIDDEN SHAPE</a:t>
             </a:r>
-            <a:endParaRPr lang="en-US" dirty="0"/>
           </a:p>
         </p:txBody>
       </p:sp>
@@ -9723,13 +9602,6 @@
       </p:transition>
     </mc:Fallback>
   </mc:AlternateContent>
-  <p:timing>
-    <p:tnLst>
-      <p:par>
-        <p:cTn id="1" dur="indefinite" restart="never" nodeType="tmRoot"/>
-      </p:par>
-    </p:tnLst>
-  </p:timing>
 </p:sld>
 </file>
 
@@ -9801,18 +9673,13 @@
           <a:p>
             <a:pPr algn="ctr"/>
             <a:r>
-              <a:rPr lang="en-SG" dirty="0" smtClean="0">
+              <a:rPr lang="en-SG" dirty="0">
                 <a:solidFill>
                   <a:schemeClr val="tx1"/>
                 </a:solidFill>
               </a:rPr>
               <a:t>Shape With Exit Animation</a:t>
             </a:r>
-            <a:endParaRPr lang="en-SG" dirty="0">
-              <a:solidFill>
-                <a:schemeClr val="tx1"/>
-              </a:solidFill>
-            </a:endParaRPr>
           </a:p>
         </p:txBody>
       </p:sp>
@@ -9843,14 +9710,14 @@
               <a:buChar char="•"/>
             </a:pPr>
             <a:r>
-              <a:rPr lang="en-US" sz="3600" dirty="0" smtClean="0"/>
+              <a:rPr lang="en-US" sz="3600" dirty="0"/>
               <a:t>Blah </a:t>
             </a:r>
             <a:r>
-              <a:rPr lang="en-US" sz="3600" dirty="0" err="1" smtClean="0"/>
+              <a:rPr lang="en-US" sz="3600" dirty="0" err="1"/>
               <a:t>blah</a:t>
             </a:r>
-            <a:endParaRPr lang="en-US" sz="3600" dirty="0" smtClean="0"/>
+            <a:endParaRPr lang="en-US" sz="3600" dirty="0"/>
           </a:p>
           <a:p>
             <a:pPr marL="571500" indent="-571500">
@@ -9858,14 +9725,14 @@
               <a:buChar char="•"/>
             </a:pPr>
             <a:r>
-              <a:rPr lang="en-US" sz="3600" dirty="0" smtClean="0"/>
+              <a:rPr lang="en-US" sz="3600" dirty="0"/>
               <a:t>Blah </a:t>
             </a:r>
             <a:r>
-              <a:rPr lang="en-US" sz="3600" dirty="0" err="1" smtClean="0"/>
+              <a:rPr lang="en-US" sz="3600" dirty="0" err="1"/>
               <a:t>blah</a:t>
             </a:r>
-            <a:endParaRPr lang="en-US" sz="3600" dirty="0" smtClean="0"/>
+            <a:endParaRPr lang="en-US" sz="3600" dirty="0"/>
           </a:p>
           <a:p>
             <a:pPr marL="571500" indent="-571500">
@@ -9873,11 +9740,11 @@
               <a:buChar char="•"/>
             </a:pPr>
             <a:r>
-              <a:rPr lang="en-US" sz="3600" dirty="0" smtClean="0"/>
+              <a:rPr lang="en-US" sz="3600" dirty="0"/>
               <a:t>Blah </a:t>
             </a:r>
             <a:r>
-              <a:rPr lang="en-US" sz="3600" dirty="0" err="1" smtClean="0"/>
+              <a:rPr lang="en-US" sz="3600" dirty="0" err="1"/>
               <a:t>blah</a:t>
             </a:r>
             <a:endParaRPr lang="en-SG" sz="3600" dirty="0"/>
@@ -9921,7 +9788,7 @@
           <a:p>
             <a:pPr algn="ctr"/>
             <a:r>
-              <a:rPr lang="en-SG" dirty="0" smtClean="0">
+              <a:rPr lang="en-SG" dirty="0">
                 <a:solidFill>
                   <a:schemeClr val="tx1"/>
                 </a:solidFill>
@@ -9971,10 +9838,9 @@
           <a:p>
             <a:pPr algn="ctr"/>
             <a:r>
-              <a:rPr lang="en-US" dirty="0" smtClean="0"/>
+              <a:rPr lang="en-US" dirty="0"/>
               <a:t>HIDDEN SHAPE</a:t>
             </a:r>
-            <a:endParaRPr lang="en-US" dirty="0"/>
           </a:p>
         </p:txBody>
       </p:sp>
@@ -10018,10 +9884,9 @@
           <a:p>
             <a:pPr algn="ctr"/>
             <a:r>
-              <a:rPr lang="en-US" dirty="0" smtClean="0"/>
+              <a:rPr lang="en-US" dirty="0"/>
               <a:t>HIDDEN SHAPE</a:t>
             </a:r>
-            <a:endParaRPr lang="en-US" dirty="0"/>
           </a:p>
         </p:txBody>
       </p:sp>
@@ -10065,17 +9930,16 @@
           <a:p>
             <a:pPr algn="ctr"/>
             <a:r>
-              <a:rPr lang="en-US" dirty="0" smtClean="0"/>
+              <a:rPr lang="en-US" dirty="0"/>
               <a:t>Shape with entry animation</a:t>
             </a:r>
           </a:p>
           <a:p>
             <a:pPr algn="ctr"/>
             <a:r>
-              <a:rPr lang="en-US" dirty="0" smtClean="0"/>
+              <a:rPr lang="en-US" dirty="0"/>
               <a:t>THIS SHAPE SHOULD NOT APPEAR</a:t>
             </a:r>
-            <a:endParaRPr lang="en-US" dirty="0"/>
           </a:p>
         </p:txBody>
       </p:sp>
@@ -10656,10 +10520,9 @@
           <a:p>
             <a:pPr algn="ctr"/>
             <a:r>
-              <a:rPr lang="en-US" dirty="0" smtClean="0"/>
+              <a:rPr lang="en-US" dirty="0"/>
               <a:t>HIDDEN SHAPE</a:t>
             </a:r>
-            <a:endParaRPr lang="en-US" dirty="0"/>
           </a:p>
         </p:txBody>
       </p:sp>
@@ -10703,10 +10566,9 @@
           <a:p>
             <a:pPr algn="ctr"/>
             <a:r>
-              <a:rPr lang="en-US" dirty="0" smtClean="0"/>
+              <a:rPr lang="en-US" dirty="0"/>
               <a:t>HIDDEN SHAPE</a:t>
             </a:r>
-            <a:endParaRPr lang="en-US" dirty="0"/>
           </a:p>
         </p:txBody>
       </p:sp>
@@ -11123,11 +10985,11 @@
   <p:clrMapOvr>
     <a:masterClrMapping/>
   </p:clrMapOvr>
-  <mc:AlternateContent xmlns:mc="http://schemas.openxmlformats.org/markup-compatibility/2006">
-    <mc:Choice xmlns:p14="http://schemas.microsoft.com/office/powerpoint/2010/main" Requires="p14">
+  <mc:AlternateContent xmlns:mc="http://schemas.openxmlformats.org/markup-compatibility/2006" xmlns:p14="http://schemas.microsoft.com/office/powerpoint/2010/main">
+    <mc:Choice Requires="p14">
       <p:transition spd="med" p14:dur="700" advClick="0" advTm="0"/>
     </mc:Choice>
-    <mc:Fallback>
+    <mc:Fallback xmlns="">
       <p:transition spd="med" advClick="0" advTm="0"/>
     </mc:Fallback>
   </mc:AlternateContent>
@@ -11455,18 +11317,13 @@
           <a:p>
             <a:pPr algn="ctr"/>
             <a:r>
-              <a:rPr lang="en-SG" dirty="0" smtClean="0">
+              <a:rPr lang="en-SG" dirty="0">
                 <a:solidFill>
                   <a:schemeClr val="tx1"/>
                 </a:solidFill>
               </a:rPr>
               <a:t>Shape With Exit Animation</a:t>
             </a:r>
-            <a:endParaRPr lang="en-SG" dirty="0">
-              <a:solidFill>
-                <a:schemeClr val="tx1"/>
-              </a:solidFill>
-            </a:endParaRPr>
           </a:p>
         </p:txBody>
       </p:sp>
@@ -11497,14 +11354,14 @@
               <a:buChar char="•"/>
             </a:pPr>
             <a:r>
-              <a:rPr lang="en-US" sz="3600" dirty="0" smtClean="0"/>
+              <a:rPr lang="en-US" sz="3600" dirty="0"/>
               <a:t>Blah </a:t>
             </a:r>
             <a:r>
-              <a:rPr lang="en-US" sz="3600" dirty="0" err="1" smtClean="0"/>
+              <a:rPr lang="en-US" sz="3600" dirty="0" err="1"/>
               <a:t>blah</a:t>
             </a:r>
-            <a:endParaRPr lang="en-US" sz="3600" dirty="0" smtClean="0"/>
+            <a:endParaRPr lang="en-US" sz="3600" dirty="0"/>
           </a:p>
           <a:p>
             <a:pPr marL="571500" indent="-571500">
@@ -11512,14 +11369,14 @@
               <a:buChar char="•"/>
             </a:pPr>
             <a:r>
-              <a:rPr lang="en-US" sz="3600" dirty="0" smtClean="0"/>
+              <a:rPr lang="en-US" sz="3600" dirty="0"/>
               <a:t>Blah </a:t>
             </a:r>
             <a:r>
-              <a:rPr lang="en-US" sz="3600" dirty="0" err="1" smtClean="0"/>
+              <a:rPr lang="en-US" sz="3600" dirty="0" err="1"/>
               <a:t>blah</a:t>
             </a:r>
-            <a:endParaRPr lang="en-US" sz="3600" dirty="0" smtClean="0"/>
+            <a:endParaRPr lang="en-US" sz="3600" dirty="0"/>
           </a:p>
           <a:p>
             <a:pPr marL="571500" indent="-571500">
@@ -11527,11 +11384,11 @@
               <a:buChar char="•"/>
             </a:pPr>
             <a:r>
-              <a:rPr lang="en-US" sz="3600" dirty="0" smtClean="0"/>
+              <a:rPr lang="en-US" sz="3600" dirty="0"/>
               <a:t>Blah </a:t>
             </a:r>
             <a:r>
-              <a:rPr lang="en-US" sz="3600" dirty="0" err="1" smtClean="0"/>
+              <a:rPr lang="en-US" sz="3600" dirty="0" err="1"/>
               <a:t>blah</a:t>
             </a:r>
             <a:endParaRPr lang="en-SG" sz="3600" dirty="0"/>
@@ -11575,7 +11432,7 @@
           <a:p>
             <a:pPr algn="ctr"/>
             <a:r>
-              <a:rPr lang="en-SG" dirty="0" smtClean="0">
+              <a:rPr lang="en-SG" dirty="0">
                 <a:solidFill>
                   <a:schemeClr val="tx1"/>
                 </a:solidFill>
@@ -11625,10 +11482,9 @@
           <a:p>
             <a:pPr algn="ctr"/>
             <a:r>
-              <a:rPr lang="en-US" dirty="0" smtClean="0"/>
+              <a:rPr lang="en-US" dirty="0"/>
               <a:t>HIDDEN SHAPE</a:t>
             </a:r>
-            <a:endParaRPr lang="en-US" dirty="0"/>
           </a:p>
         </p:txBody>
       </p:sp>
@@ -11672,10 +11528,9 @@
           <a:p>
             <a:pPr algn="ctr"/>
             <a:r>
-              <a:rPr lang="en-US" dirty="0" smtClean="0"/>
+              <a:rPr lang="en-US" dirty="0"/>
               <a:t>HIDDEN SHAPE</a:t>
             </a:r>
-            <a:endParaRPr lang="en-US" dirty="0"/>
           </a:p>
         </p:txBody>
       </p:sp>
@@ -11719,17 +11574,16 @@
           <a:p>
             <a:pPr algn="ctr"/>
             <a:r>
-              <a:rPr lang="en-US" dirty="0" smtClean="0"/>
+              <a:rPr lang="en-US" dirty="0"/>
               <a:t>Shape with entry animation</a:t>
             </a:r>
           </a:p>
           <a:p>
             <a:pPr algn="ctr"/>
             <a:r>
-              <a:rPr lang="en-US" dirty="0" smtClean="0"/>
+              <a:rPr lang="en-US" dirty="0"/>
               <a:t>THIS SHAPE SHOULD NOT APPEAR</a:t>
             </a:r>
-            <a:endParaRPr lang="en-US" dirty="0"/>
           </a:p>
         </p:txBody>
       </p:sp>
@@ -11743,13 +11597,13 @@
   <p:clrMapOvr>
     <a:masterClrMapping/>
   </p:clrMapOvr>
-  <mc:AlternateContent xmlns:mc="http://schemas.openxmlformats.org/markup-compatibility/2006">
-    <mc:Choice xmlns:p14="http://schemas.microsoft.com/office/powerpoint/2010/main" Requires="p14">
+  <mc:AlternateContent xmlns:mc="http://schemas.openxmlformats.org/markup-compatibility/2006" xmlns:p14="http://schemas.microsoft.com/office/powerpoint/2010/main">
+    <mc:Choice Requires="p14">
       <p:transition p14:dur="250">
         <p:fade/>
       </p:transition>
     </mc:Choice>
-    <mc:Fallback>
+    <mc:Fallback xmlns="">
       <p:transition>
         <p:fade/>
       </p:transition>
@@ -12111,7 +11965,7 @@
           <a:lstStyle/>
           <a:p>
             <a:r>
-              <a:rPr lang="en-US" dirty="0" smtClean="0"/>
+              <a:rPr lang="en-US" dirty="0"/>
               <a:t>Auto Zoom:: Simple Zoom Out (Step Back)</a:t>
             </a:r>
             <a:endParaRPr lang="en-SG" dirty="0"/>
@@ -12134,16 +11988,8 @@
           <a:lstStyle/>
           <a:p>
             <a:r>
-              <a:rPr lang="en-SG" dirty="0" smtClean="0"/>
-              <a:t>Enable </a:t>
-            </a:r>
-            <a:r>
               <a:rPr lang="en-SG" dirty="0"/>
-              <a:t>slide background </a:t>
-            </a:r>
-            <a:r>
-              <a:rPr lang="en-SG" dirty="0" smtClean="0"/>
-              <a:t>in </a:t>
+              <a:t>Enable slide background in </a:t>
             </a:r>
             <a:r>
               <a:rPr lang="en-SG" dirty="0" err="1"/>
@@ -12169,13 +12015,6 @@
   <p:clrMapOvr>
     <a:masterClrMapping/>
   </p:clrMapOvr>
-  <p:timing>
-    <p:tnLst>
-      <p:par>
-        <p:cTn id="1" dur="indefinite" restart="never" nodeType="tmRoot"/>
-      </p:par>
-    </p:tnLst>
-  </p:timing>
 </p:sld>
 </file>
 
@@ -12247,7 +12086,7 @@
           <a:p>
             <a:pPr algn="ctr"/>
             <a:r>
-              <a:rPr lang="en-SG" dirty="0" smtClean="0">
+              <a:rPr lang="en-SG" dirty="0">
                 <a:solidFill>
                   <a:schemeClr val="bg1"/>
                 </a:solidFill>
@@ -12258,18 +12097,13 @@
           <a:p>
             <a:pPr algn="ctr"/>
             <a:r>
-              <a:rPr lang="en-SG" dirty="0" smtClean="0">
+              <a:rPr lang="en-SG" dirty="0">
                 <a:solidFill>
                   <a:schemeClr val="bg1"/>
                 </a:solidFill>
               </a:rPr>
               <a:t>THIS SHAPE SHOULD NOT APPEAR</a:t>
             </a:r>
-            <a:endParaRPr lang="en-SG" dirty="0">
-              <a:solidFill>
-                <a:schemeClr val="bg1"/>
-              </a:solidFill>
-            </a:endParaRPr>
           </a:p>
         </p:txBody>
       </p:sp>
@@ -12300,14 +12134,14 @@
               <a:buChar char="•"/>
             </a:pPr>
             <a:r>
-              <a:rPr lang="en-US" sz="3600" dirty="0" smtClean="0"/>
+              <a:rPr lang="en-US" sz="3600" dirty="0"/>
               <a:t>Blah </a:t>
             </a:r>
             <a:r>
-              <a:rPr lang="en-US" sz="3600" dirty="0" err="1" smtClean="0"/>
+              <a:rPr lang="en-US" sz="3600" dirty="0" err="1"/>
               <a:t>blah</a:t>
             </a:r>
-            <a:endParaRPr lang="en-US" sz="3600" dirty="0" smtClean="0"/>
+            <a:endParaRPr lang="en-US" sz="3600" dirty="0"/>
           </a:p>
           <a:p>
             <a:pPr marL="571500" indent="-571500">
@@ -12315,14 +12149,14 @@
               <a:buChar char="•"/>
             </a:pPr>
             <a:r>
-              <a:rPr lang="en-US" sz="3600" dirty="0" smtClean="0"/>
+              <a:rPr lang="en-US" sz="3600" dirty="0"/>
               <a:t>Blah </a:t>
             </a:r>
             <a:r>
-              <a:rPr lang="en-US" sz="3600" dirty="0" err="1" smtClean="0"/>
+              <a:rPr lang="en-US" sz="3600" dirty="0" err="1"/>
               <a:t>blah</a:t>
             </a:r>
-            <a:endParaRPr lang="en-US" sz="3600" dirty="0" smtClean="0"/>
+            <a:endParaRPr lang="en-US" sz="3600" dirty="0"/>
           </a:p>
           <a:p>
             <a:pPr marL="571500" indent="-571500">
@@ -12330,11 +12164,11 @@
               <a:buChar char="•"/>
             </a:pPr>
             <a:r>
-              <a:rPr lang="en-US" sz="3600" dirty="0" smtClean="0"/>
+              <a:rPr lang="en-US" sz="3600" dirty="0"/>
               <a:t>Blah </a:t>
             </a:r>
             <a:r>
-              <a:rPr lang="en-US" sz="3600" dirty="0" err="1" smtClean="0"/>
+              <a:rPr lang="en-US" sz="3600" dirty="0" err="1"/>
               <a:t>blah</a:t>
             </a:r>
             <a:endParaRPr lang="en-SG" sz="3600" dirty="0"/>
@@ -12378,7 +12212,7 @@
           <a:p>
             <a:pPr algn="ctr"/>
             <a:r>
-              <a:rPr lang="en-SG" dirty="0" smtClean="0">
+              <a:rPr lang="en-SG" dirty="0">
                 <a:solidFill>
                   <a:schemeClr val="tx1"/>
                 </a:solidFill>
@@ -12428,10 +12262,9 @@
           <a:p>
             <a:pPr algn="ctr"/>
             <a:r>
-              <a:rPr lang="en-US" dirty="0" smtClean="0"/>
+              <a:rPr lang="en-US" dirty="0"/>
               <a:t>HIDDEN SHAPE</a:t>
             </a:r>
-            <a:endParaRPr lang="en-US" dirty="0"/>
           </a:p>
         </p:txBody>
       </p:sp>
@@ -12475,10 +12308,9 @@
           <a:p>
             <a:pPr algn="ctr"/>
             <a:r>
-              <a:rPr lang="en-US" dirty="0" smtClean="0"/>
+              <a:rPr lang="en-US" dirty="0"/>
               <a:t>HIDDEN SHAPE</a:t>
             </a:r>
-            <a:endParaRPr lang="en-US" dirty="0"/>
           </a:p>
         </p:txBody>
       </p:sp>
@@ -12522,18 +12354,13 @@
           <a:p>
             <a:pPr algn="ctr"/>
             <a:r>
-              <a:rPr lang="en-US" dirty="0" smtClean="0">
+              <a:rPr lang="en-US" dirty="0">
                 <a:solidFill>
                   <a:schemeClr val="tx1"/>
                 </a:solidFill>
               </a:rPr>
               <a:t>Shape with entry animation</a:t>
             </a:r>
-            <a:endParaRPr lang="en-US" dirty="0">
-              <a:solidFill>
-                <a:schemeClr val="tx1"/>
-              </a:solidFill>
-            </a:endParaRPr>
           </a:p>
         </p:txBody>
       </p:sp>
@@ -13071,7 +12898,7 @@
           <a:p>
             <a:pPr algn="ctr"/>
             <a:r>
-              <a:rPr lang="en-US" sz="2800" smtClean="0"/>
+              <a:rPr lang="en-US" sz="2800"/>
               <a:t>Step Back</a:t>
             </a:r>
             <a:endParaRPr lang="en-SG" sz="2800" dirty="0"/>
@@ -13118,10 +12945,9 @@
           <a:p>
             <a:pPr algn="ctr"/>
             <a:r>
-              <a:rPr lang="en-US" dirty="0" smtClean="0"/>
+              <a:rPr lang="en-US" dirty="0"/>
               <a:t>HIDDEN SHAPE</a:t>
             </a:r>
-            <a:endParaRPr lang="en-US" dirty="0"/>
           </a:p>
         </p:txBody>
       </p:sp>
@@ -13165,10 +12991,9 @@
           <a:p>
             <a:pPr algn="ctr"/>
             <a:r>
-              <a:rPr lang="en-US" dirty="0" smtClean="0"/>
+              <a:rPr lang="en-US" dirty="0"/>
               <a:t>HIDDEN SHAPE</a:t>
             </a:r>
-            <a:endParaRPr lang="en-US" dirty="0"/>
           </a:p>
         </p:txBody>
       </p:sp>
@@ -13194,13 +13019,6 @@
       </p:transition>
     </mc:Fallback>
   </mc:AlternateContent>
-  <p:timing>
-    <p:tnLst>
-      <p:par>
-        <p:cTn id="1" dur="indefinite" restart="never" nodeType="tmRoot"/>
-      </p:par>
-    </p:tnLst>
-  </p:timing>
 </p:sld>
 </file>
 
@@ -13243,7 +13061,7 @@
           <a:p>
             <a:pPr algn="ctr"/>
             <a:r>
-              <a:rPr lang="en-US" b="1" dirty="0" smtClean="0"/>
+              <a:rPr lang="en-US" b="1" dirty="0"/>
               <a:t>Dummy slide</a:t>
             </a:r>
             <a:endParaRPr lang="en-SG" b="1" dirty="0"/>
@@ -13260,13 +13078,6 @@
   <p:clrMapOvr>
     <a:masterClrMapping/>
   </p:clrMapOvr>
-  <p:timing>
-    <p:tnLst>
-      <p:par>
-        <p:cTn id="1" dur="indefinite" restart="never" nodeType="tmRoot"/>
-      </p:par>
-    </p:tnLst>
-  </p:timing>
 </p:sld>
 </file>
 
@@ -13338,7 +13149,7 @@
           <a:p>
             <a:pPr algn="ctr"/>
             <a:r>
-              <a:rPr lang="en-SG" dirty="0" smtClean="0">
+              <a:rPr lang="en-SG" dirty="0">
                 <a:solidFill>
                   <a:schemeClr val="bg1"/>
                 </a:solidFill>
@@ -13349,18 +13160,13 @@
           <a:p>
             <a:pPr algn="ctr"/>
             <a:r>
-              <a:rPr lang="en-SG" dirty="0" smtClean="0">
+              <a:rPr lang="en-SG" dirty="0">
                 <a:solidFill>
                   <a:schemeClr val="bg1"/>
                 </a:solidFill>
               </a:rPr>
               <a:t>THIS SHAPE SHOULD NOT APPEAR</a:t>
             </a:r>
-            <a:endParaRPr lang="en-SG" dirty="0">
-              <a:solidFill>
-                <a:schemeClr val="bg1"/>
-              </a:solidFill>
-            </a:endParaRPr>
           </a:p>
         </p:txBody>
       </p:sp>
@@ -13391,14 +13197,14 @@
               <a:buChar char="•"/>
             </a:pPr>
             <a:r>
-              <a:rPr lang="en-US" sz="3600" dirty="0" smtClean="0"/>
+              <a:rPr lang="en-US" sz="3600" dirty="0"/>
               <a:t>Blah </a:t>
             </a:r>
             <a:r>
-              <a:rPr lang="en-US" sz="3600" dirty="0" err="1" smtClean="0"/>
+              <a:rPr lang="en-US" sz="3600" dirty="0" err="1"/>
               <a:t>blah</a:t>
             </a:r>
-            <a:endParaRPr lang="en-US" sz="3600" dirty="0" smtClean="0"/>
+            <a:endParaRPr lang="en-US" sz="3600" dirty="0"/>
           </a:p>
           <a:p>
             <a:pPr marL="571500" indent="-571500">
@@ -13406,14 +13212,14 @@
               <a:buChar char="•"/>
             </a:pPr>
             <a:r>
-              <a:rPr lang="en-US" sz="3600" dirty="0" smtClean="0"/>
+              <a:rPr lang="en-US" sz="3600" dirty="0"/>
               <a:t>Blah </a:t>
             </a:r>
             <a:r>
-              <a:rPr lang="en-US" sz="3600" dirty="0" err="1" smtClean="0"/>
+              <a:rPr lang="en-US" sz="3600" dirty="0" err="1"/>
               <a:t>blah</a:t>
             </a:r>
-            <a:endParaRPr lang="en-US" sz="3600" dirty="0" smtClean="0"/>
+            <a:endParaRPr lang="en-US" sz="3600" dirty="0"/>
           </a:p>
           <a:p>
             <a:pPr marL="571500" indent="-571500">
@@ -13421,11 +13227,11 @@
               <a:buChar char="•"/>
             </a:pPr>
             <a:r>
-              <a:rPr lang="en-US" sz="3600" dirty="0" smtClean="0"/>
+              <a:rPr lang="en-US" sz="3600" dirty="0"/>
               <a:t>Blah </a:t>
             </a:r>
             <a:r>
-              <a:rPr lang="en-US" sz="3600" dirty="0" err="1" smtClean="0"/>
+              <a:rPr lang="en-US" sz="3600" dirty="0" err="1"/>
               <a:t>blah</a:t>
             </a:r>
             <a:endParaRPr lang="en-SG" sz="3600" dirty="0"/>
@@ -13469,7 +13275,7 @@
           <a:p>
             <a:pPr algn="ctr"/>
             <a:r>
-              <a:rPr lang="en-SG" dirty="0" smtClean="0">
+              <a:rPr lang="en-SG" dirty="0">
                 <a:solidFill>
                   <a:schemeClr val="tx1"/>
                 </a:solidFill>
@@ -13519,10 +13325,9 @@
           <a:p>
             <a:pPr algn="ctr"/>
             <a:r>
-              <a:rPr lang="en-US" dirty="0" smtClean="0"/>
+              <a:rPr lang="en-US" dirty="0"/>
               <a:t>HIDDEN SHAPE</a:t>
             </a:r>
-            <a:endParaRPr lang="en-US" dirty="0"/>
           </a:p>
         </p:txBody>
       </p:sp>
@@ -13566,10 +13371,9 @@
           <a:p>
             <a:pPr algn="ctr"/>
             <a:r>
-              <a:rPr lang="en-US" dirty="0" smtClean="0"/>
+              <a:rPr lang="en-US" dirty="0"/>
               <a:t>HIDDEN SHAPE</a:t>
             </a:r>
-            <a:endParaRPr lang="en-US" dirty="0"/>
           </a:p>
         </p:txBody>
       </p:sp>
@@ -13613,18 +13417,13 @@
           <a:p>
             <a:pPr algn="ctr"/>
             <a:r>
-              <a:rPr lang="en-US" dirty="0" smtClean="0">
+              <a:rPr lang="en-US" dirty="0">
                 <a:solidFill>
                   <a:schemeClr val="tx1"/>
                 </a:solidFill>
               </a:rPr>
               <a:t>Shape with entry animation</a:t>
             </a:r>
-            <a:endParaRPr lang="en-US" dirty="0">
-              <a:solidFill>
-                <a:schemeClr val="tx1"/>
-              </a:solidFill>
-            </a:endParaRPr>
           </a:p>
         </p:txBody>
       </p:sp>
@@ -14024,7 +13823,7 @@
           <a:p>
             <a:pPr algn="l"/>
             <a:r>
-              <a:rPr lang="en-US" sz="7200" dirty="0" smtClean="0">
+              <a:rPr lang="en-US" sz="7200" dirty="0">
                 <a:solidFill>
                   <a:schemeClr val="bg1"/>
                 </a:solidFill>
@@ -14062,7 +13861,7 @@
           <a:lstStyle/>
           <a:p>
             <a:r>
-              <a:rPr lang="en-US" sz="2400" b="1" dirty="0" smtClean="0">
+              <a:rPr lang="en-US" sz="2400" b="1" dirty="0">
                 <a:solidFill>
                   <a:schemeClr val="bg1"/>
                 </a:solidFill>
@@ -14076,7 +13875,7 @@
               <a:buChar char="•"/>
             </a:pPr>
             <a:r>
-              <a:rPr lang="en-US" sz="2400" dirty="0" smtClean="0">
+              <a:rPr lang="en-US" sz="2400" dirty="0">
                 <a:solidFill>
                   <a:schemeClr val="bg1"/>
                 </a:solidFill>
@@ -14084,7 +13883,7 @@
               <a:t>Select the </a:t>
             </a:r>
             <a:r>
-              <a:rPr lang="en-US" sz="2400" b="1" dirty="0" smtClean="0">
+              <a:rPr lang="en-US" sz="2400" b="1" dirty="0">
                 <a:solidFill>
                   <a:schemeClr val="bg1"/>
                 </a:solidFill>
@@ -14092,7 +13891,7 @@
               <a:t>BLUE</a:t>
             </a:r>
             <a:r>
-              <a:rPr lang="en-US" sz="2400" dirty="0" smtClean="0">
+              <a:rPr lang="en-US" sz="2400" dirty="0">
                 <a:solidFill>
                   <a:schemeClr val="bg1"/>
                 </a:solidFill>
@@ -14100,7 +13899,7 @@
               <a:t> color </a:t>
             </a:r>
             <a:r>
-              <a:rPr lang="en-US" sz="2400" b="1" dirty="0" smtClean="0">
+              <a:rPr lang="en-US" sz="2400" b="1" dirty="0">
                 <a:solidFill>
                   <a:schemeClr val="bg1"/>
                 </a:solidFill>
@@ -14108,7 +13907,7 @@
               <a:t>Rectangle</a:t>
             </a:r>
             <a:r>
-              <a:rPr lang="en-US" sz="2400" dirty="0" smtClean="0">
+              <a:rPr lang="en-US" sz="2400" dirty="0">
                 <a:solidFill>
                   <a:schemeClr val="bg1"/>
                 </a:solidFill>
@@ -14122,7 +13921,7 @@
               <a:buChar char="•"/>
             </a:pPr>
             <a:r>
-              <a:rPr lang="en-US" sz="2400" dirty="0" smtClean="0">
+              <a:rPr lang="en-US" sz="2400" dirty="0">
                 <a:solidFill>
                   <a:schemeClr val="bg1"/>
                 </a:solidFill>
@@ -14130,7 +13929,7 @@
               <a:t>Click </a:t>
             </a:r>
             <a:r>
-              <a:rPr lang="en-US" sz="2400" b="1" dirty="0" smtClean="0">
+              <a:rPr lang="en-US" sz="2400" b="1" dirty="0">
                 <a:solidFill>
                   <a:schemeClr val="bg1"/>
                 </a:solidFill>
@@ -14138,7 +13937,7 @@
               <a:t>“Drill Down” or “Step Back”</a:t>
             </a:r>
             <a:r>
-              <a:rPr lang="en-US" sz="2400" dirty="0" smtClean="0">
+              <a:rPr lang="en-US" sz="2400" dirty="0">
                 <a:solidFill>
                   <a:schemeClr val="bg1"/>
                 </a:solidFill>
@@ -14152,7 +13951,7 @@
               <a:buChar char="•"/>
             </a:pPr>
             <a:r>
-              <a:rPr lang="en-US" sz="2400" dirty="0" smtClean="0">
+              <a:rPr lang="en-US" sz="2400" dirty="0">
                 <a:solidFill>
                   <a:schemeClr val="bg1"/>
                 </a:solidFill>
@@ -14180,18 +13979,13 @@
               <a:buChar char="•"/>
             </a:pPr>
             <a:r>
-              <a:rPr lang="en-SG" sz="2400" dirty="0" smtClean="0">
+              <a:rPr lang="en-SG" sz="2400" dirty="0">
                 <a:solidFill>
                   <a:schemeClr val="bg1"/>
                 </a:solidFill>
               </a:rPr>
               <a:t>Include Slide Background</a:t>
             </a:r>
-            <a:endParaRPr lang="en-SG" sz="2400" dirty="0">
-              <a:solidFill>
-                <a:schemeClr val="bg1"/>
-              </a:solidFill>
-            </a:endParaRPr>
           </a:p>
           <a:p>
             <a:pPr marL="742950" lvl="1" indent="-285750">
@@ -14199,18 +13993,13 @@
               <a:buChar char="•"/>
             </a:pPr>
             <a:r>
-              <a:rPr lang="en-SG" sz="2400" dirty="0" smtClean="0">
+              <a:rPr lang="en-SG" sz="2400" dirty="0">
                 <a:solidFill>
                   <a:schemeClr val="bg1"/>
                 </a:solidFill>
               </a:rPr>
               <a:t>Put All Zoom Effects on Separate Slides</a:t>
             </a:r>
-            <a:endParaRPr lang="en-SG" sz="2400" dirty="0">
-              <a:solidFill>
-                <a:schemeClr val="bg1"/>
-              </a:solidFill>
-            </a:endParaRPr>
           </a:p>
           <a:p>
             <a:pPr marL="285750" indent="-285750">
@@ -14235,13 +14024,6 @@
   <p:clrMapOvr>
     <a:masterClrMapping/>
   </p:clrMapOvr>
-  <p:timing>
-    <p:tnLst>
-      <p:par>
-        <p:cTn id="1" dur="indefinite" restart="never" nodeType="tmRoot"/>
-      </p:par>
-    </p:tnLst>
-  </p:timing>
 </p:sld>
 </file>
 
@@ -14494,11 +14276,11 @@
   <p:clrMapOvr>
     <a:masterClrMapping/>
   </p:clrMapOvr>
-  <mc:AlternateContent xmlns:mc="http://schemas.openxmlformats.org/markup-compatibility/2006">
-    <mc:Choice xmlns:p14="http://schemas.microsoft.com/office/powerpoint/2010/main" Requires="p14">
+  <mc:AlternateContent xmlns:mc="http://schemas.openxmlformats.org/markup-compatibility/2006" xmlns:p14="http://schemas.microsoft.com/office/powerpoint/2010/main">
+    <mc:Choice Requires="p14">
       <p:transition spd="slow" p14:dur="1500" advClick="0" advTm="0"/>
     </mc:Choice>
-    <mc:Fallback>
+    <mc:Fallback xmlns="">
       <p:transition spd="slow" advClick="0" advTm="0"/>
     </mc:Fallback>
   </mc:AlternateContent>
@@ -14994,10 +14776,9 @@
           <a:p>
             <a:pPr algn="ctr"/>
             <a:r>
-              <a:rPr lang="en-US" dirty="0" smtClean="0"/>
+              <a:rPr lang="en-US" dirty="0"/>
               <a:t>HIDDEN SHAPE</a:t>
             </a:r>
-            <a:endParaRPr lang="en-US" dirty="0"/>
           </a:p>
         </p:txBody>
       </p:sp>
@@ -15041,10 +14822,9 @@
           <a:p>
             <a:pPr algn="ctr"/>
             <a:r>
-              <a:rPr lang="en-US" dirty="0" smtClean="0"/>
+              <a:rPr lang="en-US" dirty="0"/>
               <a:t>HIDDEN SHAPE</a:t>
             </a:r>
-            <a:endParaRPr lang="en-US" dirty="0"/>
           </a:p>
         </p:txBody>
       </p:sp>
@@ -15118,25 +14898,18 @@
   <p:clrMapOvr>
     <a:masterClrMapping/>
   </p:clrMapOvr>
-  <mc:AlternateContent xmlns:mc="http://schemas.openxmlformats.org/markup-compatibility/2006">
-    <mc:Choice xmlns:p14="http://schemas.microsoft.com/office/powerpoint/2010/main" Requires="p14">
+  <mc:AlternateContent xmlns:mc="http://schemas.openxmlformats.org/markup-compatibility/2006" xmlns:p14="http://schemas.microsoft.com/office/powerpoint/2010/main">
+    <mc:Choice Requires="p14">
       <p:transition p14:dur="250">
         <p:fade/>
       </p:transition>
     </mc:Choice>
-    <mc:Fallback>
+    <mc:Fallback xmlns="">
       <p:transition>
         <p:fade/>
       </p:transition>
     </mc:Fallback>
   </mc:AlternateContent>
-  <p:timing>
-    <p:tnLst>
-      <p:par>
-        <p:cTn id="1" dur="indefinite" restart="never" nodeType="tmRoot"/>
-      </p:par>
-    </p:tnLst>
-  </p:timing>
 </p:sld>
 </file>
 
@@ -15173,7 +14946,7 @@
           <a:lstStyle/>
           <a:p>
             <a:r>
-              <a:rPr lang="en-US" dirty="0" smtClean="0"/>
+              <a:rPr lang="en-US" dirty="0"/>
               <a:t>Auto Zoom:: Simple Zoom Out (Step Back)</a:t>
             </a:r>
             <a:endParaRPr lang="en-SG" dirty="0"/>
@@ -15200,14 +14973,13 @@
               <a:t>Disable slide background in </a:t>
             </a:r>
             <a:r>
-              <a:rPr lang="en-SG" dirty="0" err="1" smtClean="0"/>
+              <a:rPr lang="en-SG" dirty="0" err="1"/>
               <a:t>AutoZoom</a:t>
             </a:r>
             <a:r>
-              <a:rPr lang="en-SG" dirty="0" smtClean="0"/>
+              <a:rPr lang="en-SG" dirty="0"/>
               <a:t> settings</a:t>
             </a:r>
-            <a:endParaRPr lang="en-SG" dirty="0"/>
           </a:p>
         </p:txBody>
       </p:sp>
@@ -15221,13 +14993,6 @@
   <p:clrMapOvr>
     <a:masterClrMapping/>
   </p:clrMapOvr>
-  <p:timing>
-    <p:tnLst>
-      <p:par>
-        <p:cTn id="1" dur="indefinite" restart="never" nodeType="tmRoot"/>
-      </p:par>
-    </p:tnLst>
-  </p:timing>
 </p:sld>
 </file>
 
@@ -15299,7 +15064,7 @@
           <a:p>
             <a:pPr algn="ctr"/>
             <a:r>
-              <a:rPr lang="en-SG" dirty="0" smtClean="0">
+              <a:rPr lang="en-SG" dirty="0">
                 <a:solidFill>
                   <a:schemeClr val="bg1"/>
                 </a:solidFill>
@@ -15310,18 +15075,13 @@
           <a:p>
             <a:pPr algn="ctr"/>
             <a:r>
-              <a:rPr lang="en-SG" dirty="0" smtClean="0">
+              <a:rPr lang="en-SG" dirty="0">
                 <a:solidFill>
                   <a:schemeClr val="bg1"/>
                 </a:solidFill>
               </a:rPr>
               <a:t>THIS SHAPE SHOULD NOT APPEAR</a:t>
             </a:r>
-            <a:endParaRPr lang="en-SG" dirty="0">
-              <a:solidFill>
-                <a:schemeClr val="bg1"/>
-              </a:solidFill>
-            </a:endParaRPr>
           </a:p>
         </p:txBody>
       </p:sp>
@@ -15352,14 +15112,14 @@
               <a:buChar char="•"/>
             </a:pPr>
             <a:r>
-              <a:rPr lang="en-US" sz="3600" dirty="0" smtClean="0"/>
+              <a:rPr lang="en-US" sz="3600" dirty="0"/>
               <a:t>Blah </a:t>
             </a:r>
             <a:r>
-              <a:rPr lang="en-US" sz="3600" dirty="0" err="1" smtClean="0"/>
+              <a:rPr lang="en-US" sz="3600" dirty="0" err="1"/>
               <a:t>blah</a:t>
             </a:r>
-            <a:endParaRPr lang="en-US" sz="3600" dirty="0" smtClean="0"/>
+            <a:endParaRPr lang="en-US" sz="3600" dirty="0"/>
           </a:p>
           <a:p>
             <a:pPr marL="571500" indent="-571500">
@@ -15367,14 +15127,14 @@
               <a:buChar char="•"/>
             </a:pPr>
             <a:r>
-              <a:rPr lang="en-US" sz="3600" dirty="0" smtClean="0"/>
+              <a:rPr lang="en-US" sz="3600" dirty="0"/>
               <a:t>Blah </a:t>
             </a:r>
             <a:r>
-              <a:rPr lang="en-US" sz="3600" dirty="0" err="1" smtClean="0"/>
+              <a:rPr lang="en-US" sz="3600" dirty="0" err="1"/>
               <a:t>blah</a:t>
             </a:r>
-            <a:endParaRPr lang="en-US" sz="3600" dirty="0" smtClean="0"/>
+            <a:endParaRPr lang="en-US" sz="3600" dirty="0"/>
           </a:p>
           <a:p>
             <a:pPr marL="571500" indent="-571500">
@@ -15382,11 +15142,11 @@
               <a:buChar char="•"/>
             </a:pPr>
             <a:r>
-              <a:rPr lang="en-US" sz="3600" dirty="0" smtClean="0"/>
+              <a:rPr lang="en-US" sz="3600" dirty="0"/>
               <a:t>Blah </a:t>
             </a:r>
             <a:r>
-              <a:rPr lang="en-US" sz="3600" dirty="0" err="1" smtClean="0"/>
+              <a:rPr lang="en-US" sz="3600" dirty="0" err="1"/>
               <a:t>blah</a:t>
             </a:r>
             <a:endParaRPr lang="en-SG" sz="3600" dirty="0"/>
@@ -15430,7 +15190,7 @@
           <a:p>
             <a:pPr algn="ctr"/>
             <a:r>
-              <a:rPr lang="en-SG" dirty="0" smtClean="0">
+              <a:rPr lang="en-SG" dirty="0">
                 <a:solidFill>
                   <a:schemeClr val="tx1"/>
                 </a:solidFill>
@@ -15480,10 +15240,9 @@
           <a:p>
             <a:pPr algn="ctr"/>
             <a:r>
-              <a:rPr lang="en-US" dirty="0" smtClean="0"/>
+              <a:rPr lang="en-US" dirty="0"/>
               <a:t>HIDDEN SHAPE</a:t>
             </a:r>
-            <a:endParaRPr lang="en-US" dirty="0"/>
           </a:p>
         </p:txBody>
       </p:sp>
@@ -15527,10 +15286,9 @@
           <a:p>
             <a:pPr algn="ctr"/>
             <a:r>
-              <a:rPr lang="en-US" dirty="0" smtClean="0"/>
+              <a:rPr lang="en-US" dirty="0"/>
               <a:t>HIDDEN SHAPE</a:t>
             </a:r>
-            <a:endParaRPr lang="en-US" dirty="0"/>
           </a:p>
         </p:txBody>
       </p:sp>
@@ -15574,18 +15332,13 @@
           <a:p>
             <a:pPr algn="ctr"/>
             <a:r>
-              <a:rPr lang="en-US" dirty="0" smtClean="0">
+              <a:rPr lang="en-US" dirty="0">
                 <a:solidFill>
                   <a:schemeClr val="tx1"/>
                 </a:solidFill>
               </a:rPr>
               <a:t>Shape with entry animation</a:t>
             </a:r>
-            <a:endParaRPr lang="en-US" dirty="0">
-              <a:solidFill>
-                <a:schemeClr val="tx1"/>
-              </a:solidFill>
-            </a:endParaRPr>
           </a:p>
         </p:txBody>
       </p:sp>
@@ -16123,7 +15876,7 @@
           <a:p>
             <a:pPr algn="ctr"/>
             <a:r>
-              <a:rPr lang="en-US" sz="2800" smtClean="0"/>
+              <a:rPr lang="en-US" sz="2800"/>
               <a:t>Step Back</a:t>
             </a:r>
             <a:endParaRPr lang="en-SG" sz="2800" dirty="0"/>
@@ -16170,10 +15923,9 @@
           <a:p>
             <a:pPr algn="ctr"/>
             <a:r>
-              <a:rPr lang="en-US" dirty="0" smtClean="0"/>
+              <a:rPr lang="en-US" dirty="0"/>
               <a:t>HIDDEN SHAPE</a:t>
             </a:r>
-            <a:endParaRPr lang="en-US" dirty="0"/>
           </a:p>
         </p:txBody>
       </p:sp>
@@ -16217,10 +15969,9 @@
           <a:p>
             <a:pPr algn="ctr"/>
             <a:r>
-              <a:rPr lang="en-US" dirty="0" smtClean="0"/>
+              <a:rPr lang="en-US" dirty="0"/>
               <a:t>HIDDEN SHAPE</a:t>
             </a:r>
-            <a:endParaRPr lang="en-US" dirty="0"/>
           </a:p>
         </p:txBody>
       </p:sp>
@@ -16246,13 +15997,6 @@
       </p:transition>
     </mc:Fallback>
   </mc:AlternateContent>
-  <p:timing>
-    <p:tnLst>
-      <p:par>
-        <p:cTn id="1" dur="indefinite" restart="never" nodeType="tmRoot"/>
-      </p:par>
-    </p:tnLst>
-  </p:timing>
 </p:sld>
 </file>
 
@@ -16295,7 +16039,7 @@
           <a:p>
             <a:pPr algn="ctr"/>
             <a:r>
-              <a:rPr lang="en-US" b="1" dirty="0" smtClean="0"/>
+              <a:rPr lang="en-US" b="1" dirty="0"/>
               <a:t>Dummy slide</a:t>
             </a:r>
             <a:endParaRPr lang="en-SG" b="1" dirty="0"/>
@@ -16312,13 +16056,6 @@
   <p:clrMapOvr>
     <a:masterClrMapping/>
   </p:clrMapOvr>
-  <p:timing>
-    <p:tnLst>
-      <p:par>
-        <p:cTn id="1" dur="indefinite" restart="never" nodeType="tmRoot"/>
-      </p:par>
-    </p:tnLst>
-  </p:timing>
 </p:sld>
 </file>
 
@@ -16390,7 +16127,7 @@
           <a:p>
             <a:pPr algn="ctr"/>
             <a:r>
-              <a:rPr lang="en-SG" dirty="0" smtClean="0">
+              <a:rPr lang="en-SG" dirty="0">
                 <a:solidFill>
                   <a:schemeClr val="bg1"/>
                 </a:solidFill>
@@ -16401,18 +16138,13 @@
           <a:p>
             <a:pPr algn="ctr"/>
             <a:r>
-              <a:rPr lang="en-SG" dirty="0" smtClean="0">
+              <a:rPr lang="en-SG" dirty="0">
                 <a:solidFill>
                   <a:schemeClr val="bg1"/>
                 </a:solidFill>
               </a:rPr>
               <a:t>THIS SHAPE SHOULD NOT APPEAR</a:t>
             </a:r>
-            <a:endParaRPr lang="en-SG" dirty="0">
-              <a:solidFill>
-                <a:schemeClr val="bg1"/>
-              </a:solidFill>
-            </a:endParaRPr>
           </a:p>
         </p:txBody>
       </p:sp>
@@ -16443,14 +16175,14 @@
               <a:buChar char="•"/>
             </a:pPr>
             <a:r>
-              <a:rPr lang="en-US" sz="3600" dirty="0" smtClean="0"/>
+              <a:rPr lang="en-US" sz="3600" dirty="0"/>
               <a:t>Blah </a:t>
             </a:r>
             <a:r>
-              <a:rPr lang="en-US" sz="3600" dirty="0" err="1" smtClean="0"/>
+              <a:rPr lang="en-US" sz="3600" dirty="0" err="1"/>
               <a:t>blah</a:t>
             </a:r>
-            <a:endParaRPr lang="en-US" sz="3600" dirty="0" smtClean="0"/>
+            <a:endParaRPr lang="en-US" sz="3600" dirty="0"/>
           </a:p>
           <a:p>
             <a:pPr marL="571500" indent="-571500">
@@ -16458,14 +16190,14 @@
               <a:buChar char="•"/>
             </a:pPr>
             <a:r>
-              <a:rPr lang="en-US" sz="3600" dirty="0" smtClean="0"/>
+              <a:rPr lang="en-US" sz="3600" dirty="0"/>
               <a:t>Blah </a:t>
             </a:r>
             <a:r>
-              <a:rPr lang="en-US" sz="3600" dirty="0" err="1" smtClean="0"/>
+              <a:rPr lang="en-US" sz="3600" dirty="0" err="1"/>
               <a:t>blah</a:t>
             </a:r>
-            <a:endParaRPr lang="en-US" sz="3600" dirty="0" smtClean="0"/>
+            <a:endParaRPr lang="en-US" sz="3600" dirty="0"/>
           </a:p>
           <a:p>
             <a:pPr marL="571500" indent="-571500">
@@ -16473,11 +16205,11 @@
               <a:buChar char="•"/>
             </a:pPr>
             <a:r>
-              <a:rPr lang="en-US" sz="3600" dirty="0" smtClean="0"/>
+              <a:rPr lang="en-US" sz="3600" dirty="0"/>
               <a:t>Blah </a:t>
             </a:r>
             <a:r>
-              <a:rPr lang="en-US" sz="3600" dirty="0" err="1" smtClean="0"/>
+              <a:rPr lang="en-US" sz="3600" dirty="0" err="1"/>
               <a:t>blah</a:t>
             </a:r>
             <a:endParaRPr lang="en-SG" sz="3600" dirty="0"/>
@@ -16521,7 +16253,7 @@
           <a:p>
             <a:pPr algn="ctr"/>
             <a:r>
-              <a:rPr lang="en-SG" dirty="0" smtClean="0">
+              <a:rPr lang="en-SG" dirty="0">
                 <a:solidFill>
                   <a:schemeClr val="tx1"/>
                 </a:solidFill>
@@ -16571,10 +16303,9 @@
           <a:p>
             <a:pPr algn="ctr"/>
             <a:r>
-              <a:rPr lang="en-US" dirty="0" smtClean="0"/>
+              <a:rPr lang="en-US" dirty="0"/>
               <a:t>HIDDEN SHAPE</a:t>
             </a:r>
-            <a:endParaRPr lang="en-US" dirty="0"/>
           </a:p>
         </p:txBody>
       </p:sp>
@@ -16618,10 +16349,9 @@
           <a:p>
             <a:pPr algn="ctr"/>
             <a:r>
-              <a:rPr lang="en-US" dirty="0" smtClean="0"/>
+              <a:rPr lang="en-US" dirty="0"/>
               <a:t>HIDDEN SHAPE</a:t>
             </a:r>
-            <a:endParaRPr lang="en-US" dirty="0"/>
           </a:p>
         </p:txBody>
       </p:sp>
@@ -16665,18 +16395,13 @@
           <a:p>
             <a:pPr algn="ctr"/>
             <a:r>
-              <a:rPr lang="en-US" dirty="0" smtClean="0">
+              <a:rPr lang="en-US" dirty="0">
                 <a:solidFill>
                   <a:schemeClr val="tx1"/>
                 </a:solidFill>
               </a:rPr>
               <a:t>Shape with entry animation</a:t>
             </a:r>
-            <a:endParaRPr lang="en-US" dirty="0">
-              <a:solidFill>
-                <a:schemeClr val="tx1"/>
-              </a:solidFill>
-            </a:endParaRPr>
           </a:p>
         </p:txBody>
       </p:sp>
@@ -17150,11 +16875,11 @@
   <p:clrMapOvr>
     <a:masterClrMapping/>
   </p:clrMapOvr>
-  <mc:AlternateContent xmlns:mc="http://schemas.openxmlformats.org/markup-compatibility/2006">
-    <mc:Choice xmlns:p14="http://schemas.microsoft.com/office/powerpoint/2010/main" Requires="p14">
+  <mc:AlternateContent xmlns:mc="http://schemas.openxmlformats.org/markup-compatibility/2006" xmlns:p14="http://schemas.microsoft.com/office/powerpoint/2010/main">
+    <mc:Choice Requires="p14">
       <p:transition spd="slow" p14:dur="1500" advClick="0" advTm="0"/>
     </mc:Choice>
-    <mc:Fallback>
+    <mc:Fallback xmlns="">
       <p:transition spd="slow" advClick="0" advTm="0"/>
     </mc:Fallback>
   </mc:AlternateContent>
@@ -17537,10 +17262,9 @@
           <a:p>
             <a:pPr algn="ctr"/>
             <a:r>
-              <a:rPr lang="en-US" dirty="0" smtClean="0"/>
+              <a:rPr lang="en-US" dirty="0"/>
               <a:t>HIDDEN SHAPE</a:t>
             </a:r>
-            <a:endParaRPr lang="en-US" dirty="0"/>
           </a:p>
         </p:txBody>
       </p:sp>
@@ -17584,10 +17308,9 @@
           <a:p>
             <a:pPr algn="ctr"/>
             <a:r>
-              <a:rPr lang="en-US" dirty="0" smtClean="0"/>
+              <a:rPr lang="en-US" dirty="0"/>
               <a:t>HIDDEN SHAPE</a:t>
             </a:r>
-            <a:endParaRPr lang="en-US" dirty="0"/>
           </a:p>
         </p:txBody>
       </p:sp>
@@ -17661,25 +17384,18 @@
   <p:clrMapOvr>
     <a:masterClrMapping/>
   </p:clrMapOvr>
-  <mc:AlternateContent xmlns:mc="http://schemas.openxmlformats.org/markup-compatibility/2006">
-    <mc:Choice xmlns:p14="http://schemas.microsoft.com/office/powerpoint/2010/main" Requires="p14">
+  <mc:AlternateContent xmlns:mc="http://schemas.openxmlformats.org/markup-compatibility/2006" xmlns:p14="http://schemas.microsoft.com/office/powerpoint/2010/main">
+    <mc:Choice Requires="p14">
       <p:transition p14:dur="250">
         <p:fade/>
       </p:transition>
     </mc:Choice>
-    <mc:Fallback>
+    <mc:Fallback xmlns="">
       <p:transition>
         <p:fade/>
       </p:transition>
     </mc:Fallback>
   </mc:AlternateContent>
-  <p:timing>
-    <p:tnLst>
-      <p:par>
-        <p:cTn id="1" dur="indefinite" restart="never" nodeType="tmRoot"/>
-      </p:par>
-    </p:tnLst>
-  </p:timing>
 </p:sld>
 </file>
 
@@ -17716,11 +17432,11 @@
           <a:lstStyle/>
           <a:p>
             <a:r>
-              <a:rPr lang="en-US" dirty="0" smtClean="0"/>
+              <a:rPr lang="en-US" dirty="0"/>
               <a:t>Auto Zoom:: </a:t>
             </a:r>
             <a:r>
-              <a:rPr lang="en-US" dirty="0" err="1" smtClean="0"/>
+              <a:rPr lang="en-US" dirty="0" err="1"/>
               <a:t>Errrors</a:t>
             </a:r>
             <a:endParaRPr lang="en-SG" dirty="0"/>
@@ -17743,16 +17459,15 @@
           <a:lstStyle/>
           <a:p>
             <a:r>
-              <a:rPr lang="en-SG" dirty="0" smtClean="0"/>
+              <a:rPr lang="en-SG" dirty="0"/>
               <a:t>1) Move slide 16 to the end of the presentation. Attempt to Drill down. This should cause an error.</a:t>
             </a:r>
           </a:p>
           <a:p>
             <a:r>
-              <a:rPr lang="en-SG" dirty="0" smtClean="0"/>
+              <a:rPr lang="en-SG" dirty="0"/>
               <a:t>2) Move the slide to the start of the presentation. Attempt to Step back. This should also cause an error.</a:t>
             </a:r>
-            <a:endParaRPr lang="en-SG" dirty="0"/>
           </a:p>
         </p:txBody>
       </p:sp>
@@ -17766,13 +17481,6 @@
   <p:clrMapOvr>
     <a:masterClrMapping/>
   </p:clrMapOvr>
-  <p:timing>
-    <p:tnLst>
-      <p:par>
-        <p:cTn id="1" dur="indefinite" restart="never" nodeType="tmRoot"/>
-      </p:par>
-    </p:tnLst>
-  </p:timing>
 </p:sld>
 </file>
 
@@ -17809,7 +17517,7 @@
           <a:lstStyle/>
           <a:p>
             <a:r>
-              <a:rPr lang="en-US" dirty="0" smtClean="0"/>
+              <a:rPr lang="en-US" dirty="0"/>
               <a:t>Auto Zoom:: Simple Zoom In (Drill Down)</a:t>
             </a:r>
             <a:endParaRPr lang="en-SG" dirty="0"/>
@@ -17832,16 +17540,8 @@
           <a:lstStyle/>
           <a:p>
             <a:r>
-              <a:rPr lang="en-SG" dirty="0" smtClean="0"/>
-              <a:t>Enable </a:t>
-            </a:r>
-            <a:r>
               <a:rPr lang="en-SG" dirty="0"/>
-              <a:t>slide background </a:t>
-            </a:r>
-            <a:r>
-              <a:rPr lang="en-SG" dirty="0" smtClean="0"/>
-              <a:t>in </a:t>
+              <a:t>Enable slide background in </a:t>
             </a:r>
             <a:r>
               <a:rPr lang="en-SG" dirty="0" err="1"/>
@@ -17867,13 +17567,6 @@
   <p:clrMapOvr>
     <a:masterClrMapping/>
   </p:clrMapOvr>
-  <p:timing>
-    <p:tnLst>
-      <p:par>
-        <p:cTn id="1" dur="indefinite" restart="never" nodeType="tmRoot"/>
-      </p:par>
-    </p:tnLst>
-  </p:timing>
 </p:sld>
 </file>
 
@@ -18066,7 +17759,7 @@
           <a:p>
             <a:pPr algn="ctr"/>
             <a:r>
-              <a:rPr lang="en-US" sz="2800" dirty="0" smtClean="0"/>
+              <a:rPr lang="en-US" sz="2800" dirty="0"/>
               <a:t>Zoom Shape</a:t>
             </a:r>
           </a:p>
@@ -18112,10 +17805,9 @@
           <a:p>
             <a:pPr algn="ctr"/>
             <a:r>
-              <a:rPr lang="en-US" dirty="0" smtClean="0"/>
+              <a:rPr lang="en-US" dirty="0"/>
               <a:t>HIDDEN SHAPE</a:t>
             </a:r>
-            <a:endParaRPr lang="en-US" dirty="0"/>
           </a:p>
         </p:txBody>
       </p:sp>
@@ -18159,10 +17851,9 @@
           <a:p>
             <a:pPr algn="ctr"/>
             <a:r>
-              <a:rPr lang="en-US" dirty="0" smtClean="0"/>
+              <a:rPr lang="en-US" dirty="0"/>
               <a:t>HIDDEN SHAPE</a:t>
             </a:r>
-            <a:endParaRPr lang="en-US" dirty="0"/>
           </a:p>
         </p:txBody>
       </p:sp>
@@ -18188,17 +17879,931 @@
       </p:transition>
     </mc:Fallback>
   </mc:AlternateContent>
+</p:sld>
+</file>
+
+<file path=ppt/slides/slide31.xml><?xml version="1.0" encoding="utf-8"?>
+<p:sld xmlns:a="http://schemas.openxmlformats.org/drawingml/2006/main" xmlns:r="http://schemas.openxmlformats.org/officeDocument/2006/relationships" xmlns:p="http://schemas.openxmlformats.org/presentationml/2006/main">
+  <p:cSld>
+    <p:spTree>
+      <p:nvGrpSpPr>
+        <p:cNvPr id="1" name=""/>
+        <p:cNvGrpSpPr/>
+        <p:nvPr/>
+      </p:nvGrpSpPr>
+      <p:grpSpPr>
+        <a:xfrm>
+          <a:off x="0" y="0"/>
+          <a:ext cx="0" cy="0"/>
+          <a:chOff x="0" y="0"/>
+          <a:chExt cx="0" cy="0"/>
+        </a:xfrm>
+      </p:grpSpPr>
+      <p:sp>
+        <p:nvSpPr>
+          <p:cNvPr id="2" name="Title 1">
+            <a:extLst>
+              <a:ext uri="{FF2B5EF4-FFF2-40B4-BE49-F238E27FC236}">
+                <a16:creationId xmlns:a16="http://schemas.microsoft.com/office/drawing/2014/main" id="{649DF911-B85D-4EBF-A479-24FC604FE6FF}"/>
+              </a:ext>
+            </a:extLst>
+          </p:cNvPr>
+          <p:cNvSpPr>
+            <a:spLocks noGrp="1"/>
+          </p:cNvSpPr>
+          <p:nvPr>
+            <p:ph type="title"/>
+          </p:nvPr>
+        </p:nvSpPr>
+        <p:spPr/>
+        <p:txBody>
+          <a:bodyPr/>
+          <a:lstStyle/>
+          <a:p>
+            <a:r>
+              <a:rPr lang="en-SG" dirty="0"/>
+              <a:t>This is a slide title that floats in</a:t>
+            </a:r>
+          </a:p>
+        </p:txBody>
+      </p:sp>
+      <p:sp>
+        <p:nvSpPr>
+          <p:cNvPr id="3" name="Content Placeholder 2">
+            <a:extLst>
+              <a:ext uri="{FF2B5EF4-FFF2-40B4-BE49-F238E27FC236}">
+                <a16:creationId xmlns:a16="http://schemas.microsoft.com/office/drawing/2014/main" id="{CA5D83AC-D692-47B0-865E-F89905084074}"/>
+              </a:ext>
+            </a:extLst>
+          </p:cNvPr>
+          <p:cNvSpPr>
+            <a:spLocks noGrp="1"/>
+          </p:cNvSpPr>
+          <p:nvPr>
+            <p:ph idx="1"/>
+          </p:nvPr>
+        </p:nvSpPr>
+        <p:spPr/>
+        <p:txBody>
+          <a:bodyPr/>
+          <a:lstStyle/>
+          <a:p>
+            <a:r>
+              <a:rPr lang="en-SG" dirty="0"/>
+              <a:t>This is a point that appears</a:t>
+            </a:r>
+          </a:p>
+        </p:txBody>
+      </p:sp>
+      <p:sp>
+        <p:nvSpPr>
+          <p:cNvPr id="4" name="Rectangle 3">
+            <a:extLst>
+              <a:ext uri="{FF2B5EF4-FFF2-40B4-BE49-F238E27FC236}">
+                <a16:creationId xmlns:a16="http://schemas.microsoft.com/office/drawing/2014/main" id="{57D2545B-1DCF-40D2-AB7C-35FCBC5FC7BC}"/>
+              </a:ext>
+            </a:extLst>
+          </p:cNvPr>
+          <p:cNvSpPr/>
+          <p:nvPr/>
+        </p:nvSpPr>
+        <p:spPr>
+          <a:xfrm>
+            <a:off x="1676400" y="2971800"/>
+            <a:ext cx="2514600" cy="1447800"/>
+          </a:xfrm>
+          <a:prstGeom prst="rect">
+            <a:avLst/>
+          </a:prstGeom>
+        </p:spPr>
+        <p:style>
+          <a:lnRef idx="2">
+            <a:schemeClr val="accent1">
+              <a:shade val="50000"/>
+            </a:schemeClr>
+          </a:lnRef>
+          <a:fillRef idx="1">
+            <a:schemeClr val="accent1"/>
+          </a:fillRef>
+          <a:effectRef idx="0">
+            <a:schemeClr val="accent1"/>
+          </a:effectRef>
+          <a:fontRef idx="minor">
+            <a:schemeClr val="lt1"/>
+          </a:fontRef>
+        </p:style>
+        <p:txBody>
+          <a:bodyPr rtlCol="0" anchor="ctr"/>
+          <a:lstStyle/>
+          <a:p>
+            <a:pPr algn="ctr"/>
+            <a:r>
+              <a:rPr lang="en-SG" dirty="0"/>
+              <a:t>This is a fly in shape</a:t>
+            </a:r>
+          </a:p>
+        </p:txBody>
+      </p:sp>
+      <p:sp>
+        <p:nvSpPr>
+          <p:cNvPr id="5" name="Rectangle 4">
+            <a:extLst>
+              <a:ext uri="{FF2B5EF4-FFF2-40B4-BE49-F238E27FC236}">
+                <a16:creationId xmlns:a16="http://schemas.microsoft.com/office/drawing/2014/main" id="{498CBB16-52EA-490E-9C54-724CCF26697F}"/>
+              </a:ext>
+            </a:extLst>
+          </p:cNvPr>
+          <p:cNvSpPr/>
+          <p:nvPr/>
+        </p:nvSpPr>
+        <p:spPr>
+          <a:xfrm>
+            <a:off x="4876800" y="2514600"/>
+            <a:ext cx="2590800" cy="1600200"/>
+          </a:xfrm>
+          <a:prstGeom prst="rect">
+            <a:avLst/>
+          </a:prstGeom>
+        </p:spPr>
+        <p:style>
+          <a:lnRef idx="2">
+            <a:schemeClr val="accent1">
+              <a:shade val="50000"/>
+            </a:schemeClr>
+          </a:lnRef>
+          <a:fillRef idx="1">
+            <a:schemeClr val="accent1"/>
+          </a:fillRef>
+          <a:effectRef idx="0">
+            <a:schemeClr val="accent1"/>
+          </a:effectRef>
+          <a:fontRef idx="minor">
+            <a:schemeClr val="lt1"/>
+          </a:fontRef>
+        </p:style>
+        <p:txBody>
+          <a:bodyPr rtlCol="0" anchor="ctr"/>
+          <a:lstStyle/>
+          <a:p>
+            <a:pPr algn="ctr"/>
+            <a:r>
+              <a:rPr lang="en-SG" dirty="0"/>
+              <a:t>This is a step back shape</a:t>
+            </a:r>
+          </a:p>
+        </p:txBody>
+      </p:sp>
+    </p:spTree>
+    <p:extLst>
+      <p:ext uri="{BB962C8B-B14F-4D97-AF65-F5344CB8AC3E}">
+        <p14:creationId xmlns:p14="http://schemas.microsoft.com/office/powerpoint/2010/main" val="3833314007"/>
+      </p:ext>
+    </p:extLst>
+  </p:cSld>
+  <p:clrMapOvr>
+    <a:masterClrMapping/>
+  </p:clrMapOvr>
   <p:timing>
     <p:tnLst>
       <p:par>
-        <p:cTn id="1" dur="indefinite" restart="never" nodeType="tmRoot"/>
+        <p:cTn id="1" dur="indefinite" restart="never" nodeType="tmRoot">
+          <p:childTnLst>
+            <p:seq concurrent="1" nextAc="seek">
+              <p:cTn id="2" dur="indefinite" nodeType="mainSeq">
+                <p:childTnLst>
+                  <p:par>
+                    <p:cTn id="3" fill="hold">
+                      <p:stCondLst>
+                        <p:cond delay="indefinite"/>
+                      </p:stCondLst>
+                      <p:childTnLst>
+                        <p:par>
+                          <p:cTn id="4" fill="hold">
+                            <p:stCondLst>
+                              <p:cond delay="0"/>
+                            </p:stCondLst>
+                            <p:childTnLst>
+                              <p:par>
+                                <p:cTn id="5" presetID="1" presetClass="entr" presetSubtype="0" fill="hold" nodeType="clickEffect">
+                                  <p:stCondLst>
+                                    <p:cond delay="0"/>
+                                  </p:stCondLst>
+                                  <p:childTnLst>
+                                    <p:set>
+                                      <p:cBhvr>
+                                        <p:cTn id="6" dur="1" fill="hold">
+                                          <p:stCondLst>
+                                            <p:cond delay="0"/>
+                                          </p:stCondLst>
+                                        </p:cTn>
+                                        <p:tgtEl>
+                                          <p:spTgt spid="3">
+                                            <p:txEl>
+                                              <p:pRg st="0" end="0"/>
+                                            </p:txEl>
+                                          </p:spTgt>
+                                        </p:tgtEl>
+                                        <p:attrNameLst>
+                                          <p:attrName>style.visibility</p:attrName>
+                                        </p:attrNameLst>
+                                      </p:cBhvr>
+                                      <p:to>
+                                        <p:strVal val="visible"/>
+                                      </p:to>
+                                    </p:set>
+                                  </p:childTnLst>
+                                </p:cTn>
+                              </p:par>
+                            </p:childTnLst>
+                          </p:cTn>
+                        </p:par>
+                      </p:childTnLst>
+                    </p:cTn>
+                  </p:par>
+                  <p:par>
+                    <p:cTn id="7" fill="hold">
+                      <p:stCondLst>
+                        <p:cond delay="indefinite"/>
+                      </p:stCondLst>
+                      <p:childTnLst>
+                        <p:par>
+                          <p:cTn id="8" fill="hold">
+                            <p:stCondLst>
+                              <p:cond delay="0"/>
+                            </p:stCondLst>
+                            <p:childTnLst>
+                              <p:par>
+                                <p:cTn id="9" presetID="2" presetClass="entr" presetSubtype="4" fill="hold" grpId="0" nodeType="clickEffect">
+                                  <p:stCondLst>
+                                    <p:cond delay="0"/>
+                                  </p:stCondLst>
+                                  <p:childTnLst>
+                                    <p:set>
+                                      <p:cBhvr>
+                                        <p:cTn id="10" dur="1" fill="hold">
+                                          <p:stCondLst>
+                                            <p:cond delay="0"/>
+                                          </p:stCondLst>
+                                        </p:cTn>
+                                        <p:tgtEl>
+                                          <p:spTgt spid="4"/>
+                                        </p:tgtEl>
+                                        <p:attrNameLst>
+                                          <p:attrName>style.visibility</p:attrName>
+                                        </p:attrNameLst>
+                                      </p:cBhvr>
+                                      <p:to>
+                                        <p:strVal val="visible"/>
+                                      </p:to>
+                                    </p:set>
+                                    <p:anim calcmode="lin" valueType="num">
+                                      <p:cBhvr additive="base">
+                                        <p:cTn id="11" dur="500" fill="hold"/>
+                                        <p:tgtEl>
+                                          <p:spTgt spid="4"/>
+                                        </p:tgtEl>
+                                        <p:attrNameLst>
+                                          <p:attrName>ppt_x</p:attrName>
+                                        </p:attrNameLst>
+                                      </p:cBhvr>
+                                      <p:tavLst>
+                                        <p:tav tm="0">
+                                          <p:val>
+                                            <p:strVal val="#ppt_x"/>
+                                          </p:val>
+                                        </p:tav>
+                                        <p:tav tm="100000">
+                                          <p:val>
+                                            <p:strVal val="#ppt_x"/>
+                                          </p:val>
+                                        </p:tav>
+                                      </p:tavLst>
+                                    </p:anim>
+                                    <p:anim calcmode="lin" valueType="num">
+                                      <p:cBhvr additive="base">
+                                        <p:cTn id="12" dur="500" fill="hold"/>
+                                        <p:tgtEl>
+                                          <p:spTgt spid="4"/>
+                                        </p:tgtEl>
+                                        <p:attrNameLst>
+                                          <p:attrName>ppt_y</p:attrName>
+                                        </p:attrNameLst>
+                                      </p:cBhvr>
+                                      <p:tavLst>
+                                        <p:tav tm="0">
+                                          <p:val>
+                                            <p:strVal val="1+#ppt_h/2"/>
+                                          </p:val>
+                                        </p:tav>
+                                        <p:tav tm="100000">
+                                          <p:val>
+                                            <p:strVal val="#ppt_y"/>
+                                          </p:val>
+                                        </p:tav>
+                                      </p:tavLst>
+                                    </p:anim>
+                                  </p:childTnLst>
+                                </p:cTn>
+                              </p:par>
+                            </p:childTnLst>
+                          </p:cTn>
+                        </p:par>
+                      </p:childTnLst>
+                    </p:cTn>
+                  </p:par>
+                  <p:par>
+                    <p:cTn id="13" fill="hold">
+                      <p:stCondLst>
+                        <p:cond delay="indefinite"/>
+                      </p:stCondLst>
+                      <p:childTnLst>
+                        <p:par>
+                          <p:cTn id="14" fill="hold">
+                            <p:stCondLst>
+                              <p:cond delay="0"/>
+                            </p:stCondLst>
+                            <p:childTnLst>
+                              <p:par>
+                                <p:cTn id="15" presetID="42" presetClass="entr" presetSubtype="0" fill="hold" grpId="0" nodeType="clickEffect">
+                                  <p:stCondLst>
+                                    <p:cond delay="0"/>
+                                  </p:stCondLst>
+                                  <p:childTnLst>
+                                    <p:set>
+                                      <p:cBhvr>
+                                        <p:cTn id="16" dur="1" fill="hold">
+                                          <p:stCondLst>
+                                            <p:cond delay="0"/>
+                                          </p:stCondLst>
+                                        </p:cTn>
+                                        <p:tgtEl>
+                                          <p:spTgt spid="2"/>
+                                        </p:tgtEl>
+                                        <p:attrNameLst>
+                                          <p:attrName>style.visibility</p:attrName>
+                                        </p:attrNameLst>
+                                      </p:cBhvr>
+                                      <p:to>
+                                        <p:strVal val="visible"/>
+                                      </p:to>
+                                    </p:set>
+                                    <p:animEffect transition="in" filter="fade">
+                                      <p:cBhvr>
+                                        <p:cTn id="17" dur="1000"/>
+                                        <p:tgtEl>
+                                          <p:spTgt spid="2"/>
+                                        </p:tgtEl>
+                                      </p:cBhvr>
+                                    </p:animEffect>
+                                    <p:anim calcmode="lin" valueType="num">
+                                      <p:cBhvr>
+                                        <p:cTn id="18" dur="1000" fill="hold"/>
+                                        <p:tgtEl>
+                                          <p:spTgt spid="2"/>
+                                        </p:tgtEl>
+                                        <p:attrNameLst>
+                                          <p:attrName>ppt_x</p:attrName>
+                                        </p:attrNameLst>
+                                      </p:cBhvr>
+                                      <p:tavLst>
+                                        <p:tav tm="0">
+                                          <p:val>
+                                            <p:strVal val="#ppt_x"/>
+                                          </p:val>
+                                        </p:tav>
+                                        <p:tav tm="100000">
+                                          <p:val>
+                                            <p:strVal val="#ppt_x"/>
+                                          </p:val>
+                                        </p:tav>
+                                      </p:tavLst>
+                                    </p:anim>
+                                    <p:anim calcmode="lin" valueType="num">
+                                      <p:cBhvr>
+                                        <p:cTn id="19" dur="1000" fill="hold"/>
+                                        <p:tgtEl>
+                                          <p:spTgt spid="2"/>
+                                        </p:tgtEl>
+                                        <p:attrNameLst>
+                                          <p:attrName>ppt_y</p:attrName>
+                                        </p:attrNameLst>
+                                      </p:cBhvr>
+                                      <p:tavLst>
+                                        <p:tav tm="0">
+                                          <p:val>
+                                            <p:strVal val="#ppt_y+.1"/>
+                                          </p:val>
+                                        </p:tav>
+                                        <p:tav tm="100000">
+                                          <p:val>
+                                            <p:strVal val="#ppt_y"/>
+                                          </p:val>
+                                        </p:tav>
+                                      </p:tavLst>
+                                    </p:anim>
+                                  </p:childTnLst>
+                                </p:cTn>
+                              </p:par>
+                            </p:childTnLst>
+                          </p:cTn>
+                        </p:par>
+                      </p:childTnLst>
+                    </p:cTn>
+                  </p:par>
+                </p:childTnLst>
+              </p:cTn>
+              <p:prevCondLst>
+                <p:cond evt="onPrev" delay="0">
+                  <p:tgtEl>
+                    <p:sldTgt/>
+                  </p:tgtEl>
+                </p:cond>
+              </p:prevCondLst>
+              <p:nextCondLst>
+                <p:cond evt="onNext" delay="0">
+                  <p:tgtEl>
+                    <p:sldTgt/>
+                  </p:tgtEl>
+                </p:cond>
+              </p:nextCondLst>
+            </p:seq>
+          </p:childTnLst>
+        </p:cTn>
       </p:par>
     </p:tnLst>
+    <p:bldLst>
+      <p:bldP spid="2" grpId="0"/>
+      <p:bldP spid="4" grpId="0" animBg="1"/>
+    </p:bldLst>
   </p:timing>
 </p:sld>
 </file>
 
-<file path=ppt/slides/slide31.xml><?xml version="1.0" encoding="utf-8"?>
+<file path=ppt/slides/slide32.xml><?xml version="1.0" encoding="utf-8"?>
+<p:sld xmlns:a="http://schemas.openxmlformats.org/drawingml/2006/main" xmlns:r="http://schemas.openxmlformats.org/officeDocument/2006/relationships" xmlns:p="http://schemas.openxmlformats.org/presentationml/2006/main">
+  <p:cSld>
+    <p:spTree>
+      <p:nvGrpSpPr>
+        <p:cNvPr id="1" name=""/>
+        <p:cNvGrpSpPr/>
+        <p:nvPr/>
+      </p:nvGrpSpPr>
+      <p:grpSpPr>
+        <a:xfrm>
+          <a:off x="0" y="0"/>
+          <a:ext cx="0" cy="0"/>
+          <a:chOff x="0" y="0"/>
+          <a:chExt cx="0" cy="0"/>
+        </a:xfrm>
+      </p:grpSpPr>
+      <p:sp>
+        <p:nvSpPr>
+          <p:cNvPr id="2" name="Title 1">
+            <a:extLst>
+              <a:ext uri="{FF2B5EF4-FFF2-40B4-BE49-F238E27FC236}">
+                <a16:creationId xmlns:a16="http://schemas.microsoft.com/office/drawing/2014/main" id="{649DF911-B85D-4EBF-A479-24FC604FE6FF}"/>
+              </a:ext>
+            </a:extLst>
+          </p:cNvPr>
+          <p:cNvSpPr>
+            <a:spLocks noGrp="1"/>
+          </p:cNvSpPr>
+          <p:nvPr>
+            <p:ph type="title"/>
+          </p:nvPr>
+        </p:nvSpPr>
+        <p:spPr/>
+        <p:txBody>
+          <a:bodyPr/>
+          <a:lstStyle/>
+          <a:p>
+            <a:r>
+              <a:rPr lang="en-SG" dirty="0"/>
+              <a:t>This is a slide title that floats in</a:t>
+            </a:r>
+          </a:p>
+        </p:txBody>
+      </p:sp>
+      <p:sp>
+        <p:nvSpPr>
+          <p:cNvPr id="3" name="Content Placeholder 2">
+            <a:extLst>
+              <a:ext uri="{FF2B5EF4-FFF2-40B4-BE49-F238E27FC236}">
+                <a16:creationId xmlns:a16="http://schemas.microsoft.com/office/drawing/2014/main" id="{CA5D83AC-D692-47B0-865E-F89905084074}"/>
+              </a:ext>
+            </a:extLst>
+          </p:cNvPr>
+          <p:cNvSpPr>
+            <a:spLocks noGrp="1"/>
+          </p:cNvSpPr>
+          <p:nvPr>
+            <p:ph idx="1"/>
+          </p:nvPr>
+        </p:nvSpPr>
+        <p:spPr/>
+        <p:txBody>
+          <a:bodyPr/>
+          <a:lstStyle/>
+          <a:p>
+            <a:r>
+              <a:rPr lang="en-SG" dirty="0"/>
+              <a:t>This is a point that appears</a:t>
+            </a:r>
+          </a:p>
+          <a:p>
+            <a:r>
+              <a:rPr lang="en-SG" dirty="0"/>
+              <a:t>This is a point that does not appear</a:t>
+            </a:r>
+          </a:p>
+        </p:txBody>
+      </p:sp>
+      <p:sp>
+        <p:nvSpPr>
+          <p:cNvPr id="4" name="Rectangle 3">
+            <a:extLst>
+              <a:ext uri="{FF2B5EF4-FFF2-40B4-BE49-F238E27FC236}">
+                <a16:creationId xmlns:a16="http://schemas.microsoft.com/office/drawing/2014/main" id="{57D2545B-1DCF-40D2-AB7C-35FCBC5FC7BC}"/>
+              </a:ext>
+            </a:extLst>
+          </p:cNvPr>
+          <p:cNvSpPr/>
+          <p:nvPr/>
+        </p:nvSpPr>
+        <p:spPr>
+          <a:xfrm>
+            <a:off x="1676400" y="2971800"/>
+            <a:ext cx="2514600" cy="1447800"/>
+          </a:xfrm>
+          <a:prstGeom prst="rect">
+            <a:avLst/>
+          </a:prstGeom>
+        </p:spPr>
+        <p:style>
+          <a:lnRef idx="2">
+            <a:schemeClr val="accent1">
+              <a:shade val="50000"/>
+            </a:schemeClr>
+          </a:lnRef>
+          <a:fillRef idx="1">
+            <a:schemeClr val="accent1"/>
+          </a:fillRef>
+          <a:effectRef idx="0">
+            <a:schemeClr val="accent1"/>
+          </a:effectRef>
+          <a:fontRef idx="minor">
+            <a:schemeClr val="lt1"/>
+          </a:fontRef>
+        </p:style>
+        <p:txBody>
+          <a:bodyPr rtlCol="0" anchor="ctr"/>
+          <a:lstStyle/>
+          <a:p>
+            <a:pPr algn="ctr"/>
+            <a:r>
+              <a:rPr lang="en-SG" dirty="0"/>
+              <a:t>This is a fly in shape</a:t>
+            </a:r>
+          </a:p>
+        </p:txBody>
+      </p:sp>
+      <p:sp>
+        <p:nvSpPr>
+          <p:cNvPr id="5" name="Step Back This Shape">
+            <a:extLst>
+              <a:ext uri="{FF2B5EF4-FFF2-40B4-BE49-F238E27FC236}">
+                <a16:creationId xmlns:a16="http://schemas.microsoft.com/office/drawing/2014/main" id="{498CBB16-52EA-490E-9C54-724CCF26697F}"/>
+              </a:ext>
+            </a:extLst>
+          </p:cNvPr>
+          <p:cNvSpPr/>
+          <p:nvPr/>
+        </p:nvSpPr>
+        <p:spPr>
+          <a:xfrm>
+            <a:off x="4876800" y="2514600"/>
+            <a:ext cx="2590800" cy="1600200"/>
+          </a:xfrm>
+          <a:prstGeom prst="rect">
+            <a:avLst/>
+          </a:prstGeom>
+        </p:spPr>
+        <p:style>
+          <a:lnRef idx="2">
+            <a:schemeClr val="accent1">
+              <a:shade val="50000"/>
+            </a:schemeClr>
+          </a:lnRef>
+          <a:fillRef idx="1">
+            <a:schemeClr val="accent1"/>
+          </a:fillRef>
+          <a:effectRef idx="0">
+            <a:schemeClr val="accent1"/>
+          </a:effectRef>
+          <a:fontRef idx="minor">
+            <a:schemeClr val="lt1"/>
+          </a:fontRef>
+        </p:style>
+        <p:txBody>
+          <a:bodyPr rtlCol="0" anchor="ctr"/>
+          <a:lstStyle/>
+          <a:p>
+            <a:pPr algn="ctr"/>
+            <a:r>
+              <a:rPr lang="en-SG"/>
+              <a:t>This is a step back shape</a:t>
+            </a:r>
+            <a:endParaRPr lang="en-SG" dirty="0"/>
+          </a:p>
+        </p:txBody>
+      </p:sp>
+    </p:spTree>
+    <p:extLst>
+      <p:ext uri="{BB962C8B-B14F-4D97-AF65-F5344CB8AC3E}">
+        <p14:creationId xmlns:p14="http://schemas.microsoft.com/office/powerpoint/2010/main" val="365165429"/>
+      </p:ext>
+    </p:extLst>
+  </p:cSld>
+  <p:clrMapOvr>
+    <a:masterClrMapping/>
+  </p:clrMapOvr>
+  <p:timing>
+    <p:tnLst>
+      <p:par>
+        <p:cTn id="1" dur="indefinite" restart="never" nodeType="tmRoot">
+          <p:childTnLst>
+            <p:seq concurrent="1" nextAc="seek">
+              <p:cTn id="2" dur="indefinite" nodeType="mainSeq">
+                <p:childTnLst>
+                  <p:par>
+                    <p:cTn id="3" fill="hold">
+                      <p:stCondLst>
+                        <p:cond delay="indefinite"/>
+                      </p:stCondLst>
+                      <p:childTnLst>
+                        <p:par>
+                          <p:cTn id="4" fill="hold">
+                            <p:stCondLst>
+                              <p:cond delay="0"/>
+                            </p:stCondLst>
+                            <p:childTnLst>
+                              <p:par>
+                                <p:cTn id="5" presetID="2" presetClass="entr" presetSubtype="4" fill="hold" grpId="0" nodeType="clickEffect">
+                                  <p:stCondLst>
+                                    <p:cond delay="0"/>
+                                  </p:stCondLst>
+                                  <p:childTnLst>
+                                    <p:set>
+                                      <p:cBhvr>
+                                        <p:cTn id="6" dur="1" fill="hold">
+                                          <p:stCondLst>
+                                            <p:cond delay="0"/>
+                                          </p:stCondLst>
+                                        </p:cTn>
+                                        <p:tgtEl>
+                                          <p:spTgt spid="4"/>
+                                        </p:tgtEl>
+                                        <p:attrNameLst>
+                                          <p:attrName>style.visibility</p:attrName>
+                                        </p:attrNameLst>
+                                      </p:cBhvr>
+                                      <p:to>
+                                        <p:strVal val="visible"/>
+                                      </p:to>
+                                    </p:set>
+                                    <p:anim calcmode="lin" valueType="num">
+                                      <p:cBhvr additive="base">
+                                        <p:cTn id="7" dur="500" fill="hold"/>
+                                        <p:tgtEl>
+                                          <p:spTgt spid="4"/>
+                                        </p:tgtEl>
+                                        <p:attrNameLst>
+                                          <p:attrName>ppt_x</p:attrName>
+                                        </p:attrNameLst>
+                                      </p:cBhvr>
+                                      <p:tavLst>
+                                        <p:tav tm="0">
+                                          <p:val>
+                                            <p:strVal val="#ppt_x"/>
+                                          </p:val>
+                                        </p:tav>
+                                        <p:tav tm="100000">
+                                          <p:val>
+                                            <p:strVal val="#ppt_x"/>
+                                          </p:val>
+                                        </p:tav>
+                                      </p:tavLst>
+                                    </p:anim>
+                                    <p:anim calcmode="lin" valueType="num">
+                                      <p:cBhvr additive="base">
+                                        <p:cTn id="8" dur="500" fill="hold"/>
+                                        <p:tgtEl>
+                                          <p:spTgt spid="4"/>
+                                        </p:tgtEl>
+                                        <p:attrNameLst>
+                                          <p:attrName>ppt_y</p:attrName>
+                                        </p:attrNameLst>
+                                      </p:cBhvr>
+                                      <p:tavLst>
+                                        <p:tav tm="0">
+                                          <p:val>
+                                            <p:strVal val="1+#ppt_h/2"/>
+                                          </p:val>
+                                        </p:tav>
+                                        <p:tav tm="100000">
+                                          <p:val>
+                                            <p:strVal val="#ppt_y"/>
+                                          </p:val>
+                                        </p:tav>
+                                      </p:tavLst>
+                                    </p:anim>
+                                  </p:childTnLst>
+                                </p:cTn>
+                              </p:par>
+                            </p:childTnLst>
+                          </p:cTn>
+                        </p:par>
+                      </p:childTnLst>
+                    </p:cTn>
+                  </p:par>
+                  <p:par>
+                    <p:cTn id="9" fill="hold">
+                      <p:stCondLst>
+                        <p:cond delay="indefinite"/>
+                      </p:stCondLst>
+                      <p:childTnLst>
+                        <p:par>
+                          <p:cTn id="10" fill="hold">
+                            <p:stCondLst>
+                              <p:cond delay="0"/>
+                            </p:stCondLst>
+                            <p:childTnLst>
+                              <p:par>
+                                <p:cTn id="11" presetID="1" presetClass="entr" presetSubtype="0" fill="hold" nodeType="clickEffect">
+                                  <p:stCondLst>
+                                    <p:cond delay="0"/>
+                                  </p:stCondLst>
+                                  <p:childTnLst>
+                                    <p:set>
+                                      <p:cBhvr>
+                                        <p:cTn id="12" dur="1" fill="hold">
+                                          <p:stCondLst>
+                                            <p:cond delay="0"/>
+                                          </p:stCondLst>
+                                        </p:cTn>
+                                        <p:tgtEl>
+                                          <p:spTgt spid="3">
+                                            <p:txEl>
+                                              <p:pRg st="0" end="0"/>
+                                            </p:txEl>
+                                          </p:spTgt>
+                                        </p:tgtEl>
+                                        <p:attrNameLst>
+                                          <p:attrName>style.visibility</p:attrName>
+                                        </p:attrNameLst>
+                                      </p:cBhvr>
+                                      <p:to>
+                                        <p:strVal val="visible"/>
+                                      </p:to>
+                                    </p:set>
+                                  </p:childTnLst>
+                                </p:cTn>
+                              </p:par>
+                            </p:childTnLst>
+                          </p:cTn>
+                        </p:par>
+                      </p:childTnLst>
+                    </p:cTn>
+                  </p:par>
+                  <p:par>
+                    <p:cTn id="13" fill="hold">
+                      <p:stCondLst>
+                        <p:cond delay="indefinite"/>
+                      </p:stCondLst>
+                      <p:childTnLst>
+                        <p:par>
+                          <p:cTn id="14" fill="hold">
+                            <p:stCondLst>
+                              <p:cond delay="0"/>
+                            </p:stCondLst>
+                            <p:childTnLst>
+                              <p:par>
+                                <p:cTn id="15" presetID="42" presetClass="entr" presetSubtype="0" fill="hold" grpId="0" nodeType="clickEffect">
+                                  <p:stCondLst>
+                                    <p:cond delay="0"/>
+                                  </p:stCondLst>
+                                  <p:childTnLst>
+                                    <p:set>
+                                      <p:cBhvr>
+                                        <p:cTn id="16" dur="1" fill="hold">
+                                          <p:stCondLst>
+                                            <p:cond delay="0"/>
+                                          </p:stCondLst>
+                                        </p:cTn>
+                                        <p:tgtEl>
+                                          <p:spTgt spid="2"/>
+                                        </p:tgtEl>
+                                        <p:attrNameLst>
+                                          <p:attrName>style.visibility</p:attrName>
+                                        </p:attrNameLst>
+                                      </p:cBhvr>
+                                      <p:to>
+                                        <p:strVal val="visible"/>
+                                      </p:to>
+                                    </p:set>
+                                    <p:animEffect transition="in" filter="fade">
+                                      <p:cBhvr>
+                                        <p:cTn id="17" dur="1000"/>
+                                        <p:tgtEl>
+                                          <p:spTgt spid="2"/>
+                                        </p:tgtEl>
+                                      </p:cBhvr>
+                                    </p:animEffect>
+                                    <p:anim calcmode="lin" valueType="num">
+                                      <p:cBhvr>
+                                        <p:cTn id="18" dur="1000" fill="hold"/>
+                                        <p:tgtEl>
+                                          <p:spTgt spid="2"/>
+                                        </p:tgtEl>
+                                        <p:attrNameLst>
+                                          <p:attrName>ppt_x</p:attrName>
+                                        </p:attrNameLst>
+                                      </p:cBhvr>
+                                      <p:tavLst>
+                                        <p:tav tm="0">
+                                          <p:val>
+                                            <p:strVal val="#ppt_x"/>
+                                          </p:val>
+                                        </p:tav>
+                                        <p:tav tm="100000">
+                                          <p:val>
+                                            <p:strVal val="#ppt_x"/>
+                                          </p:val>
+                                        </p:tav>
+                                      </p:tavLst>
+                                    </p:anim>
+                                    <p:anim calcmode="lin" valueType="num">
+                                      <p:cBhvr>
+                                        <p:cTn id="19" dur="1000" fill="hold"/>
+                                        <p:tgtEl>
+                                          <p:spTgt spid="2"/>
+                                        </p:tgtEl>
+                                        <p:attrNameLst>
+                                          <p:attrName>ppt_y</p:attrName>
+                                        </p:attrNameLst>
+                                      </p:cBhvr>
+                                      <p:tavLst>
+                                        <p:tav tm="0">
+                                          <p:val>
+                                            <p:strVal val="#ppt_y+.1"/>
+                                          </p:val>
+                                        </p:tav>
+                                        <p:tav tm="100000">
+                                          <p:val>
+                                            <p:strVal val="#ppt_y"/>
+                                          </p:val>
+                                        </p:tav>
+                                      </p:tavLst>
+                                    </p:anim>
+                                  </p:childTnLst>
+                                </p:cTn>
+                              </p:par>
+                            </p:childTnLst>
+                          </p:cTn>
+                        </p:par>
+                      </p:childTnLst>
+                    </p:cTn>
+                  </p:par>
+                </p:childTnLst>
+              </p:cTn>
+              <p:prevCondLst>
+                <p:cond evt="onPrev" delay="0">
+                  <p:tgtEl>
+                    <p:sldTgt/>
+                  </p:tgtEl>
+                </p:cond>
+              </p:prevCondLst>
+              <p:nextCondLst>
+                <p:cond evt="onNext" delay="0">
+                  <p:tgtEl>
+                    <p:sldTgt/>
+                  </p:tgtEl>
+                </p:cond>
+              </p:nextCondLst>
+            </p:seq>
+          </p:childTnLst>
+        </p:cTn>
+      </p:par>
+    </p:tnLst>
+    <p:bldLst>
+      <p:bldP spid="2" grpId="0"/>
+      <p:bldP spid="4" grpId="0" animBg="1"/>
+    </p:bldLst>
+  </p:timing>
+</p:sld>
+</file>
+
+<file path=ppt/slides/slide33.xml><?xml version="1.0" encoding="utf-8"?>
 <p:sld xmlns:a="http://schemas.openxmlformats.org/drawingml/2006/main" xmlns:r="http://schemas.openxmlformats.org/officeDocument/2006/relationships" xmlns:p="http://schemas.openxmlformats.org/presentationml/2006/main" show="0">
   <p:cSld name="PPTLabsAcknowledgementSlide">
     <p:spTree>
@@ -18255,21 +18860,6 @@
   <p:clrMapOvr>
     <a:masterClrMapping/>
   </p:clrMapOvr>
-  <mc:AlternateContent xmlns:mc="http://schemas.openxmlformats.org/markup-compatibility/2006" xmlns:p14="http://schemas.microsoft.com/office/powerpoint/2010/main">
-    <mc:Choice Requires="p14">
-      <p:transition spd="slow" p14:dur="2000"/>
-    </mc:Choice>
-    <mc:Fallback xmlns="">
-      <p:transition spd="slow"/>
-    </mc:Fallback>
-  </mc:AlternateContent>
-  <p:timing>
-    <p:tnLst>
-      <p:par>
-        <p:cTn id="1" dur="indefinite" restart="never" nodeType="tmRoot"/>
-      </p:par>
-    </p:tnLst>
-  </p:timing>
 </p:sld>
 </file>
 
@@ -18462,7 +19052,7 @@
           <a:p>
             <a:pPr algn="ctr"/>
             <a:r>
-              <a:rPr lang="en-US" sz="2800" smtClean="0"/>
+              <a:rPr lang="en-US" sz="2800"/>
               <a:t>Drill Down</a:t>
             </a:r>
             <a:endParaRPr lang="en-SG" sz="2800" dirty="0"/>
@@ -18509,10 +19099,9 @@
           <a:p>
             <a:pPr algn="ctr"/>
             <a:r>
-              <a:rPr lang="en-US" dirty="0" smtClean="0"/>
+              <a:rPr lang="en-US" dirty="0"/>
               <a:t>HIDDEN SHAPE</a:t>
             </a:r>
-            <a:endParaRPr lang="en-US" dirty="0"/>
           </a:p>
         </p:txBody>
       </p:sp>
@@ -18556,10 +19145,9 @@
           <a:p>
             <a:pPr algn="ctr"/>
             <a:r>
-              <a:rPr lang="en-US" dirty="0" smtClean="0"/>
+              <a:rPr lang="en-US" dirty="0"/>
               <a:t>HIDDEN SHAPE</a:t>
             </a:r>
-            <a:endParaRPr lang="en-US" dirty="0"/>
           </a:p>
         </p:txBody>
       </p:sp>
@@ -18585,13 +19173,6 @@
       </p:transition>
     </mc:Fallback>
   </mc:AlternateContent>
-  <p:timing>
-    <p:tnLst>
-      <p:par>
-        <p:cTn id="1" dur="indefinite" restart="never" nodeType="tmRoot"/>
-      </p:par>
-    </p:tnLst>
-  </p:timing>
 </p:sld>
 </file>
 
@@ -18663,18 +19244,13 @@
           <a:p>
             <a:pPr algn="ctr"/>
             <a:r>
-              <a:rPr lang="en-SG" dirty="0" smtClean="0">
+              <a:rPr lang="en-SG" dirty="0">
                 <a:solidFill>
                   <a:schemeClr val="tx1"/>
                 </a:solidFill>
               </a:rPr>
               <a:t>Shape With Exit Animation</a:t>
             </a:r>
-            <a:endParaRPr lang="en-SG" dirty="0">
-              <a:solidFill>
-                <a:schemeClr val="tx1"/>
-              </a:solidFill>
-            </a:endParaRPr>
           </a:p>
         </p:txBody>
       </p:sp>
@@ -18705,14 +19281,14 @@
               <a:buChar char="•"/>
             </a:pPr>
             <a:r>
-              <a:rPr lang="en-US" sz="3600" dirty="0" smtClean="0"/>
+              <a:rPr lang="en-US" sz="3600" dirty="0"/>
               <a:t>Blah </a:t>
             </a:r>
             <a:r>
-              <a:rPr lang="en-US" sz="3600" dirty="0" err="1" smtClean="0"/>
+              <a:rPr lang="en-US" sz="3600" dirty="0" err="1"/>
               <a:t>blah</a:t>
             </a:r>
-            <a:endParaRPr lang="en-US" sz="3600" dirty="0" smtClean="0"/>
+            <a:endParaRPr lang="en-US" sz="3600" dirty="0"/>
           </a:p>
           <a:p>
             <a:pPr marL="571500" indent="-571500">
@@ -18720,14 +19296,14 @@
               <a:buChar char="•"/>
             </a:pPr>
             <a:r>
-              <a:rPr lang="en-US" sz="3600" dirty="0" smtClean="0"/>
+              <a:rPr lang="en-US" sz="3600" dirty="0"/>
               <a:t>Blah </a:t>
             </a:r>
             <a:r>
-              <a:rPr lang="en-US" sz="3600" dirty="0" err="1" smtClean="0"/>
+              <a:rPr lang="en-US" sz="3600" dirty="0" err="1"/>
               <a:t>blah</a:t>
             </a:r>
-            <a:endParaRPr lang="en-US" sz="3600" dirty="0" smtClean="0"/>
+            <a:endParaRPr lang="en-US" sz="3600" dirty="0"/>
           </a:p>
           <a:p>
             <a:pPr marL="571500" indent="-571500">
@@ -18735,11 +19311,11 @@
               <a:buChar char="•"/>
             </a:pPr>
             <a:r>
-              <a:rPr lang="en-US" sz="3600" dirty="0" smtClean="0"/>
+              <a:rPr lang="en-US" sz="3600" dirty="0"/>
               <a:t>Blah </a:t>
             </a:r>
             <a:r>
-              <a:rPr lang="en-US" sz="3600" dirty="0" err="1" smtClean="0"/>
+              <a:rPr lang="en-US" sz="3600" dirty="0" err="1"/>
               <a:t>blah</a:t>
             </a:r>
             <a:endParaRPr lang="en-SG" sz="3600" dirty="0"/>
@@ -18783,7 +19359,7 @@
           <a:p>
             <a:pPr algn="ctr"/>
             <a:r>
-              <a:rPr lang="en-SG" dirty="0" smtClean="0">
+              <a:rPr lang="en-SG" dirty="0">
                 <a:solidFill>
                   <a:schemeClr val="tx1"/>
                 </a:solidFill>
@@ -18833,10 +19409,9 @@
           <a:p>
             <a:pPr algn="ctr"/>
             <a:r>
-              <a:rPr lang="en-US" dirty="0" smtClean="0"/>
+              <a:rPr lang="en-US" dirty="0"/>
               <a:t>HIDDEN SHAPE</a:t>
             </a:r>
-            <a:endParaRPr lang="en-US" dirty="0"/>
           </a:p>
         </p:txBody>
       </p:sp>
@@ -18880,10 +19455,9 @@
           <a:p>
             <a:pPr algn="ctr"/>
             <a:r>
-              <a:rPr lang="en-US" dirty="0" smtClean="0"/>
+              <a:rPr lang="en-US" dirty="0"/>
               <a:t>HIDDEN SHAPE</a:t>
             </a:r>
-            <a:endParaRPr lang="en-US" dirty="0"/>
           </a:p>
         </p:txBody>
       </p:sp>
@@ -18927,17 +19501,16 @@
           <a:p>
             <a:pPr algn="ctr"/>
             <a:r>
-              <a:rPr lang="en-US" dirty="0" smtClean="0"/>
+              <a:rPr lang="en-US" dirty="0"/>
               <a:t>Shape with entry animation</a:t>
             </a:r>
           </a:p>
           <a:p>
             <a:pPr algn="ctr"/>
             <a:r>
-              <a:rPr lang="en-US" dirty="0" smtClean="0"/>
+              <a:rPr lang="en-US" dirty="0"/>
               <a:t>THIS SHAPE SHOULD NOT APPEAR</a:t>
             </a:r>
-            <a:endParaRPr lang="en-US" dirty="0"/>
           </a:p>
         </p:txBody>
       </p:sp>
@@ -19518,10 +20091,9 @@
           <a:p>
             <a:pPr algn="ctr"/>
             <a:r>
-              <a:rPr lang="en-US" dirty="0" smtClean="0"/>
+              <a:rPr lang="en-US" dirty="0"/>
               <a:t>HIDDEN SHAPE</a:t>
             </a:r>
-            <a:endParaRPr lang="en-US" dirty="0"/>
           </a:p>
         </p:txBody>
       </p:sp>
@@ -19565,10 +20137,9 @@
           <a:p>
             <a:pPr algn="ctr"/>
             <a:r>
-              <a:rPr lang="en-US" dirty="0" smtClean="0"/>
+              <a:rPr lang="en-US" dirty="0"/>
               <a:t>HIDDEN SHAPE</a:t>
             </a:r>
-            <a:endParaRPr lang="en-US" dirty="0"/>
           </a:p>
         </p:txBody>
       </p:sp>
@@ -19985,11 +20556,11 @@
   <p:clrMapOvr>
     <a:masterClrMapping/>
   </p:clrMapOvr>
-  <mc:AlternateContent xmlns:mc="http://schemas.openxmlformats.org/markup-compatibility/2006">
-    <mc:Choice xmlns:p14="http://schemas.microsoft.com/office/powerpoint/2010/main" Requires="p14">
+  <mc:AlternateContent xmlns:mc="http://schemas.openxmlformats.org/markup-compatibility/2006" xmlns:p14="http://schemas.microsoft.com/office/powerpoint/2010/main">
+    <mc:Choice Requires="p14">
       <p:transition spd="med" p14:dur="700" advClick="0" advTm="0"/>
     </mc:Choice>
-    <mc:Fallback>
+    <mc:Fallback xmlns="">
       <p:transition spd="med" advClick="0" advTm="0"/>
     </mc:Fallback>
   </mc:AlternateContent>
@@ -20321,18 +20892,13 @@
           <a:p>
             <a:pPr algn="ctr"/>
             <a:r>
-              <a:rPr lang="en-SG" dirty="0" smtClean="0">
+              <a:rPr lang="en-SG" dirty="0">
                 <a:solidFill>
                   <a:schemeClr val="tx1"/>
                 </a:solidFill>
               </a:rPr>
               <a:t>Shape With Exit Animation</a:t>
             </a:r>
-            <a:endParaRPr lang="en-SG" dirty="0">
-              <a:solidFill>
-                <a:schemeClr val="tx1"/>
-              </a:solidFill>
-            </a:endParaRPr>
           </a:p>
         </p:txBody>
       </p:sp>
@@ -20363,14 +20929,14 @@
               <a:buChar char="•"/>
             </a:pPr>
             <a:r>
-              <a:rPr lang="en-US" sz="3600" dirty="0" smtClean="0"/>
+              <a:rPr lang="en-US" sz="3600" dirty="0"/>
               <a:t>Blah </a:t>
             </a:r>
             <a:r>
-              <a:rPr lang="en-US" sz="3600" dirty="0" err="1" smtClean="0"/>
+              <a:rPr lang="en-US" sz="3600" dirty="0" err="1"/>
               <a:t>blah</a:t>
             </a:r>
-            <a:endParaRPr lang="en-US" sz="3600" dirty="0" smtClean="0"/>
+            <a:endParaRPr lang="en-US" sz="3600" dirty="0"/>
           </a:p>
           <a:p>
             <a:pPr marL="571500" indent="-571500">
@@ -20378,14 +20944,14 @@
               <a:buChar char="•"/>
             </a:pPr>
             <a:r>
-              <a:rPr lang="en-US" sz="3600" dirty="0" smtClean="0"/>
+              <a:rPr lang="en-US" sz="3600" dirty="0"/>
               <a:t>Blah </a:t>
             </a:r>
             <a:r>
-              <a:rPr lang="en-US" sz="3600" dirty="0" err="1" smtClean="0"/>
+              <a:rPr lang="en-US" sz="3600" dirty="0" err="1"/>
               <a:t>blah</a:t>
             </a:r>
-            <a:endParaRPr lang="en-US" sz="3600" dirty="0" smtClean="0"/>
+            <a:endParaRPr lang="en-US" sz="3600" dirty="0"/>
           </a:p>
           <a:p>
             <a:pPr marL="571500" indent="-571500">
@@ -20393,11 +20959,11 @@
               <a:buChar char="•"/>
             </a:pPr>
             <a:r>
-              <a:rPr lang="en-US" sz="3600" dirty="0" smtClean="0"/>
+              <a:rPr lang="en-US" sz="3600" dirty="0"/>
               <a:t>Blah </a:t>
             </a:r>
             <a:r>
-              <a:rPr lang="en-US" sz="3600" dirty="0" err="1" smtClean="0"/>
+              <a:rPr lang="en-US" sz="3600" dirty="0" err="1"/>
               <a:t>blah</a:t>
             </a:r>
             <a:endParaRPr lang="en-SG" sz="3600" dirty="0"/>
@@ -20441,7 +21007,7 @@
           <a:p>
             <a:pPr algn="ctr"/>
             <a:r>
-              <a:rPr lang="en-SG" dirty="0" smtClean="0">
+              <a:rPr lang="en-SG" dirty="0">
                 <a:solidFill>
                   <a:schemeClr val="tx1"/>
                 </a:solidFill>
@@ -20491,10 +21057,9 @@
           <a:p>
             <a:pPr algn="ctr"/>
             <a:r>
-              <a:rPr lang="en-US" dirty="0" smtClean="0"/>
+              <a:rPr lang="en-US" dirty="0"/>
               <a:t>HIDDEN SHAPE</a:t>
             </a:r>
-            <a:endParaRPr lang="en-US" dirty="0"/>
           </a:p>
         </p:txBody>
       </p:sp>
@@ -20538,10 +21103,9 @@
           <a:p>
             <a:pPr algn="ctr"/>
             <a:r>
-              <a:rPr lang="en-US" dirty="0" smtClean="0"/>
+              <a:rPr lang="en-US" dirty="0"/>
               <a:t>HIDDEN SHAPE</a:t>
             </a:r>
-            <a:endParaRPr lang="en-US" dirty="0"/>
           </a:p>
         </p:txBody>
       </p:sp>
@@ -20585,17 +21149,16 @@
           <a:p>
             <a:pPr algn="ctr"/>
             <a:r>
-              <a:rPr lang="en-US" dirty="0" smtClean="0"/>
+              <a:rPr lang="en-US" dirty="0"/>
               <a:t>Shape with entry animation</a:t>
             </a:r>
           </a:p>
           <a:p>
             <a:pPr algn="ctr"/>
             <a:r>
-              <a:rPr lang="en-US" dirty="0" smtClean="0"/>
+              <a:rPr lang="en-US" dirty="0"/>
               <a:t>THIS SHAPE SHOULD NOT APPEAR</a:t>
             </a:r>
-            <a:endParaRPr lang="en-US" dirty="0"/>
           </a:p>
         </p:txBody>
       </p:sp>
@@ -20609,13 +21172,13 @@
   <p:clrMapOvr>
     <a:masterClrMapping/>
   </p:clrMapOvr>
-  <mc:AlternateContent xmlns:mc="http://schemas.openxmlformats.org/markup-compatibility/2006">
-    <mc:Choice xmlns:p14="http://schemas.microsoft.com/office/powerpoint/2010/main" Requires="p14">
+  <mc:AlternateContent xmlns:mc="http://schemas.openxmlformats.org/markup-compatibility/2006" xmlns:p14="http://schemas.microsoft.com/office/powerpoint/2010/main">
+    <mc:Choice Requires="p14">
       <p:transition p14:dur="250">
         <p:fade/>
       </p:transition>
     </mc:Choice>
-    <mc:Fallback>
+    <mc:Fallback xmlns="">
       <p:transition>
         <p:fade/>
       </p:transition>
@@ -20977,7 +21540,7 @@
           <a:lstStyle/>
           <a:p>
             <a:r>
-              <a:rPr lang="en-US" dirty="0" smtClean="0"/>
+              <a:rPr lang="en-US" dirty="0"/>
               <a:t>Auto Zoom:: Simple Zoom In (Drill Down)</a:t>
             </a:r>
             <a:endParaRPr lang="en-SG" dirty="0"/>
@@ -21001,11 +21564,7 @@
           <a:p>
             <a:r>
               <a:rPr lang="en-SG" dirty="0"/>
-              <a:t>Disable </a:t>
-            </a:r>
-            <a:r>
-              <a:rPr lang="en-SG" dirty="0" smtClean="0"/>
-              <a:t>slide background in </a:t>
+              <a:t>Disable slide background in </a:t>
             </a:r>
             <a:r>
               <a:rPr lang="en-SG" dirty="0" err="1"/>
@@ -21031,13 +21590,6 @@
   <p:clrMapOvr>
     <a:masterClrMapping/>
   </p:clrMapOvr>
-  <p:timing>
-    <p:tnLst>
-      <p:par>
-        <p:cTn id="1" dur="indefinite" restart="never" nodeType="tmRoot"/>
-      </p:par>
-    </p:tnLst>
-  </p:timing>
 </p:sld>
 </file>
 

--- a/doc/test/ZoomLab/AutoZoom.pptx
+++ b/doc/test/ZoomLab/AutoZoom.pptx
@@ -18514,6 +18514,59 @@
               <a:t>This is a step back shape</a:t>
             </a:r>
             <a:endParaRPr lang="en-SG" dirty="0"/>
+          </a:p>
+        </p:txBody>
+      </p:sp>
+      <p:sp>
+        <p:nvSpPr>
+          <p:cNvPr id="8" name="Rectangle 7">
+            <a:extLst>
+              <a:ext uri="{FF2B5EF4-FFF2-40B4-BE49-F238E27FC236}">
+                <a16:creationId xmlns:a16="http://schemas.microsoft.com/office/drawing/2014/main" id="{1D6A728F-539D-4A6E-A369-8738A5C46ECC}"/>
+              </a:ext>
+            </a:extLst>
+          </p:cNvPr>
+          <p:cNvSpPr/>
+          <p:nvPr/>
+        </p:nvSpPr>
+        <p:spPr>
+          <a:xfrm>
+            <a:off x="4343400" y="5029200"/>
+            <a:ext cx="2057400" cy="1096963"/>
+          </a:xfrm>
+          <a:prstGeom prst="rect">
+            <a:avLst/>
+          </a:prstGeom>
+        </p:spPr>
+        <p:style>
+          <a:lnRef idx="2">
+            <a:schemeClr val="accent1">
+              <a:shade val="50000"/>
+            </a:schemeClr>
+          </a:lnRef>
+          <a:fillRef idx="1">
+            <a:schemeClr val="accent1"/>
+          </a:fillRef>
+          <a:effectRef idx="0">
+            <a:schemeClr val="accent1"/>
+          </a:effectRef>
+          <a:fontRef idx="minor">
+            <a:schemeClr val="lt1"/>
+          </a:fontRef>
+        </p:style>
+        <p:txBody>
+          <a:bodyPr rtlCol="0" anchor="ctr"/>
+          <a:lstStyle/>
+          <a:p>
+            <a:pPr algn="ctr"/>
+            <a:r>
+              <a:rPr lang="en-SG" dirty="0"/>
+              <a:t>This is a shape with </a:t>
+            </a:r>
+            <a:r>
+              <a:rPr lang="en-SG"/>
+              <a:t>no animations</a:t>
+            </a:r>
           </a:p>
         </p:txBody>
       </p:sp>

--- a/doc/test/ZoomLab/AutoZoom.pptx
+++ b/doc/test/ZoomLab/AutoZoom.pptx
@@ -37,9 +37,7 @@
     <p:sldId id="348" r:id="rId31"/>
     <p:sldId id="316" r:id="rId32"/>
     <p:sldId id="317" r:id="rId33"/>
-    <p:sldId id="351" r:id="rId34"/>
-    <p:sldId id="352" r:id="rId35"/>
-    <p:sldId id="312" r:id="rId36"/>
+    <p:sldId id="312" r:id="rId34"/>
   </p:sldIdLst>
   <p:sldSz cx="9144000" cy="6858000" type="screen4x3"/>
   <p:notesSz cx="6858000" cy="9144000"/>
@@ -177,15 +175,13 @@
             <p14:sldId id="348"/>
             <p14:sldId id="316"/>
             <p14:sldId id="317"/>
-            <p14:sldId id="351"/>
-            <p14:sldId id="352"/>
             <p14:sldId id="312"/>
           </p14:sldIdLst>
         </p14:section>
       </p14:sectionLst>
     </p:ext>
     <p:ext uri="{EFAFB233-063F-42B5-8137-9DF3F51BA10A}">
-      <p15:sldGuideLst xmlns:p15="http://schemas.microsoft.com/office/powerpoint/2012/main">
+      <p15:sldGuideLst xmlns="" xmlns:p15="http://schemas.microsoft.com/office/powerpoint/2012/main">
         <p15:guide id="1" orient="horz" pos="2160">
           <p15:clr>
             <a:srgbClr val="A4A3A4"/>
@@ -240,9 +236,10 @@
           <a:lstStyle/>
           <a:p>
             <a:r>
-              <a:rPr lang="en-US"/>
+              <a:rPr lang="en-US" smtClean="0"/>
               <a:t>Click to edit Master title style</a:t>
             </a:r>
+            <a:endParaRPr lang="en-US"/>
           </a:p>
         </p:txBody>
       </p:sp>
@@ -358,9 +355,10 @@
           </a:lstStyle>
           <a:p>
             <a:r>
-              <a:rPr lang="en-US"/>
+              <a:rPr lang="en-US" smtClean="0"/>
               <a:t>Click to edit Master subtitle style</a:t>
             </a:r>
+            <a:endParaRPr lang="en-US"/>
           </a:p>
         </p:txBody>
       </p:sp>
@@ -381,7 +379,7 @@
           <a:p>
             <a:fld id="{699DC775-C286-4358-8C92-D7E584E969B3}" type="datetimeFigureOut">
               <a:rPr lang="en-US" smtClean="0"/>
-              <a:t>7/3/2019</a:t>
+              <a:t>26-Jun-15</a:t>
             </a:fld>
             <a:endParaRPr lang="en-US"/>
           </a:p>
@@ -475,9 +473,10 @@
           <a:lstStyle/>
           <a:p>
             <a:r>
-              <a:rPr lang="en-US"/>
+              <a:rPr lang="en-US" smtClean="0"/>
               <a:t>Click to edit Master title style</a:t>
             </a:r>
+            <a:endParaRPr lang="en-US"/>
           </a:p>
         </p:txBody>
       </p:sp>
@@ -498,37 +497,38 @@
           <a:p>
             <a:pPr lvl="0"/>
             <a:r>
-              <a:rPr lang="en-US"/>
+              <a:rPr lang="en-US" smtClean="0"/>
               <a:t>Click to edit Master text styles</a:t>
             </a:r>
           </a:p>
           <a:p>
             <a:pPr lvl="1"/>
             <a:r>
-              <a:rPr lang="en-US"/>
+              <a:rPr lang="en-US" smtClean="0"/>
               <a:t>Second level</a:t>
             </a:r>
           </a:p>
           <a:p>
             <a:pPr lvl="2"/>
             <a:r>
-              <a:rPr lang="en-US"/>
+              <a:rPr lang="en-US" smtClean="0"/>
               <a:t>Third level</a:t>
             </a:r>
           </a:p>
           <a:p>
             <a:pPr lvl="3"/>
             <a:r>
-              <a:rPr lang="en-US"/>
+              <a:rPr lang="en-US" smtClean="0"/>
               <a:t>Fourth level</a:t>
             </a:r>
           </a:p>
           <a:p>
             <a:pPr lvl="4"/>
             <a:r>
-              <a:rPr lang="en-US"/>
+              <a:rPr lang="en-US" smtClean="0"/>
               <a:t>Fifth level</a:t>
             </a:r>
+            <a:endParaRPr lang="en-US"/>
           </a:p>
         </p:txBody>
       </p:sp>
@@ -549,7 +549,7 @@
           <a:p>
             <a:fld id="{699DC775-C286-4358-8C92-D7E584E969B3}" type="datetimeFigureOut">
               <a:rPr lang="en-US" smtClean="0"/>
-              <a:t>7/3/2019</a:t>
+              <a:t>26-Jun-15</a:t>
             </a:fld>
             <a:endParaRPr lang="en-US"/>
           </a:p>
@@ -648,9 +648,10 @@
           <a:lstStyle/>
           <a:p>
             <a:r>
-              <a:rPr lang="en-US"/>
+              <a:rPr lang="en-US" smtClean="0"/>
               <a:t>Click to edit Master title style</a:t>
             </a:r>
+            <a:endParaRPr lang="en-US"/>
           </a:p>
         </p:txBody>
       </p:sp>
@@ -676,37 +677,38 @@
           <a:p>
             <a:pPr lvl="0"/>
             <a:r>
-              <a:rPr lang="en-US"/>
+              <a:rPr lang="en-US" smtClean="0"/>
               <a:t>Click to edit Master text styles</a:t>
             </a:r>
           </a:p>
           <a:p>
             <a:pPr lvl="1"/>
             <a:r>
-              <a:rPr lang="en-US"/>
+              <a:rPr lang="en-US" smtClean="0"/>
               <a:t>Second level</a:t>
             </a:r>
           </a:p>
           <a:p>
             <a:pPr lvl="2"/>
             <a:r>
-              <a:rPr lang="en-US"/>
+              <a:rPr lang="en-US" smtClean="0"/>
               <a:t>Third level</a:t>
             </a:r>
           </a:p>
           <a:p>
             <a:pPr lvl="3"/>
             <a:r>
-              <a:rPr lang="en-US"/>
+              <a:rPr lang="en-US" smtClean="0"/>
               <a:t>Fourth level</a:t>
             </a:r>
           </a:p>
           <a:p>
             <a:pPr lvl="4"/>
             <a:r>
-              <a:rPr lang="en-US"/>
+              <a:rPr lang="en-US" smtClean="0"/>
               <a:t>Fifth level</a:t>
             </a:r>
+            <a:endParaRPr lang="en-US"/>
           </a:p>
         </p:txBody>
       </p:sp>
@@ -727,7 +729,7 @@
           <a:p>
             <a:fld id="{699DC775-C286-4358-8C92-D7E584E969B3}" type="datetimeFigureOut">
               <a:rPr lang="en-US" smtClean="0"/>
-              <a:t>7/3/2019</a:t>
+              <a:t>26-Jun-15</a:t>
             </a:fld>
             <a:endParaRPr lang="en-US"/>
           </a:p>
@@ -826,9 +828,10 @@
           <a:lstStyle/>
           <a:p>
             <a:r>
-              <a:rPr lang="en-US"/>
+              <a:rPr lang="en-US" smtClean="0"/>
               <a:t>Click to edit Master title style</a:t>
             </a:r>
+            <a:endParaRPr lang="en-US"/>
           </a:p>
         </p:txBody>
       </p:sp>
@@ -944,9 +947,10 @@
           </a:lstStyle>
           <a:p>
             <a:r>
-              <a:rPr lang="en-US"/>
+              <a:rPr lang="en-US" smtClean="0"/>
               <a:t>Click to edit Master subtitle style</a:t>
             </a:r>
+            <a:endParaRPr lang="en-US"/>
           </a:p>
         </p:txBody>
       </p:sp>
@@ -967,7 +971,7 @@
           <a:p>
             <a:fld id="{699DC775-C286-4358-8C92-D7E584E969B3}" type="datetimeFigureOut">
               <a:rPr lang="en-US" smtClean="0"/>
-              <a:t>7/3/2019</a:t>
+              <a:t>26-Jun-15</a:t>
             </a:fld>
             <a:endParaRPr lang="en-US"/>
           </a:p>
@@ -1061,9 +1065,10 @@
           <a:lstStyle/>
           <a:p>
             <a:r>
-              <a:rPr lang="en-US"/>
+              <a:rPr lang="en-US" smtClean="0"/>
               <a:t>Click to edit Master title style</a:t>
             </a:r>
+            <a:endParaRPr lang="en-US"/>
           </a:p>
         </p:txBody>
       </p:sp>
@@ -1084,37 +1089,38 @@
           <a:p>
             <a:pPr lvl="0"/>
             <a:r>
-              <a:rPr lang="en-US"/>
+              <a:rPr lang="en-US" smtClean="0"/>
               <a:t>Click to edit Master text styles</a:t>
             </a:r>
           </a:p>
           <a:p>
             <a:pPr lvl="1"/>
             <a:r>
-              <a:rPr lang="en-US"/>
+              <a:rPr lang="en-US" smtClean="0"/>
               <a:t>Second level</a:t>
             </a:r>
           </a:p>
           <a:p>
             <a:pPr lvl="2"/>
             <a:r>
-              <a:rPr lang="en-US"/>
+              <a:rPr lang="en-US" smtClean="0"/>
               <a:t>Third level</a:t>
             </a:r>
           </a:p>
           <a:p>
             <a:pPr lvl="3"/>
             <a:r>
-              <a:rPr lang="en-US"/>
+              <a:rPr lang="en-US" smtClean="0"/>
               <a:t>Fourth level</a:t>
             </a:r>
           </a:p>
           <a:p>
             <a:pPr lvl="4"/>
             <a:r>
-              <a:rPr lang="en-US"/>
+              <a:rPr lang="en-US" smtClean="0"/>
               <a:t>Fifth level</a:t>
             </a:r>
+            <a:endParaRPr lang="en-US"/>
           </a:p>
         </p:txBody>
       </p:sp>
@@ -1135,7 +1141,7 @@
           <a:p>
             <a:fld id="{699DC775-C286-4358-8C92-D7E584E969B3}" type="datetimeFigureOut">
               <a:rPr lang="en-US" smtClean="0"/>
-              <a:t>7/3/2019</a:t>
+              <a:t>26-Jun-15</a:t>
             </a:fld>
             <a:endParaRPr lang="en-US"/>
           </a:p>
@@ -1238,9 +1244,10 @@
           </a:lstStyle>
           <a:p>
             <a:r>
-              <a:rPr lang="en-US"/>
+              <a:rPr lang="en-US" smtClean="0"/>
               <a:t>Click to edit Master title style</a:t>
             </a:r>
+            <a:endParaRPr lang="en-US"/>
           </a:p>
         </p:txBody>
       </p:sp>
@@ -1357,7 +1364,7 @@
           <a:p>
             <a:pPr lvl="0"/>
             <a:r>
-              <a:rPr lang="en-US"/>
+              <a:rPr lang="en-US" smtClean="0"/>
               <a:t>Click to edit Master text styles</a:t>
             </a:r>
           </a:p>
@@ -1380,7 +1387,7 @@
           <a:p>
             <a:fld id="{699DC775-C286-4358-8C92-D7E584E969B3}" type="datetimeFigureOut">
               <a:rPr lang="en-US" smtClean="0"/>
-              <a:t>7/3/2019</a:t>
+              <a:t>26-Jun-15</a:t>
             </a:fld>
             <a:endParaRPr lang="en-US"/>
           </a:p>
@@ -1474,9 +1481,10 @@
           <a:lstStyle/>
           <a:p>
             <a:r>
-              <a:rPr lang="en-US"/>
+              <a:rPr lang="en-US" smtClean="0"/>
               <a:t>Click to edit Master title style</a:t>
             </a:r>
+            <a:endParaRPr lang="en-US"/>
           </a:p>
         </p:txBody>
       </p:sp>
@@ -1530,37 +1538,38 @@
           <a:p>
             <a:pPr lvl="0"/>
             <a:r>
-              <a:rPr lang="en-US"/>
+              <a:rPr lang="en-US" smtClean="0"/>
               <a:t>Click to edit Master text styles</a:t>
             </a:r>
           </a:p>
           <a:p>
             <a:pPr lvl="1"/>
             <a:r>
-              <a:rPr lang="en-US"/>
+              <a:rPr lang="en-US" smtClean="0"/>
               <a:t>Second level</a:t>
             </a:r>
           </a:p>
           <a:p>
             <a:pPr lvl="2"/>
             <a:r>
-              <a:rPr lang="en-US"/>
+              <a:rPr lang="en-US" smtClean="0"/>
               <a:t>Third level</a:t>
             </a:r>
           </a:p>
           <a:p>
             <a:pPr lvl="3"/>
             <a:r>
-              <a:rPr lang="en-US"/>
+              <a:rPr lang="en-US" smtClean="0"/>
               <a:t>Fourth level</a:t>
             </a:r>
           </a:p>
           <a:p>
             <a:pPr lvl="4"/>
             <a:r>
-              <a:rPr lang="en-US"/>
+              <a:rPr lang="en-US" smtClean="0"/>
               <a:t>Fifth level</a:t>
             </a:r>
+            <a:endParaRPr lang="en-US"/>
           </a:p>
         </p:txBody>
       </p:sp>
@@ -1614,37 +1623,38 @@
           <a:p>
             <a:pPr lvl="0"/>
             <a:r>
-              <a:rPr lang="en-US"/>
+              <a:rPr lang="en-US" smtClean="0"/>
               <a:t>Click to edit Master text styles</a:t>
             </a:r>
           </a:p>
           <a:p>
             <a:pPr lvl="1"/>
             <a:r>
-              <a:rPr lang="en-US"/>
+              <a:rPr lang="en-US" smtClean="0"/>
               <a:t>Second level</a:t>
             </a:r>
           </a:p>
           <a:p>
             <a:pPr lvl="2"/>
             <a:r>
-              <a:rPr lang="en-US"/>
+              <a:rPr lang="en-US" smtClean="0"/>
               <a:t>Third level</a:t>
             </a:r>
           </a:p>
           <a:p>
             <a:pPr lvl="3"/>
             <a:r>
-              <a:rPr lang="en-US"/>
+              <a:rPr lang="en-US" smtClean="0"/>
               <a:t>Fourth level</a:t>
             </a:r>
           </a:p>
           <a:p>
             <a:pPr lvl="4"/>
             <a:r>
-              <a:rPr lang="en-US"/>
+              <a:rPr lang="en-US" smtClean="0"/>
               <a:t>Fifth level</a:t>
             </a:r>
+            <a:endParaRPr lang="en-US"/>
           </a:p>
         </p:txBody>
       </p:sp>
@@ -1665,7 +1675,7 @@
           <a:p>
             <a:fld id="{699DC775-C286-4358-8C92-D7E584E969B3}" type="datetimeFigureOut">
               <a:rPr lang="en-US" smtClean="0"/>
-              <a:t>7/3/2019</a:t>
+              <a:t>26-Jun-15</a:t>
             </a:fld>
             <a:endParaRPr lang="en-US"/>
           </a:p>
@@ -1763,9 +1773,10 @@
           </a:lstStyle>
           <a:p>
             <a:r>
-              <a:rPr lang="en-US"/>
+              <a:rPr lang="en-US" smtClean="0"/>
               <a:t>Click to edit Master title style</a:t>
             </a:r>
+            <a:endParaRPr lang="en-US"/>
           </a:p>
         </p:txBody>
       </p:sp>
@@ -1828,7 +1839,7 @@
           <a:p>
             <a:pPr lvl="0"/>
             <a:r>
-              <a:rPr lang="en-US"/>
+              <a:rPr lang="en-US" smtClean="0"/>
               <a:t>Click to edit Master text styles</a:t>
             </a:r>
           </a:p>
@@ -1884,37 +1895,38 @@
           <a:p>
             <a:pPr lvl="0"/>
             <a:r>
-              <a:rPr lang="en-US"/>
+              <a:rPr lang="en-US" smtClean="0"/>
               <a:t>Click to edit Master text styles</a:t>
             </a:r>
           </a:p>
           <a:p>
             <a:pPr lvl="1"/>
             <a:r>
-              <a:rPr lang="en-US"/>
+              <a:rPr lang="en-US" smtClean="0"/>
               <a:t>Second level</a:t>
             </a:r>
           </a:p>
           <a:p>
             <a:pPr lvl="2"/>
             <a:r>
-              <a:rPr lang="en-US"/>
+              <a:rPr lang="en-US" smtClean="0"/>
               <a:t>Third level</a:t>
             </a:r>
           </a:p>
           <a:p>
             <a:pPr lvl="3"/>
             <a:r>
-              <a:rPr lang="en-US"/>
+              <a:rPr lang="en-US" smtClean="0"/>
               <a:t>Fourth level</a:t>
             </a:r>
           </a:p>
           <a:p>
             <a:pPr lvl="4"/>
             <a:r>
-              <a:rPr lang="en-US"/>
+              <a:rPr lang="en-US" smtClean="0"/>
               <a:t>Fifth level</a:t>
             </a:r>
+            <a:endParaRPr lang="en-US"/>
           </a:p>
         </p:txBody>
       </p:sp>
@@ -1977,7 +1989,7 @@
           <a:p>
             <a:pPr lvl="0"/>
             <a:r>
-              <a:rPr lang="en-US"/>
+              <a:rPr lang="en-US" smtClean="0"/>
               <a:t>Click to edit Master text styles</a:t>
             </a:r>
           </a:p>
@@ -2033,37 +2045,38 @@
           <a:p>
             <a:pPr lvl="0"/>
             <a:r>
-              <a:rPr lang="en-US"/>
+              <a:rPr lang="en-US" smtClean="0"/>
               <a:t>Click to edit Master text styles</a:t>
             </a:r>
           </a:p>
           <a:p>
             <a:pPr lvl="1"/>
             <a:r>
-              <a:rPr lang="en-US"/>
+              <a:rPr lang="en-US" smtClean="0"/>
               <a:t>Second level</a:t>
             </a:r>
           </a:p>
           <a:p>
             <a:pPr lvl="2"/>
             <a:r>
-              <a:rPr lang="en-US"/>
+              <a:rPr lang="en-US" smtClean="0"/>
               <a:t>Third level</a:t>
             </a:r>
           </a:p>
           <a:p>
             <a:pPr lvl="3"/>
             <a:r>
-              <a:rPr lang="en-US"/>
+              <a:rPr lang="en-US" smtClean="0"/>
               <a:t>Fourth level</a:t>
             </a:r>
           </a:p>
           <a:p>
             <a:pPr lvl="4"/>
             <a:r>
-              <a:rPr lang="en-US"/>
+              <a:rPr lang="en-US" smtClean="0"/>
               <a:t>Fifth level</a:t>
             </a:r>
+            <a:endParaRPr lang="en-US"/>
           </a:p>
         </p:txBody>
       </p:sp>
@@ -2084,7 +2097,7 @@
           <a:p>
             <a:fld id="{699DC775-C286-4358-8C92-D7E584E969B3}" type="datetimeFigureOut">
               <a:rPr lang="en-US" smtClean="0"/>
-              <a:t>7/3/2019</a:t>
+              <a:t>26-Jun-15</a:t>
             </a:fld>
             <a:endParaRPr lang="en-US"/>
           </a:p>
@@ -2178,9 +2191,10 @@
           <a:lstStyle/>
           <a:p>
             <a:r>
-              <a:rPr lang="en-US"/>
+              <a:rPr lang="en-US" smtClean="0"/>
               <a:t>Click to edit Master title style</a:t>
             </a:r>
+            <a:endParaRPr lang="en-US"/>
           </a:p>
         </p:txBody>
       </p:sp>
@@ -2201,7 +2215,7 @@
           <a:p>
             <a:fld id="{699DC775-C286-4358-8C92-D7E584E969B3}" type="datetimeFigureOut">
               <a:rPr lang="en-US" smtClean="0"/>
-              <a:t>7/3/2019</a:t>
+              <a:t>26-Jun-15</a:t>
             </a:fld>
             <a:endParaRPr lang="en-US"/>
           </a:p>
@@ -2296,7 +2310,7 @@
           <a:p>
             <a:fld id="{699DC775-C286-4358-8C92-D7E584E969B3}" type="datetimeFigureOut">
               <a:rPr lang="en-US" smtClean="0"/>
-              <a:t>7/3/2019</a:t>
+              <a:t>26-Jun-15</a:t>
             </a:fld>
             <a:endParaRPr lang="en-US"/>
           </a:p>
@@ -2399,9 +2413,10 @@
           </a:lstStyle>
           <a:p>
             <a:r>
-              <a:rPr lang="en-US"/>
+              <a:rPr lang="en-US" smtClean="0"/>
               <a:t>Click to edit Master title style</a:t>
             </a:r>
+            <a:endParaRPr lang="en-US"/>
           </a:p>
         </p:txBody>
       </p:sp>
@@ -2455,37 +2470,38 @@
           <a:p>
             <a:pPr lvl="0"/>
             <a:r>
-              <a:rPr lang="en-US"/>
+              <a:rPr lang="en-US" smtClean="0"/>
               <a:t>Click to edit Master text styles</a:t>
             </a:r>
           </a:p>
           <a:p>
             <a:pPr lvl="1"/>
             <a:r>
-              <a:rPr lang="en-US"/>
+              <a:rPr lang="en-US" smtClean="0"/>
               <a:t>Second level</a:t>
             </a:r>
           </a:p>
           <a:p>
             <a:pPr lvl="2"/>
             <a:r>
-              <a:rPr lang="en-US"/>
+              <a:rPr lang="en-US" smtClean="0"/>
               <a:t>Third level</a:t>
             </a:r>
           </a:p>
           <a:p>
             <a:pPr lvl="3"/>
             <a:r>
-              <a:rPr lang="en-US"/>
+              <a:rPr lang="en-US" smtClean="0"/>
               <a:t>Fourth level</a:t>
             </a:r>
           </a:p>
           <a:p>
             <a:pPr lvl="4"/>
             <a:r>
-              <a:rPr lang="en-US"/>
+              <a:rPr lang="en-US" smtClean="0"/>
               <a:t>Fifth level</a:t>
             </a:r>
+            <a:endParaRPr lang="en-US"/>
           </a:p>
         </p:txBody>
       </p:sp>
@@ -2548,7 +2564,7 @@
           <a:p>
             <a:pPr lvl="0"/>
             <a:r>
-              <a:rPr lang="en-US"/>
+              <a:rPr lang="en-US" smtClean="0"/>
               <a:t>Click to edit Master text styles</a:t>
             </a:r>
           </a:p>
@@ -2571,7 +2587,7 @@
           <a:p>
             <a:fld id="{699DC775-C286-4358-8C92-D7E584E969B3}" type="datetimeFigureOut">
               <a:rPr lang="en-US" smtClean="0"/>
-              <a:t>7/3/2019</a:t>
+              <a:t>26-Jun-15</a:t>
             </a:fld>
             <a:endParaRPr lang="en-US"/>
           </a:p>
@@ -2665,9 +2681,10 @@
           <a:lstStyle/>
           <a:p>
             <a:r>
-              <a:rPr lang="en-US"/>
+              <a:rPr lang="en-US" smtClean="0"/>
               <a:t>Click to edit Master title style</a:t>
             </a:r>
+            <a:endParaRPr lang="en-US"/>
           </a:p>
         </p:txBody>
       </p:sp>
@@ -2688,37 +2705,38 @@
           <a:p>
             <a:pPr lvl="0"/>
             <a:r>
-              <a:rPr lang="en-US"/>
+              <a:rPr lang="en-US" smtClean="0"/>
               <a:t>Click to edit Master text styles</a:t>
             </a:r>
           </a:p>
           <a:p>
             <a:pPr lvl="1"/>
             <a:r>
-              <a:rPr lang="en-US"/>
+              <a:rPr lang="en-US" smtClean="0"/>
               <a:t>Second level</a:t>
             </a:r>
           </a:p>
           <a:p>
             <a:pPr lvl="2"/>
             <a:r>
-              <a:rPr lang="en-US"/>
+              <a:rPr lang="en-US" smtClean="0"/>
               <a:t>Third level</a:t>
             </a:r>
           </a:p>
           <a:p>
             <a:pPr lvl="3"/>
             <a:r>
-              <a:rPr lang="en-US"/>
+              <a:rPr lang="en-US" smtClean="0"/>
               <a:t>Fourth level</a:t>
             </a:r>
           </a:p>
           <a:p>
             <a:pPr lvl="4"/>
             <a:r>
-              <a:rPr lang="en-US"/>
+              <a:rPr lang="en-US" smtClean="0"/>
               <a:t>Fifth level</a:t>
             </a:r>
+            <a:endParaRPr lang="en-US"/>
           </a:p>
         </p:txBody>
       </p:sp>
@@ -2739,7 +2757,7 @@
           <a:p>
             <a:fld id="{699DC775-C286-4358-8C92-D7E584E969B3}" type="datetimeFigureOut">
               <a:rPr lang="en-US" smtClean="0"/>
-              <a:t>7/3/2019</a:t>
+              <a:t>26-Jun-15</a:t>
             </a:fld>
             <a:endParaRPr lang="en-US"/>
           </a:p>
@@ -2842,9 +2860,10 @@
           </a:lstStyle>
           <a:p>
             <a:r>
-              <a:rPr lang="en-US"/>
+              <a:rPr lang="en-US" smtClean="0"/>
               <a:t>Click to edit Master title style</a:t>
             </a:r>
+            <a:endParaRPr lang="en-US"/>
           </a:p>
         </p:txBody>
       </p:sp>
@@ -2968,7 +2987,7 @@
           <a:p>
             <a:pPr lvl="0"/>
             <a:r>
-              <a:rPr lang="en-US"/>
+              <a:rPr lang="en-US" smtClean="0"/>
               <a:t>Click to edit Master text styles</a:t>
             </a:r>
           </a:p>
@@ -2991,7 +3010,7 @@
           <a:p>
             <a:fld id="{699DC775-C286-4358-8C92-D7E584E969B3}" type="datetimeFigureOut">
               <a:rPr lang="en-US" smtClean="0"/>
-              <a:t>7/3/2019</a:t>
+              <a:t>26-Jun-15</a:t>
             </a:fld>
             <a:endParaRPr lang="en-US"/>
           </a:p>
@@ -3085,9 +3104,10 @@
           <a:lstStyle/>
           <a:p>
             <a:r>
-              <a:rPr lang="en-US"/>
+              <a:rPr lang="en-US" smtClean="0"/>
               <a:t>Click to edit Master title style</a:t>
             </a:r>
+            <a:endParaRPr lang="en-US"/>
           </a:p>
         </p:txBody>
       </p:sp>
@@ -3108,37 +3128,38 @@
           <a:p>
             <a:pPr lvl="0"/>
             <a:r>
-              <a:rPr lang="en-US"/>
+              <a:rPr lang="en-US" smtClean="0"/>
               <a:t>Click to edit Master text styles</a:t>
             </a:r>
           </a:p>
           <a:p>
             <a:pPr lvl="1"/>
             <a:r>
-              <a:rPr lang="en-US"/>
+              <a:rPr lang="en-US" smtClean="0"/>
               <a:t>Second level</a:t>
             </a:r>
           </a:p>
           <a:p>
             <a:pPr lvl="2"/>
             <a:r>
-              <a:rPr lang="en-US"/>
+              <a:rPr lang="en-US" smtClean="0"/>
               <a:t>Third level</a:t>
             </a:r>
           </a:p>
           <a:p>
             <a:pPr lvl="3"/>
             <a:r>
-              <a:rPr lang="en-US"/>
+              <a:rPr lang="en-US" smtClean="0"/>
               <a:t>Fourth level</a:t>
             </a:r>
           </a:p>
           <a:p>
             <a:pPr lvl="4"/>
             <a:r>
-              <a:rPr lang="en-US"/>
+              <a:rPr lang="en-US" smtClean="0"/>
               <a:t>Fifth level</a:t>
             </a:r>
+            <a:endParaRPr lang="en-US"/>
           </a:p>
         </p:txBody>
       </p:sp>
@@ -3159,7 +3180,7 @@
           <a:p>
             <a:fld id="{699DC775-C286-4358-8C92-D7E584E969B3}" type="datetimeFigureOut">
               <a:rPr lang="en-US" smtClean="0"/>
-              <a:t>7/3/2019</a:t>
+              <a:t>26-Jun-15</a:t>
             </a:fld>
             <a:endParaRPr lang="en-US"/>
           </a:p>
@@ -3258,9 +3279,10 @@
           <a:lstStyle/>
           <a:p>
             <a:r>
-              <a:rPr lang="en-US"/>
+              <a:rPr lang="en-US" smtClean="0"/>
               <a:t>Click to edit Master title style</a:t>
             </a:r>
+            <a:endParaRPr lang="en-US"/>
           </a:p>
         </p:txBody>
       </p:sp>
@@ -3286,37 +3308,38 @@
           <a:p>
             <a:pPr lvl="0"/>
             <a:r>
-              <a:rPr lang="en-US"/>
+              <a:rPr lang="en-US" smtClean="0"/>
               <a:t>Click to edit Master text styles</a:t>
             </a:r>
           </a:p>
           <a:p>
             <a:pPr lvl="1"/>
             <a:r>
-              <a:rPr lang="en-US"/>
+              <a:rPr lang="en-US" smtClean="0"/>
               <a:t>Second level</a:t>
             </a:r>
           </a:p>
           <a:p>
             <a:pPr lvl="2"/>
             <a:r>
-              <a:rPr lang="en-US"/>
+              <a:rPr lang="en-US" smtClean="0"/>
               <a:t>Third level</a:t>
             </a:r>
           </a:p>
           <a:p>
             <a:pPr lvl="3"/>
             <a:r>
-              <a:rPr lang="en-US"/>
+              <a:rPr lang="en-US" smtClean="0"/>
               <a:t>Fourth level</a:t>
             </a:r>
           </a:p>
           <a:p>
             <a:pPr lvl="4"/>
             <a:r>
-              <a:rPr lang="en-US"/>
+              <a:rPr lang="en-US" smtClean="0"/>
               <a:t>Fifth level</a:t>
             </a:r>
+            <a:endParaRPr lang="en-US"/>
           </a:p>
         </p:txBody>
       </p:sp>
@@ -3337,7 +3360,7 @@
           <a:p>
             <a:fld id="{699DC775-C286-4358-8C92-D7E584E969B3}" type="datetimeFigureOut">
               <a:rPr lang="en-US" smtClean="0"/>
-              <a:t>7/3/2019</a:t>
+              <a:t>26-Jun-15</a:t>
             </a:fld>
             <a:endParaRPr lang="en-US"/>
           </a:p>
@@ -3444,9 +3467,10 @@
           <a:lstStyle/>
           <a:p>
             <a:r>
-              <a:rPr lang="en-US"/>
+              <a:rPr lang="en-US" smtClean="0"/>
               <a:t>Click to edit Master title style</a:t>
             </a:r>
+            <a:endParaRPr lang="en-US"/>
           </a:p>
         </p:txBody>
       </p:sp>
@@ -3562,9 +3586,10 @@
           </a:lstStyle>
           <a:p>
             <a:r>
-              <a:rPr lang="en-US"/>
+              <a:rPr lang="en-US" smtClean="0"/>
               <a:t>Click to edit Master subtitle style</a:t>
             </a:r>
+            <a:endParaRPr lang="en-US"/>
           </a:p>
         </p:txBody>
       </p:sp>
@@ -3585,7 +3610,7 @@
           <a:p>
             <a:fld id="{699DC775-C286-4358-8C92-D7E584E969B3}" type="datetimeFigureOut">
               <a:rPr lang="en-US" smtClean="0"/>
-              <a:t>7/3/2019</a:t>
+              <a:t>26-Jun-15</a:t>
             </a:fld>
             <a:endParaRPr lang="en-US"/>
           </a:p>
@@ -3687,9 +3712,10 @@
           <a:lstStyle/>
           <a:p>
             <a:r>
-              <a:rPr lang="en-US"/>
+              <a:rPr lang="en-US" smtClean="0"/>
               <a:t>Click to edit Master title style</a:t>
             </a:r>
+            <a:endParaRPr lang="en-US"/>
           </a:p>
         </p:txBody>
       </p:sp>
@@ -3710,37 +3736,38 @@
           <a:p>
             <a:pPr lvl="0"/>
             <a:r>
-              <a:rPr lang="en-US"/>
+              <a:rPr lang="en-US" smtClean="0"/>
               <a:t>Click to edit Master text styles</a:t>
             </a:r>
           </a:p>
           <a:p>
             <a:pPr lvl="1"/>
             <a:r>
-              <a:rPr lang="en-US"/>
+              <a:rPr lang="en-US" smtClean="0"/>
               <a:t>Second level</a:t>
             </a:r>
           </a:p>
           <a:p>
             <a:pPr lvl="2"/>
             <a:r>
-              <a:rPr lang="en-US"/>
+              <a:rPr lang="en-US" smtClean="0"/>
               <a:t>Third level</a:t>
             </a:r>
           </a:p>
           <a:p>
             <a:pPr lvl="3"/>
             <a:r>
-              <a:rPr lang="en-US"/>
+              <a:rPr lang="en-US" smtClean="0"/>
               <a:t>Fourth level</a:t>
             </a:r>
           </a:p>
           <a:p>
             <a:pPr lvl="4"/>
             <a:r>
-              <a:rPr lang="en-US"/>
+              <a:rPr lang="en-US" smtClean="0"/>
               <a:t>Fifth level</a:t>
             </a:r>
+            <a:endParaRPr lang="en-US"/>
           </a:p>
         </p:txBody>
       </p:sp>
@@ -3761,7 +3788,7 @@
           <a:p>
             <a:fld id="{699DC775-C286-4358-8C92-D7E584E969B3}" type="datetimeFigureOut">
               <a:rPr lang="en-US" smtClean="0"/>
-              <a:t>7/3/2019</a:t>
+              <a:t>26-Jun-15</a:t>
             </a:fld>
             <a:endParaRPr lang="en-US"/>
           </a:p>
@@ -3872,9 +3899,10 @@
           </a:lstStyle>
           <a:p>
             <a:r>
-              <a:rPr lang="en-US"/>
+              <a:rPr lang="en-US" smtClean="0"/>
               <a:t>Click to edit Master title style</a:t>
             </a:r>
+            <a:endParaRPr lang="en-US"/>
           </a:p>
         </p:txBody>
       </p:sp>
@@ -3991,7 +4019,7 @@
           <a:p>
             <a:pPr lvl="0"/>
             <a:r>
-              <a:rPr lang="en-US"/>
+              <a:rPr lang="en-US" smtClean="0"/>
               <a:t>Click to edit Master text styles</a:t>
             </a:r>
           </a:p>
@@ -4014,7 +4042,7 @@
           <a:p>
             <a:fld id="{699DC775-C286-4358-8C92-D7E584E969B3}" type="datetimeFigureOut">
               <a:rPr lang="en-US" smtClean="0"/>
-              <a:t>7/3/2019</a:t>
+              <a:t>26-Jun-15</a:t>
             </a:fld>
             <a:endParaRPr lang="en-US"/>
           </a:p>
@@ -4116,9 +4144,10 @@
           <a:lstStyle/>
           <a:p>
             <a:r>
-              <a:rPr lang="en-US"/>
+              <a:rPr lang="en-US" smtClean="0"/>
               <a:t>Click to edit Master title style</a:t>
             </a:r>
+            <a:endParaRPr lang="en-US"/>
           </a:p>
         </p:txBody>
       </p:sp>
@@ -4172,37 +4201,38 @@
           <a:p>
             <a:pPr lvl="0"/>
             <a:r>
-              <a:rPr lang="en-US"/>
+              <a:rPr lang="en-US" smtClean="0"/>
               <a:t>Click to edit Master text styles</a:t>
             </a:r>
           </a:p>
           <a:p>
             <a:pPr lvl="1"/>
             <a:r>
-              <a:rPr lang="en-US"/>
+              <a:rPr lang="en-US" smtClean="0"/>
               <a:t>Second level</a:t>
             </a:r>
           </a:p>
           <a:p>
             <a:pPr lvl="2"/>
             <a:r>
-              <a:rPr lang="en-US"/>
+              <a:rPr lang="en-US" smtClean="0"/>
               <a:t>Third level</a:t>
             </a:r>
           </a:p>
           <a:p>
             <a:pPr lvl="3"/>
             <a:r>
-              <a:rPr lang="en-US"/>
+              <a:rPr lang="en-US" smtClean="0"/>
               <a:t>Fourth level</a:t>
             </a:r>
           </a:p>
           <a:p>
             <a:pPr lvl="4"/>
             <a:r>
-              <a:rPr lang="en-US"/>
+              <a:rPr lang="en-US" smtClean="0"/>
               <a:t>Fifth level</a:t>
             </a:r>
+            <a:endParaRPr lang="en-US"/>
           </a:p>
         </p:txBody>
       </p:sp>
@@ -4256,37 +4286,38 @@
           <a:p>
             <a:pPr lvl="0"/>
             <a:r>
-              <a:rPr lang="en-US"/>
+              <a:rPr lang="en-US" smtClean="0"/>
               <a:t>Click to edit Master text styles</a:t>
             </a:r>
           </a:p>
           <a:p>
             <a:pPr lvl="1"/>
             <a:r>
-              <a:rPr lang="en-US"/>
+              <a:rPr lang="en-US" smtClean="0"/>
               <a:t>Second level</a:t>
             </a:r>
           </a:p>
           <a:p>
             <a:pPr lvl="2"/>
             <a:r>
-              <a:rPr lang="en-US"/>
+              <a:rPr lang="en-US" smtClean="0"/>
               <a:t>Third level</a:t>
             </a:r>
           </a:p>
           <a:p>
             <a:pPr lvl="3"/>
             <a:r>
-              <a:rPr lang="en-US"/>
+              <a:rPr lang="en-US" smtClean="0"/>
               <a:t>Fourth level</a:t>
             </a:r>
           </a:p>
           <a:p>
             <a:pPr lvl="4"/>
             <a:r>
-              <a:rPr lang="en-US"/>
+              <a:rPr lang="en-US" smtClean="0"/>
               <a:t>Fifth level</a:t>
             </a:r>
+            <a:endParaRPr lang="en-US"/>
           </a:p>
         </p:txBody>
       </p:sp>
@@ -4307,7 +4338,7 @@
           <a:p>
             <a:fld id="{699DC775-C286-4358-8C92-D7E584E969B3}" type="datetimeFigureOut">
               <a:rPr lang="en-US" smtClean="0"/>
-              <a:t>7/3/2019</a:t>
+              <a:t>26-Jun-15</a:t>
             </a:fld>
             <a:endParaRPr lang="en-US"/>
           </a:p>
@@ -4413,9 +4444,10 @@
           </a:lstStyle>
           <a:p>
             <a:r>
-              <a:rPr lang="en-US"/>
+              <a:rPr lang="en-US" smtClean="0"/>
               <a:t>Click to edit Master title style</a:t>
             </a:r>
+            <a:endParaRPr lang="en-US"/>
           </a:p>
         </p:txBody>
       </p:sp>
@@ -4478,7 +4510,7 @@
           <a:p>
             <a:pPr lvl="0"/>
             <a:r>
-              <a:rPr lang="en-US"/>
+              <a:rPr lang="en-US" smtClean="0"/>
               <a:t>Click to edit Master text styles</a:t>
             </a:r>
           </a:p>
@@ -4534,37 +4566,38 @@
           <a:p>
             <a:pPr lvl="0"/>
             <a:r>
-              <a:rPr lang="en-US"/>
+              <a:rPr lang="en-US" smtClean="0"/>
               <a:t>Click to edit Master text styles</a:t>
             </a:r>
           </a:p>
           <a:p>
             <a:pPr lvl="1"/>
             <a:r>
-              <a:rPr lang="en-US"/>
+              <a:rPr lang="en-US" smtClean="0"/>
               <a:t>Second level</a:t>
             </a:r>
           </a:p>
           <a:p>
             <a:pPr lvl="2"/>
             <a:r>
-              <a:rPr lang="en-US"/>
+              <a:rPr lang="en-US" smtClean="0"/>
               <a:t>Third level</a:t>
             </a:r>
           </a:p>
           <a:p>
             <a:pPr lvl="3"/>
             <a:r>
-              <a:rPr lang="en-US"/>
+              <a:rPr lang="en-US" smtClean="0"/>
               <a:t>Fourth level</a:t>
             </a:r>
           </a:p>
           <a:p>
             <a:pPr lvl="4"/>
             <a:r>
-              <a:rPr lang="en-US"/>
+              <a:rPr lang="en-US" smtClean="0"/>
               <a:t>Fifth level</a:t>
             </a:r>
+            <a:endParaRPr lang="en-US"/>
           </a:p>
         </p:txBody>
       </p:sp>
@@ -4627,7 +4660,7 @@
           <a:p>
             <a:pPr lvl="0"/>
             <a:r>
-              <a:rPr lang="en-US"/>
+              <a:rPr lang="en-US" smtClean="0"/>
               <a:t>Click to edit Master text styles</a:t>
             </a:r>
           </a:p>
@@ -4683,37 +4716,38 @@
           <a:p>
             <a:pPr lvl="0"/>
             <a:r>
-              <a:rPr lang="en-US"/>
+              <a:rPr lang="en-US" smtClean="0"/>
               <a:t>Click to edit Master text styles</a:t>
             </a:r>
           </a:p>
           <a:p>
             <a:pPr lvl="1"/>
             <a:r>
-              <a:rPr lang="en-US"/>
+              <a:rPr lang="en-US" smtClean="0"/>
               <a:t>Second level</a:t>
             </a:r>
           </a:p>
           <a:p>
             <a:pPr lvl="2"/>
             <a:r>
-              <a:rPr lang="en-US"/>
+              <a:rPr lang="en-US" smtClean="0"/>
               <a:t>Third level</a:t>
             </a:r>
           </a:p>
           <a:p>
             <a:pPr lvl="3"/>
             <a:r>
-              <a:rPr lang="en-US"/>
+              <a:rPr lang="en-US" smtClean="0"/>
               <a:t>Fourth level</a:t>
             </a:r>
           </a:p>
           <a:p>
             <a:pPr lvl="4"/>
             <a:r>
-              <a:rPr lang="en-US"/>
+              <a:rPr lang="en-US" smtClean="0"/>
               <a:t>Fifth level</a:t>
             </a:r>
+            <a:endParaRPr lang="en-US"/>
           </a:p>
         </p:txBody>
       </p:sp>
@@ -4734,7 +4768,7 @@
           <a:p>
             <a:fld id="{699DC775-C286-4358-8C92-D7E584E969B3}" type="datetimeFigureOut">
               <a:rPr lang="en-US" smtClean="0"/>
-              <a:t>7/3/2019</a:t>
+              <a:t>26-Jun-15</a:t>
             </a:fld>
             <a:endParaRPr lang="en-US"/>
           </a:p>
@@ -4836,9 +4870,10 @@
           <a:lstStyle/>
           <a:p>
             <a:r>
-              <a:rPr lang="en-US"/>
+              <a:rPr lang="en-US" smtClean="0"/>
               <a:t>Click to edit Master title style</a:t>
             </a:r>
+            <a:endParaRPr lang="en-US"/>
           </a:p>
         </p:txBody>
       </p:sp>
@@ -4859,7 +4894,7 @@
           <a:p>
             <a:fld id="{699DC775-C286-4358-8C92-D7E584E969B3}" type="datetimeFigureOut">
               <a:rPr lang="en-US" smtClean="0"/>
-              <a:t>7/3/2019</a:t>
+              <a:t>26-Jun-15</a:t>
             </a:fld>
             <a:endParaRPr lang="en-US"/>
           </a:p>
@@ -4962,7 +4997,7 @@
           <a:p>
             <a:fld id="{699DC775-C286-4358-8C92-D7E584E969B3}" type="datetimeFigureOut">
               <a:rPr lang="en-US" smtClean="0"/>
-              <a:t>7/3/2019</a:t>
+              <a:t>26-Jun-15</a:t>
             </a:fld>
             <a:endParaRPr lang="en-US"/>
           </a:p>
@@ -5065,9 +5100,10 @@
           </a:lstStyle>
           <a:p>
             <a:r>
-              <a:rPr lang="en-US"/>
+              <a:rPr lang="en-US" smtClean="0"/>
               <a:t>Click to edit Master title style</a:t>
             </a:r>
+            <a:endParaRPr lang="en-US"/>
           </a:p>
         </p:txBody>
       </p:sp>
@@ -5184,7 +5220,7 @@
           <a:p>
             <a:pPr lvl="0"/>
             <a:r>
-              <a:rPr lang="en-US"/>
+              <a:rPr lang="en-US" smtClean="0"/>
               <a:t>Click to edit Master text styles</a:t>
             </a:r>
           </a:p>
@@ -5207,7 +5243,7 @@
           <a:p>
             <a:fld id="{699DC775-C286-4358-8C92-D7E584E969B3}" type="datetimeFigureOut">
               <a:rPr lang="en-US" smtClean="0"/>
-              <a:t>7/3/2019</a:t>
+              <a:t>26-Jun-15</a:t>
             </a:fld>
             <a:endParaRPr lang="en-US"/>
           </a:p>
@@ -5318,9 +5354,10 @@
           </a:lstStyle>
           <a:p>
             <a:r>
-              <a:rPr lang="en-US"/>
+              <a:rPr lang="en-US" smtClean="0"/>
               <a:t>Click to edit Master title style</a:t>
             </a:r>
+            <a:endParaRPr lang="en-US"/>
           </a:p>
         </p:txBody>
       </p:sp>
@@ -5374,37 +5411,38 @@
           <a:p>
             <a:pPr lvl="0"/>
             <a:r>
-              <a:rPr lang="en-US"/>
+              <a:rPr lang="en-US" smtClean="0"/>
               <a:t>Click to edit Master text styles</a:t>
             </a:r>
           </a:p>
           <a:p>
             <a:pPr lvl="1"/>
             <a:r>
-              <a:rPr lang="en-US"/>
+              <a:rPr lang="en-US" smtClean="0"/>
               <a:t>Second level</a:t>
             </a:r>
           </a:p>
           <a:p>
             <a:pPr lvl="2"/>
             <a:r>
-              <a:rPr lang="en-US"/>
+              <a:rPr lang="en-US" smtClean="0"/>
               <a:t>Third level</a:t>
             </a:r>
           </a:p>
           <a:p>
             <a:pPr lvl="3"/>
             <a:r>
-              <a:rPr lang="en-US"/>
+              <a:rPr lang="en-US" smtClean="0"/>
               <a:t>Fourth level</a:t>
             </a:r>
           </a:p>
           <a:p>
             <a:pPr lvl="4"/>
             <a:r>
-              <a:rPr lang="en-US"/>
+              <a:rPr lang="en-US" smtClean="0"/>
               <a:t>Fifth level</a:t>
             </a:r>
+            <a:endParaRPr lang="en-US"/>
           </a:p>
         </p:txBody>
       </p:sp>
@@ -5467,7 +5505,7 @@
           <a:p>
             <a:pPr lvl="0"/>
             <a:r>
-              <a:rPr lang="en-US"/>
+              <a:rPr lang="en-US" smtClean="0"/>
               <a:t>Click to edit Master text styles</a:t>
             </a:r>
           </a:p>
@@ -5490,7 +5528,7 @@
           <a:p>
             <a:fld id="{699DC775-C286-4358-8C92-D7E584E969B3}" type="datetimeFigureOut">
               <a:rPr lang="en-US" smtClean="0"/>
-              <a:t>7/3/2019</a:t>
+              <a:t>26-Jun-15</a:t>
             </a:fld>
             <a:endParaRPr lang="en-US"/>
           </a:p>
@@ -5601,9 +5639,10 @@
           </a:lstStyle>
           <a:p>
             <a:r>
-              <a:rPr lang="en-US"/>
+              <a:rPr lang="en-US" smtClean="0"/>
               <a:t>Click to edit Master title style</a:t>
             </a:r>
+            <a:endParaRPr lang="en-US"/>
           </a:p>
         </p:txBody>
       </p:sp>
@@ -5727,7 +5766,7 @@
           <a:p>
             <a:pPr lvl="0"/>
             <a:r>
-              <a:rPr lang="en-US"/>
+              <a:rPr lang="en-US" smtClean="0"/>
               <a:t>Click to edit Master text styles</a:t>
             </a:r>
           </a:p>
@@ -5750,7 +5789,7 @@
           <a:p>
             <a:fld id="{699DC775-C286-4358-8C92-D7E584E969B3}" type="datetimeFigureOut">
               <a:rPr lang="en-US" smtClean="0"/>
-              <a:t>7/3/2019</a:t>
+              <a:t>26-Jun-15</a:t>
             </a:fld>
             <a:endParaRPr lang="en-US"/>
           </a:p>
@@ -5852,9 +5891,10 @@
           <a:lstStyle/>
           <a:p>
             <a:r>
-              <a:rPr lang="en-US"/>
+              <a:rPr lang="en-US" smtClean="0"/>
               <a:t>Click to edit Master title style</a:t>
             </a:r>
+            <a:endParaRPr lang="en-US"/>
           </a:p>
         </p:txBody>
       </p:sp>
@@ -5875,37 +5915,38 @@
           <a:p>
             <a:pPr lvl="0"/>
             <a:r>
-              <a:rPr lang="en-US"/>
+              <a:rPr lang="en-US" smtClean="0"/>
               <a:t>Click to edit Master text styles</a:t>
             </a:r>
           </a:p>
           <a:p>
             <a:pPr lvl="1"/>
             <a:r>
-              <a:rPr lang="en-US"/>
+              <a:rPr lang="en-US" smtClean="0"/>
               <a:t>Second level</a:t>
             </a:r>
           </a:p>
           <a:p>
             <a:pPr lvl="2"/>
             <a:r>
-              <a:rPr lang="en-US"/>
+              <a:rPr lang="en-US" smtClean="0"/>
               <a:t>Third level</a:t>
             </a:r>
           </a:p>
           <a:p>
             <a:pPr lvl="3"/>
             <a:r>
-              <a:rPr lang="en-US"/>
+              <a:rPr lang="en-US" smtClean="0"/>
               <a:t>Fourth level</a:t>
             </a:r>
           </a:p>
           <a:p>
             <a:pPr lvl="4"/>
             <a:r>
-              <a:rPr lang="en-US"/>
+              <a:rPr lang="en-US" smtClean="0"/>
               <a:t>Fifth level</a:t>
             </a:r>
+            <a:endParaRPr lang="en-US"/>
           </a:p>
         </p:txBody>
       </p:sp>
@@ -5926,7 +5967,7 @@
           <a:p>
             <a:fld id="{699DC775-C286-4358-8C92-D7E584E969B3}" type="datetimeFigureOut">
               <a:rPr lang="en-US" smtClean="0"/>
-              <a:t>7/3/2019</a:t>
+              <a:t>26-Jun-15</a:t>
             </a:fld>
             <a:endParaRPr lang="en-US"/>
           </a:p>
@@ -6033,9 +6074,10 @@
           <a:lstStyle/>
           <a:p>
             <a:r>
-              <a:rPr lang="en-US"/>
+              <a:rPr lang="en-US" smtClean="0"/>
               <a:t>Click to edit Master title style</a:t>
             </a:r>
+            <a:endParaRPr lang="en-US"/>
           </a:p>
         </p:txBody>
       </p:sp>
@@ -6061,37 +6103,38 @@
           <a:p>
             <a:pPr lvl="0"/>
             <a:r>
-              <a:rPr lang="en-US"/>
+              <a:rPr lang="en-US" smtClean="0"/>
               <a:t>Click to edit Master text styles</a:t>
             </a:r>
           </a:p>
           <a:p>
             <a:pPr lvl="1"/>
             <a:r>
-              <a:rPr lang="en-US"/>
+              <a:rPr lang="en-US" smtClean="0"/>
               <a:t>Second level</a:t>
             </a:r>
           </a:p>
           <a:p>
             <a:pPr lvl="2"/>
             <a:r>
-              <a:rPr lang="en-US"/>
+              <a:rPr lang="en-US" smtClean="0"/>
               <a:t>Third level</a:t>
             </a:r>
           </a:p>
           <a:p>
             <a:pPr lvl="3"/>
             <a:r>
-              <a:rPr lang="en-US"/>
+              <a:rPr lang="en-US" smtClean="0"/>
               <a:t>Fourth level</a:t>
             </a:r>
           </a:p>
           <a:p>
             <a:pPr lvl="4"/>
             <a:r>
-              <a:rPr lang="en-US"/>
+              <a:rPr lang="en-US" smtClean="0"/>
               <a:t>Fifth level</a:t>
             </a:r>
+            <a:endParaRPr lang="en-US"/>
           </a:p>
         </p:txBody>
       </p:sp>
@@ -6112,7 +6155,7 @@
           <a:p>
             <a:fld id="{699DC775-C286-4358-8C92-D7E584E969B3}" type="datetimeFigureOut">
               <a:rPr lang="en-US" smtClean="0"/>
-              <a:t>7/3/2019</a:t>
+              <a:t>26-Jun-15</a:t>
             </a:fld>
             <a:endParaRPr lang="en-US"/>
           </a:p>
@@ -6206,9 +6249,10 @@
           <a:lstStyle/>
           <a:p>
             <a:r>
-              <a:rPr lang="en-US"/>
+              <a:rPr lang="en-US" smtClean="0"/>
               <a:t>Click to edit Master title style</a:t>
             </a:r>
+            <a:endParaRPr lang="en-US"/>
           </a:p>
         </p:txBody>
       </p:sp>
@@ -6262,37 +6306,38 @@
           <a:p>
             <a:pPr lvl="0"/>
             <a:r>
-              <a:rPr lang="en-US"/>
+              <a:rPr lang="en-US" smtClean="0"/>
               <a:t>Click to edit Master text styles</a:t>
             </a:r>
           </a:p>
           <a:p>
             <a:pPr lvl="1"/>
             <a:r>
-              <a:rPr lang="en-US"/>
+              <a:rPr lang="en-US" smtClean="0"/>
               <a:t>Second level</a:t>
             </a:r>
           </a:p>
           <a:p>
             <a:pPr lvl="2"/>
             <a:r>
-              <a:rPr lang="en-US"/>
+              <a:rPr lang="en-US" smtClean="0"/>
               <a:t>Third level</a:t>
             </a:r>
           </a:p>
           <a:p>
             <a:pPr lvl="3"/>
             <a:r>
-              <a:rPr lang="en-US"/>
+              <a:rPr lang="en-US" smtClean="0"/>
               <a:t>Fourth level</a:t>
             </a:r>
           </a:p>
           <a:p>
             <a:pPr lvl="4"/>
             <a:r>
-              <a:rPr lang="en-US"/>
+              <a:rPr lang="en-US" smtClean="0"/>
               <a:t>Fifth level</a:t>
             </a:r>
+            <a:endParaRPr lang="en-US"/>
           </a:p>
         </p:txBody>
       </p:sp>
@@ -6346,37 +6391,38 @@
           <a:p>
             <a:pPr lvl="0"/>
             <a:r>
-              <a:rPr lang="en-US"/>
+              <a:rPr lang="en-US" smtClean="0"/>
               <a:t>Click to edit Master text styles</a:t>
             </a:r>
           </a:p>
           <a:p>
             <a:pPr lvl="1"/>
             <a:r>
-              <a:rPr lang="en-US"/>
+              <a:rPr lang="en-US" smtClean="0"/>
               <a:t>Second level</a:t>
             </a:r>
           </a:p>
           <a:p>
             <a:pPr lvl="2"/>
             <a:r>
-              <a:rPr lang="en-US"/>
+              <a:rPr lang="en-US" smtClean="0"/>
               <a:t>Third level</a:t>
             </a:r>
           </a:p>
           <a:p>
             <a:pPr lvl="3"/>
             <a:r>
-              <a:rPr lang="en-US"/>
+              <a:rPr lang="en-US" smtClean="0"/>
               <a:t>Fourth level</a:t>
             </a:r>
           </a:p>
           <a:p>
             <a:pPr lvl="4"/>
             <a:r>
-              <a:rPr lang="en-US"/>
+              <a:rPr lang="en-US" smtClean="0"/>
               <a:t>Fifth level</a:t>
             </a:r>
+            <a:endParaRPr lang="en-US"/>
           </a:p>
         </p:txBody>
       </p:sp>
@@ -6397,7 +6443,7 @@
           <a:p>
             <a:fld id="{699DC775-C286-4358-8C92-D7E584E969B3}" type="datetimeFigureOut">
               <a:rPr lang="en-US" smtClean="0"/>
-              <a:t>7/3/2019</a:t>
+              <a:t>26-Jun-15</a:t>
             </a:fld>
             <a:endParaRPr lang="en-US"/>
           </a:p>
@@ -6495,9 +6541,10 @@
           </a:lstStyle>
           <a:p>
             <a:r>
-              <a:rPr lang="en-US"/>
+              <a:rPr lang="en-US" smtClean="0"/>
               <a:t>Click to edit Master title style</a:t>
             </a:r>
+            <a:endParaRPr lang="en-US"/>
           </a:p>
         </p:txBody>
       </p:sp>
@@ -6560,7 +6607,7 @@
           <a:p>
             <a:pPr lvl="0"/>
             <a:r>
-              <a:rPr lang="en-US"/>
+              <a:rPr lang="en-US" smtClean="0"/>
               <a:t>Click to edit Master text styles</a:t>
             </a:r>
           </a:p>
@@ -6616,37 +6663,38 @@
           <a:p>
             <a:pPr lvl="0"/>
             <a:r>
-              <a:rPr lang="en-US"/>
+              <a:rPr lang="en-US" smtClean="0"/>
               <a:t>Click to edit Master text styles</a:t>
             </a:r>
           </a:p>
           <a:p>
             <a:pPr lvl="1"/>
             <a:r>
-              <a:rPr lang="en-US"/>
+              <a:rPr lang="en-US" smtClean="0"/>
               <a:t>Second level</a:t>
             </a:r>
           </a:p>
           <a:p>
             <a:pPr lvl="2"/>
             <a:r>
-              <a:rPr lang="en-US"/>
+              <a:rPr lang="en-US" smtClean="0"/>
               <a:t>Third level</a:t>
             </a:r>
           </a:p>
           <a:p>
             <a:pPr lvl="3"/>
             <a:r>
-              <a:rPr lang="en-US"/>
+              <a:rPr lang="en-US" smtClean="0"/>
               <a:t>Fourth level</a:t>
             </a:r>
           </a:p>
           <a:p>
             <a:pPr lvl="4"/>
             <a:r>
-              <a:rPr lang="en-US"/>
+              <a:rPr lang="en-US" smtClean="0"/>
               <a:t>Fifth level</a:t>
             </a:r>
+            <a:endParaRPr lang="en-US"/>
           </a:p>
         </p:txBody>
       </p:sp>
@@ -6709,7 +6757,7 @@
           <a:p>
             <a:pPr lvl="0"/>
             <a:r>
-              <a:rPr lang="en-US"/>
+              <a:rPr lang="en-US" smtClean="0"/>
               <a:t>Click to edit Master text styles</a:t>
             </a:r>
           </a:p>
@@ -6765,37 +6813,38 @@
           <a:p>
             <a:pPr lvl="0"/>
             <a:r>
-              <a:rPr lang="en-US"/>
+              <a:rPr lang="en-US" smtClean="0"/>
               <a:t>Click to edit Master text styles</a:t>
             </a:r>
           </a:p>
           <a:p>
             <a:pPr lvl="1"/>
             <a:r>
-              <a:rPr lang="en-US"/>
+              <a:rPr lang="en-US" smtClean="0"/>
               <a:t>Second level</a:t>
             </a:r>
           </a:p>
           <a:p>
             <a:pPr lvl="2"/>
             <a:r>
-              <a:rPr lang="en-US"/>
+              <a:rPr lang="en-US" smtClean="0"/>
               <a:t>Third level</a:t>
             </a:r>
           </a:p>
           <a:p>
             <a:pPr lvl="3"/>
             <a:r>
-              <a:rPr lang="en-US"/>
+              <a:rPr lang="en-US" smtClean="0"/>
               <a:t>Fourth level</a:t>
             </a:r>
           </a:p>
           <a:p>
             <a:pPr lvl="4"/>
             <a:r>
-              <a:rPr lang="en-US"/>
+              <a:rPr lang="en-US" smtClean="0"/>
               <a:t>Fifth level</a:t>
             </a:r>
+            <a:endParaRPr lang="en-US"/>
           </a:p>
         </p:txBody>
       </p:sp>
@@ -6816,7 +6865,7 @@
           <a:p>
             <a:fld id="{699DC775-C286-4358-8C92-D7E584E969B3}" type="datetimeFigureOut">
               <a:rPr lang="en-US" smtClean="0"/>
-              <a:t>7/3/2019</a:t>
+              <a:t>26-Jun-15</a:t>
             </a:fld>
             <a:endParaRPr lang="en-US"/>
           </a:p>
@@ -6910,9 +6959,10 @@
           <a:lstStyle/>
           <a:p>
             <a:r>
-              <a:rPr lang="en-US"/>
+              <a:rPr lang="en-US" smtClean="0"/>
               <a:t>Click to edit Master title style</a:t>
             </a:r>
+            <a:endParaRPr lang="en-US"/>
           </a:p>
         </p:txBody>
       </p:sp>
@@ -6933,7 +6983,7 @@
           <a:p>
             <a:fld id="{699DC775-C286-4358-8C92-D7E584E969B3}" type="datetimeFigureOut">
               <a:rPr lang="en-US" smtClean="0"/>
-              <a:t>7/3/2019</a:t>
+              <a:t>26-Jun-15</a:t>
             </a:fld>
             <a:endParaRPr lang="en-US"/>
           </a:p>
@@ -7028,7 +7078,7 @@
           <a:p>
             <a:fld id="{699DC775-C286-4358-8C92-D7E584E969B3}" type="datetimeFigureOut">
               <a:rPr lang="en-US" smtClean="0"/>
-              <a:t>7/3/2019</a:t>
+              <a:t>26-Jun-15</a:t>
             </a:fld>
             <a:endParaRPr lang="en-US"/>
           </a:p>
@@ -7131,9 +7181,10 @@
           </a:lstStyle>
           <a:p>
             <a:r>
-              <a:rPr lang="en-US"/>
+              <a:rPr lang="en-US" smtClean="0"/>
               <a:t>Click to edit Master title style</a:t>
             </a:r>
+            <a:endParaRPr lang="en-US"/>
           </a:p>
         </p:txBody>
       </p:sp>
@@ -7187,37 +7238,38 @@
           <a:p>
             <a:pPr lvl="0"/>
             <a:r>
-              <a:rPr lang="en-US"/>
+              <a:rPr lang="en-US" smtClean="0"/>
               <a:t>Click to edit Master text styles</a:t>
             </a:r>
           </a:p>
           <a:p>
             <a:pPr lvl="1"/>
             <a:r>
-              <a:rPr lang="en-US"/>
+              <a:rPr lang="en-US" smtClean="0"/>
               <a:t>Second level</a:t>
             </a:r>
           </a:p>
           <a:p>
             <a:pPr lvl="2"/>
             <a:r>
-              <a:rPr lang="en-US"/>
+              <a:rPr lang="en-US" smtClean="0"/>
               <a:t>Third level</a:t>
             </a:r>
           </a:p>
           <a:p>
             <a:pPr lvl="3"/>
             <a:r>
-              <a:rPr lang="en-US"/>
+              <a:rPr lang="en-US" smtClean="0"/>
               <a:t>Fourth level</a:t>
             </a:r>
           </a:p>
           <a:p>
             <a:pPr lvl="4"/>
             <a:r>
-              <a:rPr lang="en-US"/>
+              <a:rPr lang="en-US" smtClean="0"/>
               <a:t>Fifth level</a:t>
             </a:r>
+            <a:endParaRPr lang="en-US"/>
           </a:p>
         </p:txBody>
       </p:sp>
@@ -7280,7 +7332,7 @@
           <a:p>
             <a:pPr lvl="0"/>
             <a:r>
-              <a:rPr lang="en-US"/>
+              <a:rPr lang="en-US" smtClean="0"/>
               <a:t>Click to edit Master text styles</a:t>
             </a:r>
           </a:p>
@@ -7303,7 +7355,7 @@
           <a:p>
             <a:fld id="{699DC775-C286-4358-8C92-D7E584E969B3}" type="datetimeFigureOut">
               <a:rPr lang="en-US" smtClean="0"/>
-              <a:t>7/3/2019</a:t>
+              <a:t>26-Jun-15</a:t>
             </a:fld>
             <a:endParaRPr lang="en-US"/>
           </a:p>
@@ -7406,9 +7458,10 @@
           </a:lstStyle>
           <a:p>
             <a:r>
-              <a:rPr lang="en-US"/>
+              <a:rPr lang="en-US" smtClean="0"/>
               <a:t>Click to edit Master title style</a:t>
             </a:r>
+            <a:endParaRPr lang="en-US"/>
           </a:p>
         </p:txBody>
       </p:sp>
@@ -7532,7 +7585,7 @@
           <a:p>
             <a:pPr lvl="0"/>
             <a:r>
-              <a:rPr lang="en-US"/>
+              <a:rPr lang="en-US" smtClean="0"/>
               <a:t>Click to edit Master text styles</a:t>
             </a:r>
           </a:p>
@@ -7555,7 +7608,7 @@
           <a:p>
             <a:fld id="{699DC775-C286-4358-8C92-D7E584E969B3}" type="datetimeFigureOut">
               <a:rPr lang="en-US" smtClean="0"/>
-              <a:t>7/3/2019</a:t>
+              <a:t>26-Jun-15</a:t>
             </a:fld>
             <a:endParaRPr lang="en-US"/>
           </a:p>
@@ -7664,9 +7717,10 @@
           <a:lstStyle/>
           <a:p>
             <a:r>
-              <a:rPr lang="en-US"/>
+              <a:rPr lang="en-US" smtClean="0"/>
               <a:t>Click to edit Master title style</a:t>
             </a:r>
+            <a:endParaRPr lang="en-US"/>
           </a:p>
         </p:txBody>
       </p:sp>
@@ -7697,37 +7751,38 @@
           <a:p>
             <a:pPr lvl="0"/>
             <a:r>
-              <a:rPr lang="en-US"/>
+              <a:rPr lang="en-US" smtClean="0"/>
               <a:t>Click to edit Master text styles</a:t>
             </a:r>
           </a:p>
           <a:p>
             <a:pPr lvl="1"/>
             <a:r>
-              <a:rPr lang="en-US"/>
+              <a:rPr lang="en-US" smtClean="0"/>
               <a:t>Second level</a:t>
             </a:r>
           </a:p>
           <a:p>
             <a:pPr lvl="2"/>
             <a:r>
-              <a:rPr lang="en-US"/>
+              <a:rPr lang="en-US" smtClean="0"/>
               <a:t>Third level</a:t>
             </a:r>
           </a:p>
           <a:p>
             <a:pPr lvl="3"/>
             <a:r>
-              <a:rPr lang="en-US"/>
+              <a:rPr lang="en-US" smtClean="0"/>
               <a:t>Fourth level</a:t>
             </a:r>
           </a:p>
           <a:p>
             <a:pPr lvl="4"/>
             <a:r>
-              <a:rPr lang="en-US"/>
+              <a:rPr lang="en-US" smtClean="0"/>
               <a:t>Fifth level</a:t>
             </a:r>
+            <a:endParaRPr lang="en-US"/>
           </a:p>
         </p:txBody>
       </p:sp>
@@ -7766,7 +7821,7 @@
           <a:p>
             <a:fld id="{699DC775-C286-4358-8C92-D7E584E969B3}" type="datetimeFigureOut">
               <a:rPr lang="en-US" smtClean="0"/>
-              <a:t>7/3/2019</a:t>
+              <a:t>26-Jun-15</a:t>
             </a:fld>
             <a:endParaRPr lang="en-US"/>
           </a:p>
@@ -8177,9 +8232,10 @@
           <a:lstStyle/>
           <a:p>
             <a:r>
-              <a:rPr lang="en-US"/>
+              <a:rPr lang="en-US" smtClean="0"/>
               <a:t>Click to edit Master title style</a:t>
             </a:r>
+            <a:endParaRPr lang="en-US"/>
           </a:p>
         </p:txBody>
       </p:sp>
@@ -8210,37 +8266,38 @@
           <a:p>
             <a:pPr lvl="0"/>
             <a:r>
-              <a:rPr lang="en-US"/>
+              <a:rPr lang="en-US" smtClean="0"/>
               <a:t>Click to edit Master text styles</a:t>
             </a:r>
           </a:p>
           <a:p>
             <a:pPr lvl="1"/>
             <a:r>
-              <a:rPr lang="en-US"/>
+              <a:rPr lang="en-US" smtClean="0"/>
               <a:t>Second level</a:t>
             </a:r>
           </a:p>
           <a:p>
             <a:pPr lvl="2"/>
             <a:r>
-              <a:rPr lang="en-US"/>
+              <a:rPr lang="en-US" smtClean="0"/>
               <a:t>Third level</a:t>
             </a:r>
           </a:p>
           <a:p>
             <a:pPr lvl="3"/>
             <a:r>
-              <a:rPr lang="en-US"/>
+              <a:rPr lang="en-US" smtClean="0"/>
               <a:t>Fourth level</a:t>
             </a:r>
           </a:p>
           <a:p>
             <a:pPr lvl="4"/>
             <a:r>
-              <a:rPr lang="en-US"/>
+              <a:rPr lang="en-US" smtClean="0"/>
               <a:t>Fifth level</a:t>
             </a:r>
+            <a:endParaRPr lang="en-US"/>
           </a:p>
         </p:txBody>
       </p:sp>
@@ -8279,7 +8336,7 @@
           <a:p>
             <a:fld id="{699DC775-C286-4358-8C92-D7E584E969B3}" type="datetimeFigureOut">
               <a:rPr lang="en-US" smtClean="0"/>
-              <a:t>7/3/2019</a:t>
+              <a:t>26-Jun-15</a:t>
             </a:fld>
             <a:endParaRPr lang="en-US"/>
           </a:p>
@@ -8688,9 +8745,10 @@
           <a:lstStyle/>
           <a:p>
             <a:r>
-              <a:rPr lang="en-US" dirty="0"/>
+              <a:rPr lang="en-US" dirty="0" smtClean="0"/>
               <a:t>Click to edit Master title style</a:t>
             </a:r>
+            <a:endParaRPr lang="en-US" dirty="0"/>
           </a:p>
         </p:txBody>
       </p:sp>
@@ -8721,37 +8779,38 @@
           <a:p>
             <a:pPr lvl="0"/>
             <a:r>
-              <a:rPr lang="en-US"/>
+              <a:rPr lang="en-US" smtClean="0"/>
               <a:t>Click to edit Master text styles</a:t>
             </a:r>
           </a:p>
           <a:p>
             <a:pPr lvl="1"/>
             <a:r>
-              <a:rPr lang="en-US"/>
+              <a:rPr lang="en-US" smtClean="0"/>
               <a:t>Second level</a:t>
             </a:r>
           </a:p>
           <a:p>
             <a:pPr lvl="2"/>
             <a:r>
-              <a:rPr lang="en-US"/>
+              <a:rPr lang="en-US" smtClean="0"/>
               <a:t>Third level</a:t>
             </a:r>
           </a:p>
           <a:p>
             <a:pPr lvl="3"/>
             <a:r>
-              <a:rPr lang="en-US"/>
+              <a:rPr lang="en-US" smtClean="0"/>
               <a:t>Fourth level</a:t>
             </a:r>
           </a:p>
           <a:p>
             <a:pPr lvl="4"/>
             <a:r>
-              <a:rPr lang="en-US"/>
+              <a:rPr lang="en-US" smtClean="0"/>
               <a:t>Fifth level</a:t>
             </a:r>
+            <a:endParaRPr lang="en-US"/>
           </a:p>
         </p:txBody>
       </p:sp>
@@ -8790,7 +8849,7 @@
           <a:p>
             <a:fld id="{699DC775-C286-4358-8C92-D7E584E969B3}" type="datetimeFigureOut">
               <a:rPr lang="en-US" smtClean="0"/>
-              <a:t>7/3/2019</a:t>
+              <a:t>26-Jun-15</a:t>
             </a:fld>
             <a:endParaRPr lang="en-US"/>
           </a:p>
@@ -9183,7 +9242,7 @@
           <a:lstStyle/>
           <a:p>
             <a:r>
-              <a:rPr lang="en-US" sz="5400" b="1" dirty="0" err="1">
+              <a:rPr lang="en-US" sz="5400" b="1" dirty="0" err="1" smtClean="0">
                 <a:solidFill>
                   <a:schemeClr val="accent6">
                     <a:lumMod val="75000"/>
@@ -9193,7 +9252,7 @@
               <a:t>PowerPointLabs</a:t>
             </a:r>
             <a:r>
-              <a:rPr lang="en-US" sz="5400" b="1" dirty="0">
+              <a:rPr lang="en-US" sz="5400" b="1" dirty="0" smtClean="0">
                 <a:solidFill>
                   <a:schemeClr val="accent6">
                     <a:lumMod val="75000"/>
@@ -9231,42 +9290,95 @@
               <a:buNone/>
             </a:pPr>
             <a:r>
+              <a:rPr lang="en-US" b="1" dirty="0" smtClean="0">
+                <a:solidFill>
+                  <a:srgbClr val="0070C0"/>
+                </a:solidFill>
+              </a:rPr>
+              <a:t>General instructions:</a:t>
+            </a:r>
+          </a:p>
+          <a:p>
+            <a:pPr marL="285750" indent="-285750"/>
+            <a:r>
+              <a:rPr lang="en-US" b="1" dirty="0" smtClean="0">
+                <a:solidFill>
+                  <a:srgbClr val="0070C0"/>
+                </a:solidFill>
+              </a:rPr>
+              <a:t>DO </a:t>
+            </a:r>
+            <a:r>
               <a:rPr lang="en-US" b="1" dirty="0">
                 <a:solidFill>
                   <a:srgbClr val="0070C0"/>
                 </a:solidFill>
               </a:rPr>
-              <a:t>General instructions:</a:t>
-            </a:r>
-          </a:p>
-          <a:p>
-            <a:pPr marL="285750" indent="-285750"/>
-            <a:r>
-              <a:rPr lang="en-US" b="1" dirty="0">
+              <a:t>NOT SAVE </a:t>
+            </a:r>
+            <a:r>
+              <a:rPr lang="en-US" dirty="0" smtClean="0">
                 <a:solidFill>
                   <a:srgbClr val="0070C0"/>
                 </a:solidFill>
               </a:rPr>
-              <a:t>DO NOT SAVE </a:t>
-            </a:r>
+              <a:t>these slides after testing. Keep this file in its original form.</a:t>
+            </a:r>
+            <a:endParaRPr lang="en-US" dirty="0">
+              <a:solidFill>
+                <a:srgbClr val="0070C0"/>
+              </a:solidFill>
+            </a:endParaRPr>
+          </a:p>
+          <a:p>
+            <a:pPr marL="285750" indent="-285750"/>
             <a:r>
               <a:rPr lang="en-US" dirty="0">
                 <a:solidFill>
                   <a:srgbClr val="0070C0"/>
                 </a:solidFill>
               </a:rPr>
-              <a:t>these slides after testing. Keep this file in its original form.</a:t>
-            </a:r>
-          </a:p>
-          <a:p>
-            <a:pPr marL="285750" indent="-285750"/>
+              <a:t>If </a:t>
+            </a:r>
+            <a:r>
+              <a:rPr lang="en-US" dirty="0" smtClean="0">
+                <a:solidFill>
+                  <a:srgbClr val="0070C0"/>
+                </a:solidFill>
+              </a:rPr>
+              <a:t>your </a:t>
+            </a:r>
             <a:r>
               <a:rPr lang="en-US" dirty="0">
                 <a:solidFill>
                   <a:srgbClr val="0070C0"/>
                 </a:solidFill>
               </a:rPr>
-              <a:t>If your result is different from the expected output, please submit a bug report (attach slides/screenshots as necessary).</a:t>
+              <a:t>result </a:t>
+            </a:r>
+            <a:r>
+              <a:rPr lang="en-US" dirty="0" smtClean="0">
+                <a:solidFill>
+                  <a:srgbClr val="0070C0"/>
+                </a:solidFill>
+              </a:rPr>
+              <a:t>is different from the </a:t>
+            </a:r>
+            <a:r>
+              <a:rPr lang="en-US" dirty="0">
+                <a:solidFill>
+                  <a:srgbClr val="0070C0"/>
+                </a:solidFill>
+              </a:rPr>
+              <a:t>expected output, </a:t>
+            </a:r>
+            <a:r>
+              <a:rPr lang="en-US" dirty="0" smtClean="0">
+                <a:solidFill>
+                  <a:srgbClr val="0070C0"/>
+                </a:solidFill>
+              </a:rPr>
+              <a:t>please submit a bug report (attach slides/screenshots as necessary).</a:t>
             </a:r>
             <a:endParaRPr lang="en-SG" dirty="0">
               <a:solidFill>
@@ -9289,6 +9401,13 @@
   <p:clrMapOvr>
     <a:masterClrMapping/>
   </p:clrMapOvr>
+  <p:timing>
+    <p:tnLst>
+      <p:par>
+        <p:cTn id="1" dur="indefinite" restart="never" nodeType="tmRoot"/>
+      </p:par>
+    </p:tnLst>
+  </p:timing>
 </p:sld>
 </file>
 
@@ -9481,7 +9600,7 @@
           <a:p>
             <a:pPr algn="ctr"/>
             <a:r>
-              <a:rPr lang="en-US" sz="2800"/>
+              <a:rPr lang="en-US" sz="2800" smtClean="0"/>
               <a:t>Drill Down</a:t>
             </a:r>
             <a:endParaRPr lang="en-SG" sz="2800" dirty="0"/>
@@ -9528,9 +9647,10 @@
           <a:p>
             <a:pPr algn="ctr"/>
             <a:r>
-              <a:rPr lang="en-US" dirty="0"/>
+              <a:rPr lang="en-US" dirty="0" smtClean="0"/>
               <a:t>HIDDEN SHAPE</a:t>
             </a:r>
+            <a:endParaRPr lang="en-US" dirty="0"/>
           </a:p>
         </p:txBody>
       </p:sp>
@@ -9574,9 +9694,10 @@
           <a:p>
             <a:pPr algn="ctr"/>
             <a:r>
-              <a:rPr lang="en-US" dirty="0"/>
+              <a:rPr lang="en-US" dirty="0" smtClean="0"/>
               <a:t>HIDDEN SHAPE</a:t>
             </a:r>
+            <a:endParaRPr lang="en-US" dirty="0"/>
           </a:p>
         </p:txBody>
       </p:sp>
@@ -9602,6 +9723,13 @@
       </p:transition>
     </mc:Fallback>
   </mc:AlternateContent>
+  <p:timing>
+    <p:tnLst>
+      <p:par>
+        <p:cTn id="1" dur="indefinite" restart="never" nodeType="tmRoot"/>
+      </p:par>
+    </p:tnLst>
+  </p:timing>
 </p:sld>
 </file>
 
@@ -9673,13 +9801,18 @@
           <a:p>
             <a:pPr algn="ctr"/>
             <a:r>
-              <a:rPr lang="en-SG" dirty="0">
+              <a:rPr lang="en-SG" dirty="0" smtClean="0">
                 <a:solidFill>
                   <a:schemeClr val="tx1"/>
                 </a:solidFill>
               </a:rPr>
               <a:t>Shape With Exit Animation</a:t>
             </a:r>
+            <a:endParaRPr lang="en-SG" dirty="0">
+              <a:solidFill>
+                <a:schemeClr val="tx1"/>
+              </a:solidFill>
+            </a:endParaRPr>
           </a:p>
         </p:txBody>
       </p:sp>
@@ -9710,14 +9843,14 @@
               <a:buChar char="•"/>
             </a:pPr>
             <a:r>
-              <a:rPr lang="en-US" sz="3600" dirty="0"/>
+              <a:rPr lang="en-US" sz="3600" dirty="0" smtClean="0"/>
               <a:t>Blah </a:t>
             </a:r>
             <a:r>
-              <a:rPr lang="en-US" sz="3600" dirty="0" err="1"/>
+              <a:rPr lang="en-US" sz="3600" dirty="0" err="1" smtClean="0"/>
               <a:t>blah</a:t>
             </a:r>
-            <a:endParaRPr lang="en-US" sz="3600" dirty="0"/>
+            <a:endParaRPr lang="en-US" sz="3600" dirty="0" smtClean="0"/>
           </a:p>
           <a:p>
             <a:pPr marL="571500" indent="-571500">
@@ -9725,14 +9858,14 @@
               <a:buChar char="•"/>
             </a:pPr>
             <a:r>
-              <a:rPr lang="en-US" sz="3600" dirty="0"/>
+              <a:rPr lang="en-US" sz="3600" dirty="0" smtClean="0"/>
               <a:t>Blah </a:t>
             </a:r>
             <a:r>
-              <a:rPr lang="en-US" sz="3600" dirty="0" err="1"/>
+              <a:rPr lang="en-US" sz="3600" dirty="0" err="1" smtClean="0"/>
               <a:t>blah</a:t>
             </a:r>
-            <a:endParaRPr lang="en-US" sz="3600" dirty="0"/>
+            <a:endParaRPr lang="en-US" sz="3600" dirty="0" smtClean="0"/>
           </a:p>
           <a:p>
             <a:pPr marL="571500" indent="-571500">
@@ -9740,11 +9873,11 @@
               <a:buChar char="•"/>
             </a:pPr>
             <a:r>
-              <a:rPr lang="en-US" sz="3600" dirty="0"/>
+              <a:rPr lang="en-US" sz="3600" dirty="0" smtClean="0"/>
               <a:t>Blah </a:t>
             </a:r>
             <a:r>
-              <a:rPr lang="en-US" sz="3600" dirty="0" err="1"/>
+              <a:rPr lang="en-US" sz="3600" dirty="0" err="1" smtClean="0"/>
               <a:t>blah</a:t>
             </a:r>
             <a:endParaRPr lang="en-SG" sz="3600" dirty="0"/>
@@ -9788,7 +9921,7 @@
           <a:p>
             <a:pPr algn="ctr"/>
             <a:r>
-              <a:rPr lang="en-SG" dirty="0">
+              <a:rPr lang="en-SG" dirty="0" smtClean="0">
                 <a:solidFill>
                   <a:schemeClr val="tx1"/>
                 </a:solidFill>
@@ -9838,9 +9971,10 @@
           <a:p>
             <a:pPr algn="ctr"/>
             <a:r>
-              <a:rPr lang="en-US" dirty="0"/>
+              <a:rPr lang="en-US" dirty="0" smtClean="0"/>
               <a:t>HIDDEN SHAPE</a:t>
             </a:r>
+            <a:endParaRPr lang="en-US" dirty="0"/>
           </a:p>
         </p:txBody>
       </p:sp>
@@ -9884,9 +10018,10 @@
           <a:p>
             <a:pPr algn="ctr"/>
             <a:r>
-              <a:rPr lang="en-US" dirty="0"/>
+              <a:rPr lang="en-US" dirty="0" smtClean="0"/>
               <a:t>HIDDEN SHAPE</a:t>
             </a:r>
+            <a:endParaRPr lang="en-US" dirty="0"/>
           </a:p>
         </p:txBody>
       </p:sp>
@@ -9930,16 +10065,17 @@
           <a:p>
             <a:pPr algn="ctr"/>
             <a:r>
-              <a:rPr lang="en-US" dirty="0"/>
+              <a:rPr lang="en-US" dirty="0" smtClean="0"/>
               <a:t>Shape with entry animation</a:t>
             </a:r>
           </a:p>
           <a:p>
             <a:pPr algn="ctr"/>
             <a:r>
-              <a:rPr lang="en-US" dirty="0"/>
+              <a:rPr lang="en-US" dirty="0" smtClean="0"/>
               <a:t>THIS SHAPE SHOULD NOT APPEAR</a:t>
             </a:r>
+            <a:endParaRPr lang="en-US" dirty="0"/>
           </a:p>
         </p:txBody>
       </p:sp>
@@ -10520,9 +10656,10 @@
           <a:p>
             <a:pPr algn="ctr"/>
             <a:r>
-              <a:rPr lang="en-US" dirty="0"/>
+              <a:rPr lang="en-US" dirty="0" smtClean="0"/>
               <a:t>HIDDEN SHAPE</a:t>
             </a:r>
+            <a:endParaRPr lang="en-US" dirty="0"/>
           </a:p>
         </p:txBody>
       </p:sp>
@@ -10566,9 +10703,10 @@
           <a:p>
             <a:pPr algn="ctr"/>
             <a:r>
-              <a:rPr lang="en-US" dirty="0"/>
+              <a:rPr lang="en-US" dirty="0" smtClean="0"/>
               <a:t>HIDDEN SHAPE</a:t>
             </a:r>
+            <a:endParaRPr lang="en-US" dirty="0"/>
           </a:p>
         </p:txBody>
       </p:sp>
@@ -10985,11 +11123,11 @@
   <p:clrMapOvr>
     <a:masterClrMapping/>
   </p:clrMapOvr>
-  <mc:AlternateContent xmlns:mc="http://schemas.openxmlformats.org/markup-compatibility/2006" xmlns:p14="http://schemas.microsoft.com/office/powerpoint/2010/main">
-    <mc:Choice Requires="p14">
+  <mc:AlternateContent xmlns:mc="http://schemas.openxmlformats.org/markup-compatibility/2006">
+    <mc:Choice xmlns:p14="http://schemas.microsoft.com/office/powerpoint/2010/main" Requires="p14">
       <p:transition spd="med" p14:dur="700" advClick="0" advTm="0"/>
     </mc:Choice>
-    <mc:Fallback xmlns="">
+    <mc:Fallback>
       <p:transition spd="med" advClick="0" advTm="0"/>
     </mc:Fallback>
   </mc:AlternateContent>
@@ -11317,13 +11455,18 @@
           <a:p>
             <a:pPr algn="ctr"/>
             <a:r>
-              <a:rPr lang="en-SG" dirty="0">
+              <a:rPr lang="en-SG" dirty="0" smtClean="0">
                 <a:solidFill>
                   <a:schemeClr val="tx1"/>
                 </a:solidFill>
               </a:rPr>
               <a:t>Shape With Exit Animation</a:t>
             </a:r>
+            <a:endParaRPr lang="en-SG" dirty="0">
+              <a:solidFill>
+                <a:schemeClr val="tx1"/>
+              </a:solidFill>
+            </a:endParaRPr>
           </a:p>
         </p:txBody>
       </p:sp>
@@ -11354,14 +11497,14 @@
               <a:buChar char="•"/>
             </a:pPr>
             <a:r>
-              <a:rPr lang="en-US" sz="3600" dirty="0"/>
+              <a:rPr lang="en-US" sz="3600" dirty="0" smtClean="0"/>
               <a:t>Blah </a:t>
             </a:r>
             <a:r>
-              <a:rPr lang="en-US" sz="3600" dirty="0" err="1"/>
+              <a:rPr lang="en-US" sz="3600" dirty="0" err="1" smtClean="0"/>
               <a:t>blah</a:t>
             </a:r>
-            <a:endParaRPr lang="en-US" sz="3600" dirty="0"/>
+            <a:endParaRPr lang="en-US" sz="3600" dirty="0" smtClean="0"/>
           </a:p>
           <a:p>
             <a:pPr marL="571500" indent="-571500">
@@ -11369,14 +11512,14 @@
               <a:buChar char="•"/>
             </a:pPr>
             <a:r>
-              <a:rPr lang="en-US" sz="3600" dirty="0"/>
+              <a:rPr lang="en-US" sz="3600" dirty="0" smtClean="0"/>
               <a:t>Blah </a:t>
             </a:r>
             <a:r>
-              <a:rPr lang="en-US" sz="3600" dirty="0" err="1"/>
+              <a:rPr lang="en-US" sz="3600" dirty="0" err="1" smtClean="0"/>
               <a:t>blah</a:t>
             </a:r>
-            <a:endParaRPr lang="en-US" sz="3600" dirty="0"/>
+            <a:endParaRPr lang="en-US" sz="3600" dirty="0" smtClean="0"/>
           </a:p>
           <a:p>
             <a:pPr marL="571500" indent="-571500">
@@ -11384,11 +11527,11 @@
               <a:buChar char="•"/>
             </a:pPr>
             <a:r>
-              <a:rPr lang="en-US" sz="3600" dirty="0"/>
+              <a:rPr lang="en-US" sz="3600" dirty="0" smtClean="0"/>
               <a:t>Blah </a:t>
             </a:r>
             <a:r>
-              <a:rPr lang="en-US" sz="3600" dirty="0" err="1"/>
+              <a:rPr lang="en-US" sz="3600" dirty="0" err="1" smtClean="0"/>
               <a:t>blah</a:t>
             </a:r>
             <a:endParaRPr lang="en-SG" sz="3600" dirty="0"/>
@@ -11432,7 +11575,7 @@
           <a:p>
             <a:pPr algn="ctr"/>
             <a:r>
-              <a:rPr lang="en-SG" dirty="0">
+              <a:rPr lang="en-SG" dirty="0" smtClean="0">
                 <a:solidFill>
                   <a:schemeClr val="tx1"/>
                 </a:solidFill>
@@ -11482,9 +11625,10 @@
           <a:p>
             <a:pPr algn="ctr"/>
             <a:r>
-              <a:rPr lang="en-US" dirty="0"/>
+              <a:rPr lang="en-US" dirty="0" smtClean="0"/>
               <a:t>HIDDEN SHAPE</a:t>
             </a:r>
+            <a:endParaRPr lang="en-US" dirty="0"/>
           </a:p>
         </p:txBody>
       </p:sp>
@@ -11528,9 +11672,10 @@
           <a:p>
             <a:pPr algn="ctr"/>
             <a:r>
-              <a:rPr lang="en-US" dirty="0"/>
+              <a:rPr lang="en-US" dirty="0" smtClean="0"/>
               <a:t>HIDDEN SHAPE</a:t>
             </a:r>
+            <a:endParaRPr lang="en-US" dirty="0"/>
           </a:p>
         </p:txBody>
       </p:sp>
@@ -11574,16 +11719,17 @@
           <a:p>
             <a:pPr algn="ctr"/>
             <a:r>
-              <a:rPr lang="en-US" dirty="0"/>
+              <a:rPr lang="en-US" dirty="0" smtClean="0"/>
               <a:t>Shape with entry animation</a:t>
             </a:r>
           </a:p>
           <a:p>
             <a:pPr algn="ctr"/>
             <a:r>
-              <a:rPr lang="en-US" dirty="0"/>
+              <a:rPr lang="en-US" dirty="0" smtClean="0"/>
               <a:t>THIS SHAPE SHOULD NOT APPEAR</a:t>
             </a:r>
+            <a:endParaRPr lang="en-US" dirty="0"/>
           </a:p>
         </p:txBody>
       </p:sp>
@@ -11597,13 +11743,13 @@
   <p:clrMapOvr>
     <a:masterClrMapping/>
   </p:clrMapOvr>
-  <mc:AlternateContent xmlns:mc="http://schemas.openxmlformats.org/markup-compatibility/2006" xmlns:p14="http://schemas.microsoft.com/office/powerpoint/2010/main">
-    <mc:Choice Requires="p14">
+  <mc:AlternateContent xmlns:mc="http://schemas.openxmlformats.org/markup-compatibility/2006">
+    <mc:Choice xmlns:p14="http://schemas.microsoft.com/office/powerpoint/2010/main" Requires="p14">
       <p:transition p14:dur="250">
         <p:fade/>
       </p:transition>
     </mc:Choice>
-    <mc:Fallback xmlns="">
+    <mc:Fallback>
       <p:transition>
         <p:fade/>
       </p:transition>
@@ -11965,7 +12111,7 @@
           <a:lstStyle/>
           <a:p>
             <a:r>
-              <a:rPr lang="en-US" dirty="0"/>
+              <a:rPr lang="en-US" dirty="0" smtClean="0"/>
               <a:t>Auto Zoom:: Simple Zoom Out (Step Back)</a:t>
             </a:r>
             <a:endParaRPr lang="en-SG" dirty="0"/>
@@ -11988,8 +12134,16 @@
           <a:lstStyle/>
           <a:p>
             <a:r>
+              <a:rPr lang="en-SG" dirty="0" smtClean="0"/>
+              <a:t>Enable </a:t>
+            </a:r>
+            <a:r>
               <a:rPr lang="en-SG" dirty="0"/>
-              <a:t>Enable slide background in </a:t>
+              <a:t>slide background </a:t>
+            </a:r>
+            <a:r>
+              <a:rPr lang="en-SG" dirty="0" smtClean="0"/>
+              <a:t>in </a:t>
             </a:r>
             <a:r>
               <a:rPr lang="en-SG" dirty="0" err="1"/>
@@ -12015,6 +12169,13 @@
   <p:clrMapOvr>
     <a:masterClrMapping/>
   </p:clrMapOvr>
+  <p:timing>
+    <p:tnLst>
+      <p:par>
+        <p:cTn id="1" dur="indefinite" restart="never" nodeType="tmRoot"/>
+      </p:par>
+    </p:tnLst>
+  </p:timing>
 </p:sld>
 </file>
 
@@ -12086,7 +12247,7 @@
           <a:p>
             <a:pPr algn="ctr"/>
             <a:r>
-              <a:rPr lang="en-SG" dirty="0">
+              <a:rPr lang="en-SG" dirty="0" smtClean="0">
                 <a:solidFill>
                   <a:schemeClr val="bg1"/>
                 </a:solidFill>
@@ -12097,13 +12258,18 @@
           <a:p>
             <a:pPr algn="ctr"/>
             <a:r>
-              <a:rPr lang="en-SG" dirty="0">
+              <a:rPr lang="en-SG" dirty="0" smtClean="0">
                 <a:solidFill>
                   <a:schemeClr val="bg1"/>
                 </a:solidFill>
               </a:rPr>
               <a:t>THIS SHAPE SHOULD NOT APPEAR</a:t>
             </a:r>
+            <a:endParaRPr lang="en-SG" dirty="0">
+              <a:solidFill>
+                <a:schemeClr val="bg1"/>
+              </a:solidFill>
+            </a:endParaRPr>
           </a:p>
         </p:txBody>
       </p:sp>
@@ -12134,14 +12300,14 @@
               <a:buChar char="•"/>
             </a:pPr>
             <a:r>
-              <a:rPr lang="en-US" sz="3600" dirty="0"/>
+              <a:rPr lang="en-US" sz="3600" dirty="0" smtClean="0"/>
               <a:t>Blah </a:t>
             </a:r>
             <a:r>
-              <a:rPr lang="en-US" sz="3600" dirty="0" err="1"/>
+              <a:rPr lang="en-US" sz="3600" dirty="0" err="1" smtClean="0"/>
               <a:t>blah</a:t>
             </a:r>
-            <a:endParaRPr lang="en-US" sz="3600" dirty="0"/>
+            <a:endParaRPr lang="en-US" sz="3600" dirty="0" smtClean="0"/>
           </a:p>
           <a:p>
             <a:pPr marL="571500" indent="-571500">
@@ -12149,14 +12315,14 @@
               <a:buChar char="•"/>
             </a:pPr>
             <a:r>
-              <a:rPr lang="en-US" sz="3600" dirty="0"/>
+              <a:rPr lang="en-US" sz="3600" dirty="0" smtClean="0"/>
               <a:t>Blah </a:t>
             </a:r>
             <a:r>
-              <a:rPr lang="en-US" sz="3600" dirty="0" err="1"/>
+              <a:rPr lang="en-US" sz="3600" dirty="0" err="1" smtClean="0"/>
               <a:t>blah</a:t>
             </a:r>
-            <a:endParaRPr lang="en-US" sz="3600" dirty="0"/>
+            <a:endParaRPr lang="en-US" sz="3600" dirty="0" smtClean="0"/>
           </a:p>
           <a:p>
             <a:pPr marL="571500" indent="-571500">
@@ -12164,11 +12330,11 @@
               <a:buChar char="•"/>
             </a:pPr>
             <a:r>
-              <a:rPr lang="en-US" sz="3600" dirty="0"/>
+              <a:rPr lang="en-US" sz="3600" dirty="0" smtClean="0"/>
               <a:t>Blah </a:t>
             </a:r>
             <a:r>
-              <a:rPr lang="en-US" sz="3600" dirty="0" err="1"/>
+              <a:rPr lang="en-US" sz="3600" dirty="0" err="1" smtClean="0"/>
               <a:t>blah</a:t>
             </a:r>
             <a:endParaRPr lang="en-SG" sz="3600" dirty="0"/>
@@ -12212,7 +12378,7 @@
           <a:p>
             <a:pPr algn="ctr"/>
             <a:r>
-              <a:rPr lang="en-SG" dirty="0">
+              <a:rPr lang="en-SG" dirty="0" smtClean="0">
                 <a:solidFill>
                   <a:schemeClr val="tx1"/>
                 </a:solidFill>
@@ -12262,9 +12428,10 @@
           <a:p>
             <a:pPr algn="ctr"/>
             <a:r>
-              <a:rPr lang="en-US" dirty="0"/>
+              <a:rPr lang="en-US" dirty="0" smtClean="0"/>
               <a:t>HIDDEN SHAPE</a:t>
             </a:r>
+            <a:endParaRPr lang="en-US" dirty="0"/>
           </a:p>
         </p:txBody>
       </p:sp>
@@ -12308,9 +12475,10 @@
           <a:p>
             <a:pPr algn="ctr"/>
             <a:r>
-              <a:rPr lang="en-US" dirty="0"/>
+              <a:rPr lang="en-US" dirty="0" smtClean="0"/>
               <a:t>HIDDEN SHAPE</a:t>
             </a:r>
+            <a:endParaRPr lang="en-US" dirty="0"/>
           </a:p>
         </p:txBody>
       </p:sp>
@@ -12354,13 +12522,18 @@
           <a:p>
             <a:pPr algn="ctr"/>
             <a:r>
-              <a:rPr lang="en-US" dirty="0">
+              <a:rPr lang="en-US" dirty="0" smtClean="0">
                 <a:solidFill>
                   <a:schemeClr val="tx1"/>
                 </a:solidFill>
               </a:rPr>
               <a:t>Shape with entry animation</a:t>
             </a:r>
+            <a:endParaRPr lang="en-US" dirty="0">
+              <a:solidFill>
+                <a:schemeClr val="tx1"/>
+              </a:solidFill>
+            </a:endParaRPr>
           </a:p>
         </p:txBody>
       </p:sp>
@@ -12898,7 +13071,7 @@
           <a:p>
             <a:pPr algn="ctr"/>
             <a:r>
-              <a:rPr lang="en-US" sz="2800"/>
+              <a:rPr lang="en-US" sz="2800" smtClean="0"/>
               <a:t>Step Back</a:t>
             </a:r>
             <a:endParaRPr lang="en-SG" sz="2800" dirty="0"/>
@@ -12945,9 +13118,10 @@
           <a:p>
             <a:pPr algn="ctr"/>
             <a:r>
-              <a:rPr lang="en-US" dirty="0"/>
+              <a:rPr lang="en-US" dirty="0" smtClean="0"/>
               <a:t>HIDDEN SHAPE</a:t>
             </a:r>
+            <a:endParaRPr lang="en-US" dirty="0"/>
           </a:p>
         </p:txBody>
       </p:sp>
@@ -12991,9 +13165,10 @@
           <a:p>
             <a:pPr algn="ctr"/>
             <a:r>
-              <a:rPr lang="en-US" dirty="0"/>
+              <a:rPr lang="en-US" dirty="0" smtClean="0"/>
               <a:t>HIDDEN SHAPE</a:t>
             </a:r>
+            <a:endParaRPr lang="en-US" dirty="0"/>
           </a:p>
         </p:txBody>
       </p:sp>
@@ -13019,6 +13194,13 @@
       </p:transition>
     </mc:Fallback>
   </mc:AlternateContent>
+  <p:timing>
+    <p:tnLst>
+      <p:par>
+        <p:cTn id="1" dur="indefinite" restart="never" nodeType="tmRoot"/>
+      </p:par>
+    </p:tnLst>
+  </p:timing>
 </p:sld>
 </file>
 
@@ -13061,7 +13243,7 @@
           <a:p>
             <a:pPr algn="ctr"/>
             <a:r>
-              <a:rPr lang="en-US" b="1" dirty="0"/>
+              <a:rPr lang="en-US" b="1" dirty="0" smtClean="0"/>
               <a:t>Dummy slide</a:t>
             </a:r>
             <a:endParaRPr lang="en-SG" b="1" dirty="0"/>
@@ -13078,6 +13260,13 @@
   <p:clrMapOvr>
     <a:masterClrMapping/>
   </p:clrMapOvr>
+  <p:timing>
+    <p:tnLst>
+      <p:par>
+        <p:cTn id="1" dur="indefinite" restart="never" nodeType="tmRoot"/>
+      </p:par>
+    </p:tnLst>
+  </p:timing>
 </p:sld>
 </file>
 
@@ -13149,7 +13338,7 @@
           <a:p>
             <a:pPr algn="ctr"/>
             <a:r>
-              <a:rPr lang="en-SG" dirty="0">
+              <a:rPr lang="en-SG" dirty="0" smtClean="0">
                 <a:solidFill>
                   <a:schemeClr val="bg1"/>
                 </a:solidFill>
@@ -13160,13 +13349,18 @@
           <a:p>
             <a:pPr algn="ctr"/>
             <a:r>
-              <a:rPr lang="en-SG" dirty="0">
+              <a:rPr lang="en-SG" dirty="0" smtClean="0">
                 <a:solidFill>
                   <a:schemeClr val="bg1"/>
                 </a:solidFill>
               </a:rPr>
               <a:t>THIS SHAPE SHOULD NOT APPEAR</a:t>
             </a:r>
+            <a:endParaRPr lang="en-SG" dirty="0">
+              <a:solidFill>
+                <a:schemeClr val="bg1"/>
+              </a:solidFill>
+            </a:endParaRPr>
           </a:p>
         </p:txBody>
       </p:sp>
@@ -13197,14 +13391,14 @@
               <a:buChar char="•"/>
             </a:pPr>
             <a:r>
-              <a:rPr lang="en-US" sz="3600" dirty="0"/>
+              <a:rPr lang="en-US" sz="3600" dirty="0" smtClean="0"/>
               <a:t>Blah </a:t>
             </a:r>
             <a:r>
-              <a:rPr lang="en-US" sz="3600" dirty="0" err="1"/>
+              <a:rPr lang="en-US" sz="3600" dirty="0" err="1" smtClean="0"/>
               <a:t>blah</a:t>
             </a:r>
-            <a:endParaRPr lang="en-US" sz="3600" dirty="0"/>
+            <a:endParaRPr lang="en-US" sz="3600" dirty="0" smtClean="0"/>
           </a:p>
           <a:p>
             <a:pPr marL="571500" indent="-571500">
@@ -13212,14 +13406,14 @@
               <a:buChar char="•"/>
             </a:pPr>
             <a:r>
-              <a:rPr lang="en-US" sz="3600" dirty="0"/>
+              <a:rPr lang="en-US" sz="3600" dirty="0" smtClean="0"/>
               <a:t>Blah </a:t>
             </a:r>
             <a:r>
-              <a:rPr lang="en-US" sz="3600" dirty="0" err="1"/>
+              <a:rPr lang="en-US" sz="3600" dirty="0" err="1" smtClean="0"/>
               <a:t>blah</a:t>
             </a:r>
-            <a:endParaRPr lang="en-US" sz="3600" dirty="0"/>
+            <a:endParaRPr lang="en-US" sz="3600" dirty="0" smtClean="0"/>
           </a:p>
           <a:p>
             <a:pPr marL="571500" indent="-571500">
@@ -13227,11 +13421,11 @@
               <a:buChar char="•"/>
             </a:pPr>
             <a:r>
-              <a:rPr lang="en-US" sz="3600" dirty="0"/>
+              <a:rPr lang="en-US" sz="3600" dirty="0" smtClean="0"/>
               <a:t>Blah </a:t>
             </a:r>
             <a:r>
-              <a:rPr lang="en-US" sz="3600" dirty="0" err="1"/>
+              <a:rPr lang="en-US" sz="3600" dirty="0" err="1" smtClean="0"/>
               <a:t>blah</a:t>
             </a:r>
             <a:endParaRPr lang="en-SG" sz="3600" dirty="0"/>
@@ -13275,7 +13469,7 @@
           <a:p>
             <a:pPr algn="ctr"/>
             <a:r>
-              <a:rPr lang="en-SG" dirty="0">
+              <a:rPr lang="en-SG" dirty="0" smtClean="0">
                 <a:solidFill>
                   <a:schemeClr val="tx1"/>
                 </a:solidFill>
@@ -13325,9 +13519,10 @@
           <a:p>
             <a:pPr algn="ctr"/>
             <a:r>
-              <a:rPr lang="en-US" dirty="0"/>
+              <a:rPr lang="en-US" dirty="0" smtClean="0"/>
               <a:t>HIDDEN SHAPE</a:t>
             </a:r>
+            <a:endParaRPr lang="en-US" dirty="0"/>
           </a:p>
         </p:txBody>
       </p:sp>
@@ -13371,9 +13566,10 @@
           <a:p>
             <a:pPr algn="ctr"/>
             <a:r>
-              <a:rPr lang="en-US" dirty="0"/>
+              <a:rPr lang="en-US" dirty="0" smtClean="0"/>
               <a:t>HIDDEN SHAPE</a:t>
             </a:r>
+            <a:endParaRPr lang="en-US" dirty="0"/>
           </a:p>
         </p:txBody>
       </p:sp>
@@ -13417,13 +13613,18 @@
           <a:p>
             <a:pPr algn="ctr"/>
             <a:r>
-              <a:rPr lang="en-US" dirty="0">
+              <a:rPr lang="en-US" dirty="0" smtClean="0">
                 <a:solidFill>
                   <a:schemeClr val="tx1"/>
                 </a:solidFill>
               </a:rPr>
               <a:t>Shape with entry animation</a:t>
             </a:r>
+            <a:endParaRPr lang="en-US" dirty="0">
+              <a:solidFill>
+                <a:schemeClr val="tx1"/>
+              </a:solidFill>
+            </a:endParaRPr>
           </a:p>
         </p:txBody>
       </p:sp>
@@ -13823,7 +14024,7 @@
           <a:p>
             <a:pPr algn="l"/>
             <a:r>
-              <a:rPr lang="en-US" sz="7200" dirty="0">
+              <a:rPr lang="en-US" sz="7200" dirty="0" smtClean="0">
                 <a:solidFill>
                   <a:schemeClr val="bg1"/>
                 </a:solidFill>
@@ -13861,7 +14062,7 @@
           <a:lstStyle/>
           <a:p>
             <a:r>
-              <a:rPr lang="en-US" sz="2400" b="1" dirty="0">
+              <a:rPr lang="en-US" sz="2400" b="1" dirty="0" smtClean="0">
                 <a:solidFill>
                   <a:schemeClr val="bg1"/>
                 </a:solidFill>
@@ -13875,7 +14076,7 @@
               <a:buChar char="•"/>
             </a:pPr>
             <a:r>
-              <a:rPr lang="en-US" sz="2400" dirty="0">
+              <a:rPr lang="en-US" sz="2400" dirty="0" smtClean="0">
                 <a:solidFill>
                   <a:schemeClr val="bg1"/>
                 </a:solidFill>
@@ -13883,7 +14084,7 @@
               <a:t>Select the </a:t>
             </a:r>
             <a:r>
-              <a:rPr lang="en-US" sz="2400" b="1" dirty="0">
+              <a:rPr lang="en-US" sz="2400" b="1" dirty="0" smtClean="0">
                 <a:solidFill>
                   <a:schemeClr val="bg1"/>
                 </a:solidFill>
@@ -13891,7 +14092,7 @@
               <a:t>BLUE</a:t>
             </a:r>
             <a:r>
-              <a:rPr lang="en-US" sz="2400" dirty="0">
+              <a:rPr lang="en-US" sz="2400" dirty="0" smtClean="0">
                 <a:solidFill>
                   <a:schemeClr val="bg1"/>
                 </a:solidFill>
@@ -13899,7 +14100,7 @@
               <a:t> color </a:t>
             </a:r>
             <a:r>
-              <a:rPr lang="en-US" sz="2400" b="1" dirty="0">
+              <a:rPr lang="en-US" sz="2400" b="1" dirty="0" smtClean="0">
                 <a:solidFill>
                   <a:schemeClr val="bg1"/>
                 </a:solidFill>
@@ -13907,7 +14108,7 @@
               <a:t>Rectangle</a:t>
             </a:r>
             <a:r>
-              <a:rPr lang="en-US" sz="2400" dirty="0">
+              <a:rPr lang="en-US" sz="2400" dirty="0" smtClean="0">
                 <a:solidFill>
                   <a:schemeClr val="bg1"/>
                 </a:solidFill>
@@ -13921,7 +14122,7 @@
               <a:buChar char="•"/>
             </a:pPr>
             <a:r>
-              <a:rPr lang="en-US" sz="2400" dirty="0">
+              <a:rPr lang="en-US" sz="2400" dirty="0" smtClean="0">
                 <a:solidFill>
                   <a:schemeClr val="bg1"/>
                 </a:solidFill>
@@ -13929,7 +14130,7 @@
               <a:t>Click </a:t>
             </a:r>
             <a:r>
-              <a:rPr lang="en-US" sz="2400" b="1" dirty="0">
+              <a:rPr lang="en-US" sz="2400" b="1" dirty="0" smtClean="0">
                 <a:solidFill>
                   <a:schemeClr val="bg1"/>
                 </a:solidFill>
@@ -13937,7 +14138,7 @@
               <a:t>“Drill Down” or “Step Back”</a:t>
             </a:r>
             <a:r>
-              <a:rPr lang="en-US" sz="2400" dirty="0">
+              <a:rPr lang="en-US" sz="2400" dirty="0" smtClean="0">
                 <a:solidFill>
                   <a:schemeClr val="bg1"/>
                 </a:solidFill>
@@ -13951,7 +14152,7 @@
               <a:buChar char="•"/>
             </a:pPr>
             <a:r>
-              <a:rPr lang="en-US" sz="2400" dirty="0">
+              <a:rPr lang="en-US" sz="2400" dirty="0" smtClean="0">
                 <a:solidFill>
                   <a:schemeClr val="bg1"/>
                 </a:solidFill>
@@ -13979,13 +14180,18 @@
               <a:buChar char="•"/>
             </a:pPr>
             <a:r>
-              <a:rPr lang="en-SG" sz="2400" dirty="0">
+              <a:rPr lang="en-SG" sz="2400" dirty="0" smtClean="0">
                 <a:solidFill>
                   <a:schemeClr val="bg1"/>
                 </a:solidFill>
               </a:rPr>
               <a:t>Include Slide Background</a:t>
             </a:r>
+            <a:endParaRPr lang="en-SG" sz="2400" dirty="0">
+              <a:solidFill>
+                <a:schemeClr val="bg1"/>
+              </a:solidFill>
+            </a:endParaRPr>
           </a:p>
           <a:p>
             <a:pPr marL="742950" lvl="1" indent="-285750">
@@ -13993,13 +14199,18 @@
               <a:buChar char="•"/>
             </a:pPr>
             <a:r>
-              <a:rPr lang="en-SG" sz="2400" dirty="0">
+              <a:rPr lang="en-SG" sz="2400" dirty="0" smtClean="0">
                 <a:solidFill>
                   <a:schemeClr val="bg1"/>
                 </a:solidFill>
               </a:rPr>
               <a:t>Put All Zoom Effects on Separate Slides</a:t>
             </a:r>
+            <a:endParaRPr lang="en-SG" sz="2400" dirty="0">
+              <a:solidFill>
+                <a:schemeClr val="bg1"/>
+              </a:solidFill>
+            </a:endParaRPr>
           </a:p>
           <a:p>
             <a:pPr marL="285750" indent="-285750">
@@ -14024,6 +14235,13 @@
   <p:clrMapOvr>
     <a:masterClrMapping/>
   </p:clrMapOvr>
+  <p:timing>
+    <p:tnLst>
+      <p:par>
+        <p:cTn id="1" dur="indefinite" restart="never" nodeType="tmRoot"/>
+      </p:par>
+    </p:tnLst>
+  </p:timing>
 </p:sld>
 </file>
 
@@ -14276,11 +14494,11 @@
   <p:clrMapOvr>
     <a:masterClrMapping/>
   </p:clrMapOvr>
-  <mc:AlternateContent xmlns:mc="http://schemas.openxmlformats.org/markup-compatibility/2006" xmlns:p14="http://schemas.microsoft.com/office/powerpoint/2010/main">
-    <mc:Choice Requires="p14">
+  <mc:AlternateContent xmlns:mc="http://schemas.openxmlformats.org/markup-compatibility/2006">
+    <mc:Choice xmlns:p14="http://schemas.microsoft.com/office/powerpoint/2010/main" Requires="p14">
       <p:transition spd="slow" p14:dur="1500" advClick="0" advTm="0"/>
     </mc:Choice>
-    <mc:Fallback xmlns="">
+    <mc:Fallback>
       <p:transition spd="slow" advClick="0" advTm="0"/>
     </mc:Fallback>
   </mc:AlternateContent>
@@ -14776,9 +14994,10 @@
           <a:p>
             <a:pPr algn="ctr"/>
             <a:r>
-              <a:rPr lang="en-US" dirty="0"/>
+              <a:rPr lang="en-US" dirty="0" smtClean="0"/>
               <a:t>HIDDEN SHAPE</a:t>
             </a:r>
+            <a:endParaRPr lang="en-US" dirty="0"/>
           </a:p>
         </p:txBody>
       </p:sp>
@@ -14822,9 +15041,10 @@
           <a:p>
             <a:pPr algn="ctr"/>
             <a:r>
-              <a:rPr lang="en-US" dirty="0"/>
+              <a:rPr lang="en-US" dirty="0" smtClean="0"/>
               <a:t>HIDDEN SHAPE</a:t>
             </a:r>
+            <a:endParaRPr lang="en-US" dirty="0"/>
           </a:p>
         </p:txBody>
       </p:sp>
@@ -14898,18 +15118,25 @@
   <p:clrMapOvr>
     <a:masterClrMapping/>
   </p:clrMapOvr>
-  <mc:AlternateContent xmlns:mc="http://schemas.openxmlformats.org/markup-compatibility/2006" xmlns:p14="http://schemas.microsoft.com/office/powerpoint/2010/main">
-    <mc:Choice Requires="p14">
+  <mc:AlternateContent xmlns:mc="http://schemas.openxmlformats.org/markup-compatibility/2006">
+    <mc:Choice xmlns:p14="http://schemas.microsoft.com/office/powerpoint/2010/main" Requires="p14">
       <p:transition p14:dur="250">
         <p:fade/>
       </p:transition>
     </mc:Choice>
-    <mc:Fallback xmlns="">
+    <mc:Fallback>
       <p:transition>
         <p:fade/>
       </p:transition>
     </mc:Fallback>
   </mc:AlternateContent>
+  <p:timing>
+    <p:tnLst>
+      <p:par>
+        <p:cTn id="1" dur="indefinite" restart="never" nodeType="tmRoot"/>
+      </p:par>
+    </p:tnLst>
+  </p:timing>
 </p:sld>
 </file>
 
@@ -14946,7 +15173,7 @@
           <a:lstStyle/>
           <a:p>
             <a:r>
-              <a:rPr lang="en-US" dirty="0"/>
+              <a:rPr lang="en-US" dirty="0" smtClean="0"/>
               <a:t>Auto Zoom:: Simple Zoom Out (Step Back)</a:t>
             </a:r>
             <a:endParaRPr lang="en-SG" dirty="0"/>
@@ -14973,13 +15200,14 @@
               <a:t>Disable slide background in </a:t>
             </a:r>
             <a:r>
-              <a:rPr lang="en-SG" dirty="0" err="1"/>
+              <a:rPr lang="en-SG" dirty="0" err="1" smtClean="0"/>
               <a:t>AutoZoom</a:t>
             </a:r>
             <a:r>
-              <a:rPr lang="en-SG" dirty="0"/>
+              <a:rPr lang="en-SG" dirty="0" smtClean="0"/>
               <a:t> settings</a:t>
             </a:r>
+            <a:endParaRPr lang="en-SG" dirty="0"/>
           </a:p>
         </p:txBody>
       </p:sp>
@@ -14993,6 +15221,13 @@
   <p:clrMapOvr>
     <a:masterClrMapping/>
   </p:clrMapOvr>
+  <p:timing>
+    <p:tnLst>
+      <p:par>
+        <p:cTn id="1" dur="indefinite" restart="never" nodeType="tmRoot"/>
+      </p:par>
+    </p:tnLst>
+  </p:timing>
 </p:sld>
 </file>
 
@@ -15064,7 +15299,7 @@
           <a:p>
             <a:pPr algn="ctr"/>
             <a:r>
-              <a:rPr lang="en-SG" dirty="0">
+              <a:rPr lang="en-SG" dirty="0" smtClean="0">
                 <a:solidFill>
                   <a:schemeClr val="bg1"/>
                 </a:solidFill>
@@ -15075,13 +15310,18 @@
           <a:p>
             <a:pPr algn="ctr"/>
             <a:r>
-              <a:rPr lang="en-SG" dirty="0">
+              <a:rPr lang="en-SG" dirty="0" smtClean="0">
                 <a:solidFill>
                   <a:schemeClr val="bg1"/>
                 </a:solidFill>
               </a:rPr>
               <a:t>THIS SHAPE SHOULD NOT APPEAR</a:t>
             </a:r>
+            <a:endParaRPr lang="en-SG" dirty="0">
+              <a:solidFill>
+                <a:schemeClr val="bg1"/>
+              </a:solidFill>
+            </a:endParaRPr>
           </a:p>
         </p:txBody>
       </p:sp>
@@ -15112,14 +15352,14 @@
               <a:buChar char="•"/>
             </a:pPr>
             <a:r>
-              <a:rPr lang="en-US" sz="3600" dirty="0"/>
+              <a:rPr lang="en-US" sz="3600" dirty="0" smtClean="0"/>
               <a:t>Blah </a:t>
             </a:r>
             <a:r>
-              <a:rPr lang="en-US" sz="3600" dirty="0" err="1"/>
+              <a:rPr lang="en-US" sz="3600" dirty="0" err="1" smtClean="0"/>
               <a:t>blah</a:t>
             </a:r>
-            <a:endParaRPr lang="en-US" sz="3600" dirty="0"/>
+            <a:endParaRPr lang="en-US" sz="3600" dirty="0" smtClean="0"/>
           </a:p>
           <a:p>
             <a:pPr marL="571500" indent="-571500">
@@ -15127,14 +15367,14 @@
               <a:buChar char="•"/>
             </a:pPr>
             <a:r>
-              <a:rPr lang="en-US" sz="3600" dirty="0"/>
+              <a:rPr lang="en-US" sz="3600" dirty="0" smtClean="0"/>
               <a:t>Blah </a:t>
             </a:r>
             <a:r>
-              <a:rPr lang="en-US" sz="3600" dirty="0" err="1"/>
+              <a:rPr lang="en-US" sz="3600" dirty="0" err="1" smtClean="0"/>
               <a:t>blah</a:t>
             </a:r>
-            <a:endParaRPr lang="en-US" sz="3600" dirty="0"/>
+            <a:endParaRPr lang="en-US" sz="3600" dirty="0" smtClean="0"/>
           </a:p>
           <a:p>
             <a:pPr marL="571500" indent="-571500">
@@ -15142,11 +15382,11 @@
               <a:buChar char="•"/>
             </a:pPr>
             <a:r>
-              <a:rPr lang="en-US" sz="3600" dirty="0"/>
+              <a:rPr lang="en-US" sz="3600" dirty="0" smtClean="0"/>
               <a:t>Blah </a:t>
             </a:r>
             <a:r>
-              <a:rPr lang="en-US" sz="3600" dirty="0" err="1"/>
+              <a:rPr lang="en-US" sz="3600" dirty="0" err="1" smtClean="0"/>
               <a:t>blah</a:t>
             </a:r>
             <a:endParaRPr lang="en-SG" sz="3600" dirty="0"/>
@@ -15190,7 +15430,7 @@
           <a:p>
             <a:pPr algn="ctr"/>
             <a:r>
-              <a:rPr lang="en-SG" dirty="0">
+              <a:rPr lang="en-SG" dirty="0" smtClean="0">
                 <a:solidFill>
                   <a:schemeClr val="tx1"/>
                 </a:solidFill>
@@ -15240,9 +15480,10 @@
           <a:p>
             <a:pPr algn="ctr"/>
             <a:r>
-              <a:rPr lang="en-US" dirty="0"/>
+              <a:rPr lang="en-US" dirty="0" smtClean="0"/>
               <a:t>HIDDEN SHAPE</a:t>
             </a:r>
+            <a:endParaRPr lang="en-US" dirty="0"/>
           </a:p>
         </p:txBody>
       </p:sp>
@@ -15286,9 +15527,10 @@
           <a:p>
             <a:pPr algn="ctr"/>
             <a:r>
-              <a:rPr lang="en-US" dirty="0"/>
+              <a:rPr lang="en-US" dirty="0" smtClean="0"/>
               <a:t>HIDDEN SHAPE</a:t>
             </a:r>
+            <a:endParaRPr lang="en-US" dirty="0"/>
           </a:p>
         </p:txBody>
       </p:sp>
@@ -15332,13 +15574,18 @@
           <a:p>
             <a:pPr algn="ctr"/>
             <a:r>
-              <a:rPr lang="en-US" dirty="0">
+              <a:rPr lang="en-US" dirty="0" smtClean="0">
                 <a:solidFill>
                   <a:schemeClr val="tx1"/>
                 </a:solidFill>
               </a:rPr>
               <a:t>Shape with entry animation</a:t>
             </a:r>
+            <a:endParaRPr lang="en-US" dirty="0">
+              <a:solidFill>
+                <a:schemeClr val="tx1"/>
+              </a:solidFill>
+            </a:endParaRPr>
           </a:p>
         </p:txBody>
       </p:sp>
@@ -15876,7 +16123,7 @@
           <a:p>
             <a:pPr algn="ctr"/>
             <a:r>
-              <a:rPr lang="en-US" sz="2800"/>
+              <a:rPr lang="en-US" sz="2800" smtClean="0"/>
               <a:t>Step Back</a:t>
             </a:r>
             <a:endParaRPr lang="en-SG" sz="2800" dirty="0"/>
@@ -15923,9 +16170,10 @@
           <a:p>
             <a:pPr algn="ctr"/>
             <a:r>
-              <a:rPr lang="en-US" dirty="0"/>
+              <a:rPr lang="en-US" dirty="0" smtClean="0"/>
               <a:t>HIDDEN SHAPE</a:t>
             </a:r>
+            <a:endParaRPr lang="en-US" dirty="0"/>
           </a:p>
         </p:txBody>
       </p:sp>
@@ -15969,9 +16217,10 @@
           <a:p>
             <a:pPr algn="ctr"/>
             <a:r>
-              <a:rPr lang="en-US" dirty="0"/>
+              <a:rPr lang="en-US" dirty="0" smtClean="0"/>
               <a:t>HIDDEN SHAPE</a:t>
             </a:r>
+            <a:endParaRPr lang="en-US" dirty="0"/>
           </a:p>
         </p:txBody>
       </p:sp>
@@ -15997,6 +16246,13 @@
       </p:transition>
     </mc:Fallback>
   </mc:AlternateContent>
+  <p:timing>
+    <p:tnLst>
+      <p:par>
+        <p:cTn id="1" dur="indefinite" restart="never" nodeType="tmRoot"/>
+      </p:par>
+    </p:tnLst>
+  </p:timing>
 </p:sld>
 </file>
 
@@ -16039,7 +16295,7 @@
           <a:p>
             <a:pPr algn="ctr"/>
             <a:r>
-              <a:rPr lang="en-US" b="1" dirty="0"/>
+              <a:rPr lang="en-US" b="1" dirty="0" smtClean="0"/>
               <a:t>Dummy slide</a:t>
             </a:r>
             <a:endParaRPr lang="en-SG" b="1" dirty="0"/>
@@ -16056,6 +16312,13 @@
   <p:clrMapOvr>
     <a:masterClrMapping/>
   </p:clrMapOvr>
+  <p:timing>
+    <p:tnLst>
+      <p:par>
+        <p:cTn id="1" dur="indefinite" restart="never" nodeType="tmRoot"/>
+      </p:par>
+    </p:tnLst>
+  </p:timing>
 </p:sld>
 </file>
 
@@ -16127,7 +16390,7 @@
           <a:p>
             <a:pPr algn="ctr"/>
             <a:r>
-              <a:rPr lang="en-SG" dirty="0">
+              <a:rPr lang="en-SG" dirty="0" smtClean="0">
                 <a:solidFill>
                   <a:schemeClr val="bg1"/>
                 </a:solidFill>
@@ -16138,13 +16401,18 @@
           <a:p>
             <a:pPr algn="ctr"/>
             <a:r>
-              <a:rPr lang="en-SG" dirty="0">
+              <a:rPr lang="en-SG" dirty="0" smtClean="0">
                 <a:solidFill>
                   <a:schemeClr val="bg1"/>
                 </a:solidFill>
               </a:rPr>
               <a:t>THIS SHAPE SHOULD NOT APPEAR</a:t>
             </a:r>
+            <a:endParaRPr lang="en-SG" dirty="0">
+              <a:solidFill>
+                <a:schemeClr val="bg1"/>
+              </a:solidFill>
+            </a:endParaRPr>
           </a:p>
         </p:txBody>
       </p:sp>
@@ -16175,14 +16443,14 @@
               <a:buChar char="•"/>
             </a:pPr>
             <a:r>
-              <a:rPr lang="en-US" sz="3600" dirty="0"/>
+              <a:rPr lang="en-US" sz="3600" dirty="0" smtClean="0"/>
               <a:t>Blah </a:t>
             </a:r>
             <a:r>
-              <a:rPr lang="en-US" sz="3600" dirty="0" err="1"/>
+              <a:rPr lang="en-US" sz="3600" dirty="0" err="1" smtClean="0"/>
               <a:t>blah</a:t>
             </a:r>
-            <a:endParaRPr lang="en-US" sz="3600" dirty="0"/>
+            <a:endParaRPr lang="en-US" sz="3600" dirty="0" smtClean="0"/>
           </a:p>
           <a:p>
             <a:pPr marL="571500" indent="-571500">
@@ -16190,14 +16458,14 @@
               <a:buChar char="•"/>
             </a:pPr>
             <a:r>
-              <a:rPr lang="en-US" sz="3600" dirty="0"/>
+              <a:rPr lang="en-US" sz="3600" dirty="0" smtClean="0"/>
               <a:t>Blah </a:t>
             </a:r>
             <a:r>
-              <a:rPr lang="en-US" sz="3600" dirty="0" err="1"/>
+              <a:rPr lang="en-US" sz="3600" dirty="0" err="1" smtClean="0"/>
               <a:t>blah</a:t>
             </a:r>
-            <a:endParaRPr lang="en-US" sz="3600" dirty="0"/>
+            <a:endParaRPr lang="en-US" sz="3600" dirty="0" smtClean="0"/>
           </a:p>
           <a:p>
             <a:pPr marL="571500" indent="-571500">
@@ -16205,11 +16473,11 @@
               <a:buChar char="•"/>
             </a:pPr>
             <a:r>
-              <a:rPr lang="en-US" sz="3600" dirty="0"/>
+              <a:rPr lang="en-US" sz="3600" dirty="0" smtClean="0"/>
               <a:t>Blah </a:t>
             </a:r>
             <a:r>
-              <a:rPr lang="en-US" sz="3600" dirty="0" err="1"/>
+              <a:rPr lang="en-US" sz="3600" dirty="0" err="1" smtClean="0"/>
               <a:t>blah</a:t>
             </a:r>
             <a:endParaRPr lang="en-SG" sz="3600" dirty="0"/>
@@ -16253,7 +16521,7 @@
           <a:p>
             <a:pPr algn="ctr"/>
             <a:r>
-              <a:rPr lang="en-SG" dirty="0">
+              <a:rPr lang="en-SG" dirty="0" smtClean="0">
                 <a:solidFill>
                   <a:schemeClr val="tx1"/>
                 </a:solidFill>
@@ -16303,9 +16571,10 @@
           <a:p>
             <a:pPr algn="ctr"/>
             <a:r>
-              <a:rPr lang="en-US" dirty="0"/>
+              <a:rPr lang="en-US" dirty="0" smtClean="0"/>
               <a:t>HIDDEN SHAPE</a:t>
             </a:r>
+            <a:endParaRPr lang="en-US" dirty="0"/>
           </a:p>
         </p:txBody>
       </p:sp>
@@ -16349,9 +16618,10 @@
           <a:p>
             <a:pPr algn="ctr"/>
             <a:r>
-              <a:rPr lang="en-US" dirty="0"/>
+              <a:rPr lang="en-US" dirty="0" smtClean="0"/>
               <a:t>HIDDEN SHAPE</a:t>
             </a:r>
+            <a:endParaRPr lang="en-US" dirty="0"/>
           </a:p>
         </p:txBody>
       </p:sp>
@@ -16395,13 +16665,18 @@
           <a:p>
             <a:pPr algn="ctr"/>
             <a:r>
-              <a:rPr lang="en-US" dirty="0">
+              <a:rPr lang="en-US" dirty="0" smtClean="0">
                 <a:solidFill>
                   <a:schemeClr val="tx1"/>
                 </a:solidFill>
               </a:rPr>
               <a:t>Shape with entry animation</a:t>
             </a:r>
+            <a:endParaRPr lang="en-US" dirty="0">
+              <a:solidFill>
+                <a:schemeClr val="tx1"/>
+              </a:solidFill>
+            </a:endParaRPr>
           </a:p>
         </p:txBody>
       </p:sp>
@@ -16875,11 +17150,11 @@
   <p:clrMapOvr>
     <a:masterClrMapping/>
   </p:clrMapOvr>
-  <mc:AlternateContent xmlns:mc="http://schemas.openxmlformats.org/markup-compatibility/2006" xmlns:p14="http://schemas.microsoft.com/office/powerpoint/2010/main">
-    <mc:Choice Requires="p14">
+  <mc:AlternateContent xmlns:mc="http://schemas.openxmlformats.org/markup-compatibility/2006">
+    <mc:Choice xmlns:p14="http://schemas.microsoft.com/office/powerpoint/2010/main" Requires="p14">
       <p:transition spd="slow" p14:dur="1500" advClick="0" advTm="0"/>
     </mc:Choice>
-    <mc:Fallback xmlns="">
+    <mc:Fallback>
       <p:transition spd="slow" advClick="0" advTm="0"/>
     </mc:Fallback>
   </mc:AlternateContent>
@@ -17262,9 +17537,10 @@
           <a:p>
             <a:pPr algn="ctr"/>
             <a:r>
-              <a:rPr lang="en-US" dirty="0"/>
+              <a:rPr lang="en-US" dirty="0" smtClean="0"/>
               <a:t>HIDDEN SHAPE</a:t>
             </a:r>
+            <a:endParaRPr lang="en-US" dirty="0"/>
           </a:p>
         </p:txBody>
       </p:sp>
@@ -17308,9 +17584,10 @@
           <a:p>
             <a:pPr algn="ctr"/>
             <a:r>
-              <a:rPr lang="en-US" dirty="0"/>
+              <a:rPr lang="en-US" dirty="0" smtClean="0"/>
               <a:t>HIDDEN SHAPE</a:t>
             </a:r>
+            <a:endParaRPr lang="en-US" dirty="0"/>
           </a:p>
         </p:txBody>
       </p:sp>
@@ -17384,18 +17661,25 @@
   <p:clrMapOvr>
     <a:masterClrMapping/>
   </p:clrMapOvr>
-  <mc:AlternateContent xmlns:mc="http://schemas.openxmlformats.org/markup-compatibility/2006" xmlns:p14="http://schemas.microsoft.com/office/powerpoint/2010/main">
-    <mc:Choice Requires="p14">
+  <mc:AlternateContent xmlns:mc="http://schemas.openxmlformats.org/markup-compatibility/2006">
+    <mc:Choice xmlns:p14="http://schemas.microsoft.com/office/powerpoint/2010/main" Requires="p14">
       <p:transition p14:dur="250">
         <p:fade/>
       </p:transition>
     </mc:Choice>
-    <mc:Fallback xmlns="">
+    <mc:Fallback>
       <p:transition>
         <p:fade/>
       </p:transition>
     </mc:Fallback>
   </mc:AlternateContent>
+  <p:timing>
+    <p:tnLst>
+      <p:par>
+        <p:cTn id="1" dur="indefinite" restart="never" nodeType="tmRoot"/>
+      </p:par>
+    </p:tnLst>
+  </p:timing>
 </p:sld>
 </file>
 
@@ -17432,11 +17716,11 @@
           <a:lstStyle/>
           <a:p>
             <a:r>
-              <a:rPr lang="en-US" dirty="0"/>
+              <a:rPr lang="en-US" dirty="0" smtClean="0"/>
               <a:t>Auto Zoom:: </a:t>
             </a:r>
             <a:r>
-              <a:rPr lang="en-US" dirty="0" err="1"/>
+              <a:rPr lang="en-US" dirty="0" err="1" smtClean="0"/>
               <a:t>Errrors</a:t>
             </a:r>
             <a:endParaRPr lang="en-SG" dirty="0"/>
@@ -17459,15 +17743,16 @@
           <a:lstStyle/>
           <a:p>
             <a:r>
-              <a:rPr lang="en-SG" dirty="0"/>
+              <a:rPr lang="en-SG" dirty="0" smtClean="0"/>
               <a:t>1) Move slide 16 to the end of the presentation. Attempt to Drill down. This should cause an error.</a:t>
             </a:r>
           </a:p>
           <a:p>
             <a:r>
-              <a:rPr lang="en-SG" dirty="0"/>
+              <a:rPr lang="en-SG" dirty="0" smtClean="0"/>
               <a:t>2) Move the slide to the start of the presentation. Attempt to Step back. This should also cause an error.</a:t>
             </a:r>
+            <a:endParaRPr lang="en-SG" dirty="0"/>
           </a:p>
         </p:txBody>
       </p:sp>
@@ -17481,6 +17766,13 @@
   <p:clrMapOvr>
     <a:masterClrMapping/>
   </p:clrMapOvr>
+  <p:timing>
+    <p:tnLst>
+      <p:par>
+        <p:cTn id="1" dur="indefinite" restart="never" nodeType="tmRoot"/>
+      </p:par>
+    </p:tnLst>
+  </p:timing>
 </p:sld>
 </file>
 
@@ -17517,7 +17809,7 @@
           <a:lstStyle/>
           <a:p>
             <a:r>
-              <a:rPr lang="en-US" dirty="0"/>
+              <a:rPr lang="en-US" dirty="0" smtClean="0"/>
               <a:t>Auto Zoom:: Simple Zoom In (Drill Down)</a:t>
             </a:r>
             <a:endParaRPr lang="en-SG" dirty="0"/>
@@ -17540,8 +17832,16 @@
           <a:lstStyle/>
           <a:p>
             <a:r>
+              <a:rPr lang="en-SG" dirty="0" smtClean="0"/>
+              <a:t>Enable </a:t>
+            </a:r>
+            <a:r>
               <a:rPr lang="en-SG" dirty="0"/>
-              <a:t>Enable slide background in </a:t>
+              <a:t>slide background </a:t>
+            </a:r>
+            <a:r>
+              <a:rPr lang="en-SG" dirty="0" smtClean="0"/>
+              <a:t>in </a:t>
             </a:r>
             <a:r>
               <a:rPr lang="en-SG" dirty="0" err="1"/>
@@ -17567,6 +17867,13 @@
   <p:clrMapOvr>
     <a:masterClrMapping/>
   </p:clrMapOvr>
+  <p:timing>
+    <p:tnLst>
+      <p:par>
+        <p:cTn id="1" dur="indefinite" restart="never" nodeType="tmRoot"/>
+      </p:par>
+    </p:tnLst>
+  </p:timing>
 </p:sld>
 </file>
 
@@ -17759,7 +18066,7 @@
           <a:p>
             <a:pPr algn="ctr"/>
             <a:r>
-              <a:rPr lang="en-US" sz="2800" dirty="0"/>
+              <a:rPr lang="en-US" sz="2800" dirty="0" smtClean="0"/>
               <a:t>Zoom Shape</a:t>
             </a:r>
           </a:p>
@@ -17805,9 +18112,10 @@
           <a:p>
             <a:pPr algn="ctr"/>
             <a:r>
-              <a:rPr lang="en-US" dirty="0"/>
+              <a:rPr lang="en-US" dirty="0" smtClean="0"/>
               <a:t>HIDDEN SHAPE</a:t>
             </a:r>
+            <a:endParaRPr lang="en-US" dirty="0"/>
           </a:p>
         </p:txBody>
       </p:sp>
@@ -17851,9 +18159,10 @@
           <a:p>
             <a:pPr algn="ctr"/>
             <a:r>
-              <a:rPr lang="en-US" dirty="0"/>
+              <a:rPr lang="en-US" dirty="0" smtClean="0"/>
               <a:t>HIDDEN SHAPE</a:t>
             </a:r>
+            <a:endParaRPr lang="en-US" dirty="0"/>
           </a:p>
         </p:txBody>
       </p:sp>
@@ -17879,984 +18188,17 @@
       </p:transition>
     </mc:Fallback>
   </mc:AlternateContent>
+  <p:timing>
+    <p:tnLst>
+      <p:par>
+        <p:cTn id="1" dur="indefinite" restart="never" nodeType="tmRoot"/>
+      </p:par>
+    </p:tnLst>
+  </p:timing>
 </p:sld>
 </file>
 
 <file path=ppt/slides/slide31.xml><?xml version="1.0" encoding="utf-8"?>
-<p:sld xmlns:a="http://schemas.openxmlformats.org/drawingml/2006/main" xmlns:r="http://schemas.openxmlformats.org/officeDocument/2006/relationships" xmlns:p="http://schemas.openxmlformats.org/presentationml/2006/main">
-  <p:cSld>
-    <p:spTree>
-      <p:nvGrpSpPr>
-        <p:cNvPr id="1" name=""/>
-        <p:cNvGrpSpPr/>
-        <p:nvPr/>
-      </p:nvGrpSpPr>
-      <p:grpSpPr>
-        <a:xfrm>
-          <a:off x="0" y="0"/>
-          <a:ext cx="0" cy="0"/>
-          <a:chOff x="0" y="0"/>
-          <a:chExt cx="0" cy="0"/>
-        </a:xfrm>
-      </p:grpSpPr>
-      <p:sp>
-        <p:nvSpPr>
-          <p:cNvPr id="2" name="Title 1">
-            <a:extLst>
-              <a:ext uri="{FF2B5EF4-FFF2-40B4-BE49-F238E27FC236}">
-                <a16:creationId xmlns:a16="http://schemas.microsoft.com/office/drawing/2014/main" id="{649DF911-B85D-4EBF-A479-24FC604FE6FF}"/>
-              </a:ext>
-            </a:extLst>
-          </p:cNvPr>
-          <p:cNvSpPr>
-            <a:spLocks noGrp="1"/>
-          </p:cNvSpPr>
-          <p:nvPr>
-            <p:ph type="title"/>
-          </p:nvPr>
-        </p:nvSpPr>
-        <p:spPr/>
-        <p:txBody>
-          <a:bodyPr/>
-          <a:lstStyle/>
-          <a:p>
-            <a:r>
-              <a:rPr lang="en-SG" dirty="0"/>
-              <a:t>This is a slide title that floats in</a:t>
-            </a:r>
-          </a:p>
-        </p:txBody>
-      </p:sp>
-      <p:sp>
-        <p:nvSpPr>
-          <p:cNvPr id="3" name="Content Placeholder 2">
-            <a:extLst>
-              <a:ext uri="{FF2B5EF4-FFF2-40B4-BE49-F238E27FC236}">
-                <a16:creationId xmlns:a16="http://schemas.microsoft.com/office/drawing/2014/main" id="{CA5D83AC-D692-47B0-865E-F89905084074}"/>
-              </a:ext>
-            </a:extLst>
-          </p:cNvPr>
-          <p:cNvSpPr>
-            <a:spLocks noGrp="1"/>
-          </p:cNvSpPr>
-          <p:nvPr>
-            <p:ph idx="1"/>
-          </p:nvPr>
-        </p:nvSpPr>
-        <p:spPr/>
-        <p:txBody>
-          <a:bodyPr/>
-          <a:lstStyle/>
-          <a:p>
-            <a:r>
-              <a:rPr lang="en-SG" dirty="0"/>
-              <a:t>This is a point that appears</a:t>
-            </a:r>
-          </a:p>
-        </p:txBody>
-      </p:sp>
-      <p:sp>
-        <p:nvSpPr>
-          <p:cNvPr id="4" name="Rectangle 3">
-            <a:extLst>
-              <a:ext uri="{FF2B5EF4-FFF2-40B4-BE49-F238E27FC236}">
-                <a16:creationId xmlns:a16="http://schemas.microsoft.com/office/drawing/2014/main" id="{57D2545B-1DCF-40D2-AB7C-35FCBC5FC7BC}"/>
-              </a:ext>
-            </a:extLst>
-          </p:cNvPr>
-          <p:cNvSpPr/>
-          <p:nvPr/>
-        </p:nvSpPr>
-        <p:spPr>
-          <a:xfrm>
-            <a:off x="1676400" y="2971800"/>
-            <a:ext cx="2514600" cy="1447800"/>
-          </a:xfrm>
-          <a:prstGeom prst="rect">
-            <a:avLst/>
-          </a:prstGeom>
-        </p:spPr>
-        <p:style>
-          <a:lnRef idx="2">
-            <a:schemeClr val="accent1">
-              <a:shade val="50000"/>
-            </a:schemeClr>
-          </a:lnRef>
-          <a:fillRef idx="1">
-            <a:schemeClr val="accent1"/>
-          </a:fillRef>
-          <a:effectRef idx="0">
-            <a:schemeClr val="accent1"/>
-          </a:effectRef>
-          <a:fontRef idx="minor">
-            <a:schemeClr val="lt1"/>
-          </a:fontRef>
-        </p:style>
-        <p:txBody>
-          <a:bodyPr rtlCol="0" anchor="ctr"/>
-          <a:lstStyle/>
-          <a:p>
-            <a:pPr algn="ctr"/>
-            <a:r>
-              <a:rPr lang="en-SG" dirty="0"/>
-              <a:t>This is a fly in shape</a:t>
-            </a:r>
-          </a:p>
-        </p:txBody>
-      </p:sp>
-      <p:sp>
-        <p:nvSpPr>
-          <p:cNvPr id="5" name="Rectangle 4">
-            <a:extLst>
-              <a:ext uri="{FF2B5EF4-FFF2-40B4-BE49-F238E27FC236}">
-                <a16:creationId xmlns:a16="http://schemas.microsoft.com/office/drawing/2014/main" id="{498CBB16-52EA-490E-9C54-724CCF26697F}"/>
-              </a:ext>
-            </a:extLst>
-          </p:cNvPr>
-          <p:cNvSpPr/>
-          <p:nvPr/>
-        </p:nvSpPr>
-        <p:spPr>
-          <a:xfrm>
-            <a:off x="4876800" y="2514600"/>
-            <a:ext cx="2590800" cy="1600200"/>
-          </a:xfrm>
-          <a:prstGeom prst="rect">
-            <a:avLst/>
-          </a:prstGeom>
-        </p:spPr>
-        <p:style>
-          <a:lnRef idx="2">
-            <a:schemeClr val="accent1">
-              <a:shade val="50000"/>
-            </a:schemeClr>
-          </a:lnRef>
-          <a:fillRef idx="1">
-            <a:schemeClr val="accent1"/>
-          </a:fillRef>
-          <a:effectRef idx="0">
-            <a:schemeClr val="accent1"/>
-          </a:effectRef>
-          <a:fontRef idx="minor">
-            <a:schemeClr val="lt1"/>
-          </a:fontRef>
-        </p:style>
-        <p:txBody>
-          <a:bodyPr rtlCol="0" anchor="ctr"/>
-          <a:lstStyle/>
-          <a:p>
-            <a:pPr algn="ctr"/>
-            <a:r>
-              <a:rPr lang="en-SG" dirty="0"/>
-              <a:t>This is a step back shape</a:t>
-            </a:r>
-          </a:p>
-        </p:txBody>
-      </p:sp>
-    </p:spTree>
-    <p:extLst>
-      <p:ext uri="{BB962C8B-B14F-4D97-AF65-F5344CB8AC3E}">
-        <p14:creationId xmlns:p14="http://schemas.microsoft.com/office/powerpoint/2010/main" val="3833314007"/>
-      </p:ext>
-    </p:extLst>
-  </p:cSld>
-  <p:clrMapOvr>
-    <a:masterClrMapping/>
-  </p:clrMapOvr>
-  <p:timing>
-    <p:tnLst>
-      <p:par>
-        <p:cTn id="1" dur="indefinite" restart="never" nodeType="tmRoot">
-          <p:childTnLst>
-            <p:seq concurrent="1" nextAc="seek">
-              <p:cTn id="2" dur="indefinite" nodeType="mainSeq">
-                <p:childTnLst>
-                  <p:par>
-                    <p:cTn id="3" fill="hold">
-                      <p:stCondLst>
-                        <p:cond delay="indefinite"/>
-                      </p:stCondLst>
-                      <p:childTnLst>
-                        <p:par>
-                          <p:cTn id="4" fill="hold">
-                            <p:stCondLst>
-                              <p:cond delay="0"/>
-                            </p:stCondLst>
-                            <p:childTnLst>
-                              <p:par>
-                                <p:cTn id="5" presetID="1" presetClass="entr" presetSubtype="0" fill="hold" nodeType="clickEffect">
-                                  <p:stCondLst>
-                                    <p:cond delay="0"/>
-                                  </p:stCondLst>
-                                  <p:childTnLst>
-                                    <p:set>
-                                      <p:cBhvr>
-                                        <p:cTn id="6" dur="1" fill="hold">
-                                          <p:stCondLst>
-                                            <p:cond delay="0"/>
-                                          </p:stCondLst>
-                                        </p:cTn>
-                                        <p:tgtEl>
-                                          <p:spTgt spid="3">
-                                            <p:txEl>
-                                              <p:pRg st="0" end="0"/>
-                                            </p:txEl>
-                                          </p:spTgt>
-                                        </p:tgtEl>
-                                        <p:attrNameLst>
-                                          <p:attrName>style.visibility</p:attrName>
-                                        </p:attrNameLst>
-                                      </p:cBhvr>
-                                      <p:to>
-                                        <p:strVal val="visible"/>
-                                      </p:to>
-                                    </p:set>
-                                  </p:childTnLst>
-                                </p:cTn>
-                              </p:par>
-                            </p:childTnLst>
-                          </p:cTn>
-                        </p:par>
-                      </p:childTnLst>
-                    </p:cTn>
-                  </p:par>
-                  <p:par>
-                    <p:cTn id="7" fill="hold">
-                      <p:stCondLst>
-                        <p:cond delay="indefinite"/>
-                      </p:stCondLst>
-                      <p:childTnLst>
-                        <p:par>
-                          <p:cTn id="8" fill="hold">
-                            <p:stCondLst>
-                              <p:cond delay="0"/>
-                            </p:stCondLst>
-                            <p:childTnLst>
-                              <p:par>
-                                <p:cTn id="9" presetID="2" presetClass="entr" presetSubtype="4" fill="hold" grpId="0" nodeType="clickEffect">
-                                  <p:stCondLst>
-                                    <p:cond delay="0"/>
-                                  </p:stCondLst>
-                                  <p:childTnLst>
-                                    <p:set>
-                                      <p:cBhvr>
-                                        <p:cTn id="10" dur="1" fill="hold">
-                                          <p:stCondLst>
-                                            <p:cond delay="0"/>
-                                          </p:stCondLst>
-                                        </p:cTn>
-                                        <p:tgtEl>
-                                          <p:spTgt spid="4"/>
-                                        </p:tgtEl>
-                                        <p:attrNameLst>
-                                          <p:attrName>style.visibility</p:attrName>
-                                        </p:attrNameLst>
-                                      </p:cBhvr>
-                                      <p:to>
-                                        <p:strVal val="visible"/>
-                                      </p:to>
-                                    </p:set>
-                                    <p:anim calcmode="lin" valueType="num">
-                                      <p:cBhvr additive="base">
-                                        <p:cTn id="11" dur="500" fill="hold"/>
-                                        <p:tgtEl>
-                                          <p:spTgt spid="4"/>
-                                        </p:tgtEl>
-                                        <p:attrNameLst>
-                                          <p:attrName>ppt_x</p:attrName>
-                                        </p:attrNameLst>
-                                      </p:cBhvr>
-                                      <p:tavLst>
-                                        <p:tav tm="0">
-                                          <p:val>
-                                            <p:strVal val="#ppt_x"/>
-                                          </p:val>
-                                        </p:tav>
-                                        <p:tav tm="100000">
-                                          <p:val>
-                                            <p:strVal val="#ppt_x"/>
-                                          </p:val>
-                                        </p:tav>
-                                      </p:tavLst>
-                                    </p:anim>
-                                    <p:anim calcmode="lin" valueType="num">
-                                      <p:cBhvr additive="base">
-                                        <p:cTn id="12" dur="500" fill="hold"/>
-                                        <p:tgtEl>
-                                          <p:spTgt spid="4"/>
-                                        </p:tgtEl>
-                                        <p:attrNameLst>
-                                          <p:attrName>ppt_y</p:attrName>
-                                        </p:attrNameLst>
-                                      </p:cBhvr>
-                                      <p:tavLst>
-                                        <p:tav tm="0">
-                                          <p:val>
-                                            <p:strVal val="1+#ppt_h/2"/>
-                                          </p:val>
-                                        </p:tav>
-                                        <p:tav tm="100000">
-                                          <p:val>
-                                            <p:strVal val="#ppt_y"/>
-                                          </p:val>
-                                        </p:tav>
-                                      </p:tavLst>
-                                    </p:anim>
-                                  </p:childTnLst>
-                                </p:cTn>
-                              </p:par>
-                            </p:childTnLst>
-                          </p:cTn>
-                        </p:par>
-                      </p:childTnLst>
-                    </p:cTn>
-                  </p:par>
-                  <p:par>
-                    <p:cTn id="13" fill="hold">
-                      <p:stCondLst>
-                        <p:cond delay="indefinite"/>
-                      </p:stCondLst>
-                      <p:childTnLst>
-                        <p:par>
-                          <p:cTn id="14" fill="hold">
-                            <p:stCondLst>
-                              <p:cond delay="0"/>
-                            </p:stCondLst>
-                            <p:childTnLst>
-                              <p:par>
-                                <p:cTn id="15" presetID="42" presetClass="entr" presetSubtype="0" fill="hold" grpId="0" nodeType="clickEffect">
-                                  <p:stCondLst>
-                                    <p:cond delay="0"/>
-                                  </p:stCondLst>
-                                  <p:childTnLst>
-                                    <p:set>
-                                      <p:cBhvr>
-                                        <p:cTn id="16" dur="1" fill="hold">
-                                          <p:stCondLst>
-                                            <p:cond delay="0"/>
-                                          </p:stCondLst>
-                                        </p:cTn>
-                                        <p:tgtEl>
-                                          <p:spTgt spid="2"/>
-                                        </p:tgtEl>
-                                        <p:attrNameLst>
-                                          <p:attrName>style.visibility</p:attrName>
-                                        </p:attrNameLst>
-                                      </p:cBhvr>
-                                      <p:to>
-                                        <p:strVal val="visible"/>
-                                      </p:to>
-                                    </p:set>
-                                    <p:animEffect transition="in" filter="fade">
-                                      <p:cBhvr>
-                                        <p:cTn id="17" dur="1000"/>
-                                        <p:tgtEl>
-                                          <p:spTgt spid="2"/>
-                                        </p:tgtEl>
-                                      </p:cBhvr>
-                                    </p:animEffect>
-                                    <p:anim calcmode="lin" valueType="num">
-                                      <p:cBhvr>
-                                        <p:cTn id="18" dur="1000" fill="hold"/>
-                                        <p:tgtEl>
-                                          <p:spTgt spid="2"/>
-                                        </p:tgtEl>
-                                        <p:attrNameLst>
-                                          <p:attrName>ppt_x</p:attrName>
-                                        </p:attrNameLst>
-                                      </p:cBhvr>
-                                      <p:tavLst>
-                                        <p:tav tm="0">
-                                          <p:val>
-                                            <p:strVal val="#ppt_x"/>
-                                          </p:val>
-                                        </p:tav>
-                                        <p:tav tm="100000">
-                                          <p:val>
-                                            <p:strVal val="#ppt_x"/>
-                                          </p:val>
-                                        </p:tav>
-                                      </p:tavLst>
-                                    </p:anim>
-                                    <p:anim calcmode="lin" valueType="num">
-                                      <p:cBhvr>
-                                        <p:cTn id="19" dur="1000" fill="hold"/>
-                                        <p:tgtEl>
-                                          <p:spTgt spid="2"/>
-                                        </p:tgtEl>
-                                        <p:attrNameLst>
-                                          <p:attrName>ppt_y</p:attrName>
-                                        </p:attrNameLst>
-                                      </p:cBhvr>
-                                      <p:tavLst>
-                                        <p:tav tm="0">
-                                          <p:val>
-                                            <p:strVal val="#ppt_y+.1"/>
-                                          </p:val>
-                                        </p:tav>
-                                        <p:tav tm="100000">
-                                          <p:val>
-                                            <p:strVal val="#ppt_y"/>
-                                          </p:val>
-                                        </p:tav>
-                                      </p:tavLst>
-                                    </p:anim>
-                                  </p:childTnLst>
-                                </p:cTn>
-                              </p:par>
-                            </p:childTnLst>
-                          </p:cTn>
-                        </p:par>
-                      </p:childTnLst>
-                    </p:cTn>
-                  </p:par>
-                </p:childTnLst>
-              </p:cTn>
-              <p:prevCondLst>
-                <p:cond evt="onPrev" delay="0">
-                  <p:tgtEl>
-                    <p:sldTgt/>
-                  </p:tgtEl>
-                </p:cond>
-              </p:prevCondLst>
-              <p:nextCondLst>
-                <p:cond evt="onNext" delay="0">
-                  <p:tgtEl>
-                    <p:sldTgt/>
-                  </p:tgtEl>
-                </p:cond>
-              </p:nextCondLst>
-            </p:seq>
-          </p:childTnLst>
-        </p:cTn>
-      </p:par>
-    </p:tnLst>
-    <p:bldLst>
-      <p:bldP spid="2" grpId="0"/>
-      <p:bldP spid="4" grpId="0" animBg="1"/>
-    </p:bldLst>
-  </p:timing>
-</p:sld>
-</file>
-
-<file path=ppt/slides/slide32.xml><?xml version="1.0" encoding="utf-8"?>
-<p:sld xmlns:a="http://schemas.openxmlformats.org/drawingml/2006/main" xmlns:r="http://schemas.openxmlformats.org/officeDocument/2006/relationships" xmlns:p="http://schemas.openxmlformats.org/presentationml/2006/main">
-  <p:cSld>
-    <p:spTree>
-      <p:nvGrpSpPr>
-        <p:cNvPr id="1" name=""/>
-        <p:cNvGrpSpPr/>
-        <p:nvPr/>
-      </p:nvGrpSpPr>
-      <p:grpSpPr>
-        <a:xfrm>
-          <a:off x="0" y="0"/>
-          <a:ext cx="0" cy="0"/>
-          <a:chOff x="0" y="0"/>
-          <a:chExt cx="0" cy="0"/>
-        </a:xfrm>
-      </p:grpSpPr>
-      <p:sp>
-        <p:nvSpPr>
-          <p:cNvPr id="2" name="Title 1">
-            <a:extLst>
-              <a:ext uri="{FF2B5EF4-FFF2-40B4-BE49-F238E27FC236}">
-                <a16:creationId xmlns:a16="http://schemas.microsoft.com/office/drawing/2014/main" id="{649DF911-B85D-4EBF-A479-24FC604FE6FF}"/>
-              </a:ext>
-            </a:extLst>
-          </p:cNvPr>
-          <p:cNvSpPr>
-            <a:spLocks noGrp="1"/>
-          </p:cNvSpPr>
-          <p:nvPr>
-            <p:ph type="title"/>
-          </p:nvPr>
-        </p:nvSpPr>
-        <p:spPr/>
-        <p:txBody>
-          <a:bodyPr/>
-          <a:lstStyle/>
-          <a:p>
-            <a:r>
-              <a:rPr lang="en-SG" dirty="0"/>
-              <a:t>This is a slide title that floats in</a:t>
-            </a:r>
-          </a:p>
-        </p:txBody>
-      </p:sp>
-      <p:sp>
-        <p:nvSpPr>
-          <p:cNvPr id="3" name="Content Placeholder 2">
-            <a:extLst>
-              <a:ext uri="{FF2B5EF4-FFF2-40B4-BE49-F238E27FC236}">
-                <a16:creationId xmlns:a16="http://schemas.microsoft.com/office/drawing/2014/main" id="{CA5D83AC-D692-47B0-865E-F89905084074}"/>
-              </a:ext>
-            </a:extLst>
-          </p:cNvPr>
-          <p:cNvSpPr>
-            <a:spLocks noGrp="1"/>
-          </p:cNvSpPr>
-          <p:nvPr>
-            <p:ph idx="1"/>
-          </p:nvPr>
-        </p:nvSpPr>
-        <p:spPr/>
-        <p:txBody>
-          <a:bodyPr/>
-          <a:lstStyle/>
-          <a:p>
-            <a:r>
-              <a:rPr lang="en-SG" dirty="0"/>
-              <a:t>This is a point that appears</a:t>
-            </a:r>
-          </a:p>
-          <a:p>
-            <a:r>
-              <a:rPr lang="en-SG" dirty="0"/>
-              <a:t>This is a point that does not appear</a:t>
-            </a:r>
-          </a:p>
-        </p:txBody>
-      </p:sp>
-      <p:sp>
-        <p:nvSpPr>
-          <p:cNvPr id="4" name="Rectangle 3">
-            <a:extLst>
-              <a:ext uri="{FF2B5EF4-FFF2-40B4-BE49-F238E27FC236}">
-                <a16:creationId xmlns:a16="http://schemas.microsoft.com/office/drawing/2014/main" id="{57D2545B-1DCF-40D2-AB7C-35FCBC5FC7BC}"/>
-              </a:ext>
-            </a:extLst>
-          </p:cNvPr>
-          <p:cNvSpPr/>
-          <p:nvPr/>
-        </p:nvSpPr>
-        <p:spPr>
-          <a:xfrm>
-            <a:off x="1676400" y="2971800"/>
-            <a:ext cx="2514600" cy="1447800"/>
-          </a:xfrm>
-          <a:prstGeom prst="rect">
-            <a:avLst/>
-          </a:prstGeom>
-        </p:spPr>
-        <p:style>
-          <a:lnRef idx="2">
-            <a:schemeClr val="accent1">
-              <a:shade val="50000"/>
-            </a:schemeClr>
-          </a:lnRef>
-          <a:fillRef idx="1">
-            <a:schemeClr val="accent1"/>
-          </a:fillRef>
-          <a:effectRef idx="0">
-            <a:schemeClr val="accent1"/>
-          </a:effectRef>
-          <a:fontRef idx="minor">
-            <a:schemeClr val="lt1"/>
-          </a:fontRef>
-        </p:style>
-        <p:txBody>
-          <a:bodyPr rtlCol="0" anchor="ctr"/>
-          <a:lstStyle/>
-          <a:p>
-            <a:pPr algn="ctr"/>
-            <a:r>
-              <a:rPr lang="en-SG" dirty="0"/>
-              <a:t>This is a fly in shape</a:t>
-            </a:r>
-          </a:p>
-        </p:txBody>
-      </p:sp>
-      <p:sp>
-        <p:nvSpPr>
-          <p:cNvPr id="5" name="Step Back This Shape">
-            <a:extLst>
-              <a:ext uri="{FF2B5EF4-FFF2-40B4-BE49-F238E27FC236}">
-                <a16:creationId xmlns:a16="http://schemas.microsoft.com/office/drawing/2014/main" id="{498CBB16-52EA-490E-9C54-724CCF26697F}"/>
-              </a:ext>
-            </a:extLst>
-          </p:cNvPr>
-          <p:cNvSpPr/>
-          <p:nvPr/>
-        </p:nvSpPr>
-        <p:spPr>
-          <a:xfrm>
-            <a:off x="4876800" y="2514600"/>
-            <a:ext cx="2590800" cy="1600200"/>
-          </a:xfrm>
-          <a:prstGeom prst="rect">
-            <a:avLst/>
-          </a:prstGeom>
-        </p:spPr>
-        <p:style>
-          <a:lnRef idx="2">
-            <a:schemeClr val="accent1">
-              <a:shade val="50000"/>
-            </a:schemeClr>
-          </a:lnRef>
-          <a:fillRef idx="1">
-            <a:schemeClr val="accent1"/>
-          </a:fillRef>
-          <a:effectRef idx="0">
-            <a:schemeClr val="accent1"/>
-          </a:effectRef>
-          <a:fontRef idx="minor">
-            <a:schemeClr val="lt1"/>
-          </a:fontRef>
-        </p:style>
-        <p:txBody>
-          <a:bodyPr rtlCol="0" anchor="ctr"/>
-          <a:lstStyle/>
-          <a:p>
-            <a:pPr algn="ctr"/>
-            <a:r>
-              <a:rPr lang="en-SG"/>
-              <a:t>This is a step back shape</a:t>
-            </a:r>
-            <a:endParaRPr lang="en-SG" dirty="0"/>
-          </a:p>
-        </p:txBody>
-      </p:sp>
-      <p:sp>
-        <p:nvSpPr>
-          <p:cNvPr id="8" name="Rectangle 7">
-            <a:extLst>
-              <a:ext uri="{FF2B5EF4-FFF2-40B4-BE49-F238E27FC236}">
-                <a16:creationId xmlns:a16="http://schemas.microsoft.com/office/drawing/2014/main" id="{1D6A728F-539D-4A6E-A369-8738A5C46ECC}"/>
-              </a:ext>
-            </a:extLst>
-          </p:cNvPr>
-          <p:cNvSpPr/>
-          <p:nvPr/>
-        </p:nvSpPr>
-        <p:spPr>
-          <a:xfrm>
-            <a:off x="4343400" y="5029200"/>
-            <a:ext cx="2057400" cy="1096963"/>
-          </a:xfrm>
-          <a:prstGeom prst="rect">
-            <a:avLst/>
-          </a:prstGeom>
-        </p:spPr>
-        <p:style>
-          <a:lnRef idx="2">
-            <a:schemeClr val="accent1">
-              <a:shade val="50000"/>
-            </a:schemeClr>
-          </a:lnRef>
-          <a:fillRef idx="1">
-            <a:schemeClr val="accent1"/>
-          </a:fillRef>
-          <a:effectRef idx="0">
-            <a:schemeClr val="accent1"/>
-          </a:effectRef>
-          <a:fontRef idx="minor">
-            <a:schemeClr val="lt1"/>
-          </a:fontRef>
-        </p:style>
-        <p:txBody>
-          <a:bodyPr rtlCol="0" anchor="ctr"/>
-          <a:lstStyle/>
-          <a:p>
-            <a:pPr algn="ctr"/>
-            <a:r>
-              <a:rPr lang="en-SG" dirty="0"/>
-              <a:t>This is a shape with </a:t>
-            </a:r>
-            <a:r>
-              <a:rPr lang="en-SG"/>
-              <a:t>no animations</a:t>
-            </a:r>
-          </a:p>
-        </p:txBody>
-      </p:sp>
-    </p:spTree>
-    <p:extLst>
-      <p:ext uri="{BB962C8B-B14F-4D97-AF65-F5344CB8AC3E}">
-        <p14:creationId xmlns:p14="http://schemas.microsoft.com/office/powerpoint/2010/main" val="365165429"/>
-      </p:ext>
-    </p:extLst>
-  </p:cSld>
-  <p:clrMapOvr>
-    <a:masterClrMapping/>
-  </p:clrMapOvr>
-  <p:timing>
-    <p:tnLst>
-      <p:par>
-        <p:cTn id="1" dur="indefinite" restart="never" nodeType="tmRoot">
-          <p:childTnLst>
-            <p:seq concurrent="1" nextAc="seek">
-              <p:cTn id="2" dur="indefinite" nodeType="mainSeq">
-                <p:childTnLst>
-                  <p:par>
-                    <p:cTn id="3" fill="hold">
-                      <p:stCondLst>
-                        <p:cond delay="indefinite"/>
-                      </p:stCondLst>
-                      <p:childTnLst>
-                        <p:par>
-                          <p:cTn id="4" fill="hold">
-                            <p:stCondLst>
-                              <p:cond delay="0"/>
-                            </p:stCondLst>
-                            <p:childTnLst>
-                              <p:par>
-                                <p:cTn id="5" presetID="2" presetClass="entr" presetSubtype="4" fill="hold" grpId="0" nodeType="clickEffect">
-                                  <p:stCondLst>
-                                    <p:cond delay="0"/>
-                                  </p:stCondLst>
-                                  <p:childTnLst>
-                                    <p:set>
-                                      <p:cBhvr>
-                                        <p:cTn id="6" dur="1" fill="hold">
-                                          <p:stCondLst>
-                                            <p:cond delay="0"/>
-                                          </p:stCondLst>
-                                        </p:cTn>
-                                        <p:tgtEl>
-                                          <p:spTgt spid="4"/>
-                                        </p:tgtEl>
-                                        <p:attrNameLst>
-                                          <p:attrName>style.visibility</p:attrName>
-                                        </p:attrNameLst>
-                                      </p:cBhvr>
-                                      <p:to>
-                                        <p:strVal val="visible"/>
-                                      </p:to>
-                                    </p:set>
-                                    <p:anim calcmode="lin" valueType="num">
-                                      <p:cBhvr additive="base">
-                                        <p:cTn id="7" dur="500" fill="hold"/>
-                                        <p:tgtEl>
-                                          <p:spTgt spid="4"/>
-                                        </p:tgtEl>
-                                        <p:attrNameLst>
-                                          <p:attrName>ppt_x</p:attrName>
-                                        </p:attrNameLst>
-                                      </p:cBhvr>
-                                      <p:tavLst>
-                                        <p:tav tm="0">
-                                          <p:val>
-                                            <p:strVal val="#ppt_x"/>
-                                          </p:val>
-                                        </p:tav>
-                                        <p:tav tm="100000">
-                                          <p:val>
-                                            <p:strVal val="#ppt_x"/>
-                                          </p:val>
-                                        </p:tav>
-                                      </p:tavLst>
-                                    </p:anim>
-                                    <p:anim calcmode="lin" valueType="num">
-                                      <p:cBhvr additive="base">
-                                        <p:cTn id="8" dur="500" fill="hold"/>
-                                        <p:tgtEl>
-                                          <p:spTgt spid="4"/>
-                                        </p:tgtEl>
-                                        <p:attrNameLst>
-                                          <p:attrName>ppt_y</p:attrName>
-                                        </p:attrNameLst>
-                                      </p:cBhvr>
-                                      <p:tavLst>
-                                        <p:tav tm="0">
-                                          <p:val>
-                                            <p:strVal val="1+#ppt_h/2"/>
-                                          </p:val>
-                                        </p:tav>
-                                        <p:tav tm="100000">
-                                          <p:val>
-                                            <p:strVal val="#ppt_y"/>
-                                          </p:val>
-                                        </p:tav>
-                                      </p:tavLst>
-                                    </p:anim>
-                                  </p:childTnLst>
-                                </p:cTn>
-                              </p:par>
-                            </p:childTnLst>
-                          </p:cTn>
-                        </p:par>
-                      </p:childTnLst>
-                    </p:cTn>
-                  </p:par>
-                  <p:par>
-                    <p:cTn id="9" fill="hold">
-                      <p:stCondLst>
-                        <p:cond delay="indefinite"/>
-                      </p:stCondLst>
-                      <p:childTnLst>
-                        <p:par>
-                          <p:cTn id="10" fill="hold">
-                            <p:stCondLst>
-                              <p:cond delay="0"/>
-                            </p:stCondLst>
-                            <p:childTnLst>
-                              <p:par>
-                                <p:cTn id="11" presetID="1" presetClass="entr" presetSubtype="0" fill="hold" nodeType="clickEffect">
-                                  <p:stCondLst>
-                                    <p:cond delay="0"/>
-                                  </p:stCondLst>
-                                  <p:childTnLst>
-                                    <p:set>
-                                      <p:cBhvr>
-                                        <p:cTn id="12" dur="1" fill="hold">
-                                          <p:stCondLst>
-                                            <p:cond delay="0"/>
-                                          </p:stCondLst>
-                                        </p:cTn>
-                                        <p:tgtEl>
-                                          <p:spTgt spid="3">
-                                            <p:txEl>
-                                              <p:pRg st="0" end="0"/>
-                                            </p:txEl>
-                                          </p:spTgt>
-                                        </p:tgtEl>
-                                        <p:attrNameLst>
-                                          <p:attrName>style.visibility</p:attrName>
-                                        </p:attrNameLst>
-                                      </p:cBhvr>
-                                      <p:to>
-                                        <p:strVal val="visible"/>
-                                      </p:to>
-                                    </p:set>
-                                  </p:childTnLst>
-                                </p:cTn>
-                              </p:par>
-                            </p:childTnLst>
-                          </p:cTn>
-                        </p:par>
-                      </p:childTnLst>
-                    </p:cTn>
-                  </p:par>
-                  <p:par>
-                    <p:cTn id="13" fill="hold">
-                      <p:stCondLst>
-                        <p:cond delay="indefinite"/>
-                      </p:stCondLst>
-                      <p:childTnLst>
-                        <p:par>
-                          <p:cTn id="14" fill="hold">
-                            <p:stCondLst>
-                              <p:cond delay="0"/>
-                            </p:stCondLst>
-                            <p:childTnLst>
-                              <p:par>
-                                <p:cTn id="15" presetID="42" presetClass="entr" presetSubtype="0" fill="hold" grpId="0" nodeType="clickEffect">
-                                  <p:stCondLst>
-                                    <p:cond delay="0"/>
-                                  </p:stCondLst>
-                                  <p:childTnLst>
-                                    <p:set>
-                                      <p:cBhvr>
-                                        <p:cTn id="16" dur="1" fill="hold">
-                                          <p:stCondLst>
-                                            <p:cond delay="0"/>
-                                          </p:stCondLst>
-                                        </p:cTn>
-                                        <p:tgtEl>
-                                          <p:spTgt spid="2"/>
-                                        </p:tgtEl>
-                                        <p:attrNameLst>
-                                          <p:attrName>style.visibility</p:attrName>
-                                        </p:attrNameLst>
-                                      </p:cBhvr>
-                                      <p:to>
-                                        <p:strVal val="visible"/>
-                                      </p:to>
-                                    </p:set>
-                                    <p:animEffect transition="in" filter="fade">
-                                      <p:cBhvr>
-                                        <p:cTn id="17" dur="1000"/>
-                                        <p:tgtEl>
-                                          <p:spTgt spid="2"/>
-                                        </p:tgtEl>
-                                      </p:cBhvr>
-                                    </p:animEffect>
-                                    <p:anim calcmode="lin" valueType="num">
-                                      <p:cBhvr>
-                                        <p:cTn id="18" dur="1000" fill="hold"/>
-                                        <p:tgtEl>
-                                          <p:spTgt spid="2"/>
-                                        </p:tgtEl>
-                                        <p:attrNameLst>
-                                          <p:attrName>ppt_x</p:attrName>
-                                        </p:attrNameLst>
-                                      </p:cBhvr>
-                                      <p:tavLst>
-                                        <p:tav tm="0">
-                                          <p:val>
-                                            <p:strVal val="#ppt_x"/>
-                                          </p:val>
-                                        </p:tav>
-                                        <p:tav tm="100000">
-                                          <p:val>
-                                            <p:strVal val="#ppt_x"/>
-                                          </p:val>
-                                        </p:tav>
-                                      </p:tavLst>
-                                    </p:anim>
-                                    <p:anim calcmode="lin" valueType="num">
-                                      <p:cBhvr>
-                                        <p:cTn id="19" dur="1000" fill="hold"/>
-                                        <p:tgtEl>
-                                          <p:spTgt spid="2"/>
-                                        </p:tgtEl>
-                                        <p:attrNameLst>
-                                          <p:attrName>ppt_y</p:attrName>
-                                        </p:attrNameLst>
-                                      </p:cBhvr>
-                                      <p:tavLst>
-                                        <p:tav tm="0">
-                                          <p:val>
-                                            <p:strVal val="#ppt_y+.1"/>
-                                          </p:val>
-                                        </p:tav>
-                                        <p:tav tm="100000">
-                                          <p:val>
-                                            <p:strVal val="#ppt_y"/>
-                                          </p:val>
-                                        </p:tav>
-                                      </p:tavLst>
-                                    </p:anim>
-                                  </p:childTnLst>
-                                </p:cTn>
-                              </p:par>
-                            </p:childTnLst>
-                          </p:cTn>
-                        </p:par>
-                      </p:childTnLst>
-                    </p:cTn>
-                  </p:par>
-                </p:childTnLst>
-              </p:cTn>
-              <p:prevCondLst>
-                <p:cond evt="onPrev" delay="0">
-                  <p:tgtEl>
-                    <p:sldTgt/>
-                  </p:tgtEl>
-                </p:cond>
-              </p:prevCondLst>
-              <p:nextCondLst>
-                <p:cond evt="onNext" delay="0">
-                  <p:tgtEl>
-                    <p:sldTgt/>
-                  </p:tgtEl>
-                </p:cond>
-              </p:nextCondLst>
-            </p:seq>
-          </p:childTnLst>
-        </p:cTn>
-      </p:par>
-    </p:tnLst>
-    <p:bldLst>
-      <p:bldP spid="2" grpId="0"/>
-      <p:bldP spid="4" grpId="0" animBg="1"/>
-    </p:bldLst>
-  </p:timing>
-</p:sld>
-</file>
-
-<file path=ppt/slides/slide33.xml><?xml version="1.0" encoding="utf-8"?>
 <p:sld xmlns:a="http://schemas.openxmlformats.org/drawingml/2006/main" xmlns:r="http://schemas.openxmlformats.org/officeDocument/2006/relationships" xmlns:p="http://schemas.openxmlformats.org/presentationml/2006/main" show="0">
   <p:cSld name="PPTLabsAcknowledgementSlide">
     <p:spTree>
@@ -18913,6 +18255,21 @@
   <p:clrMapOvr>
     <a:masterClrMapping/>
   </p:clrMapOvr>
+  <mc:AlternateContent xmlns:mc="http://schemas.openxmlformats.org/markup-compatibility/2006" xmlns:p14="http://schemas.microsoft.com/office/powerpoint/2010/main">
+    <mc:Choice Requires="p14">
+      <p:transition spd="slow" p14:dur="2000"/>
+    </mc:Choice>
+    <mc:Fallback xmlns="">
+      <p:transition spd="slow"/>
+    </mc:Fallback>
+  </mc:AlternateContent>
+  <p:timing>
+    <p:tnLst>
+      <p:par>
+        <p:cTn id="1" dur="indefinite" restart="never" nodeType="tmRoot"/>
+      </p:par>
+    </p:tnLst>
+  </p:timing>
 </p:sld>
 </file>
 
@@ -19105,7 +18462,7 @@
           <a:p>
             <a:pPr algn="ctr"/>
             <a:r>
-              <a:rPr lang="en-US" sz="2800"/>
+              <a:rPr lang="en-US" sz="2800" smtClean="0"/>
               <a:t>Drill Down</a:t>
             </a:r>
             <a:endParaRPr lang="en-SG" sz="2800" dirty="0"/>
@@ -19152,9 +18509,10 @@
           <a:p>
             <a:pPr algn="ctr"/>
             <a:r>
-              <a:rPr lang="en-US" dirty="0"/>
+              <a:rPr lang="en-US" dirty="0" smtClean="0"/>
               <a:t>HIDDEN SHAPE</a:t>
             </a:r>
+            <a:endParaRPr lang="en-US" dirty="0"/>
           </a:p>
         </p:txBody>
       </p:sp>
@@ -19198,9 +18556,10 @@
           <a:p>
             <a:pPr algn="ctr"/>
             <a:r>
-              <a:rPr lang="en-US" dirty="0"/>
+              <a:rPr lang="en-US" dirty="0" smtClean="0"/>
               <a:t>HIDDEN SHAPE</a:t>
             </a:r>
+            <a:endParaRPr lang="en-US" dirty="0"/>
           </a:p>
         </p:txBody>
       </p:sp>
@@ -19226,6 +18585,13 @@
       </p:transition>
     </mc:Fallback>
   </mc:AlternateContent>
+  <p:timing>
+    <p:tnLst>
+      <p:par>
+        <p:cTn id="1" dur="indefinite" restart="never" nodeType="tmRoot"/>
+      </p:par>
+    </p:tnLst>
+  </p:timing>
 </p:sld>
 </file>
 
@@ -19297,13 +18663,18 @@
           <a:p>
             <a:pPr algn="ctr"/>
             <a:r>
-              <a:rPr lang="en-SG" dirty="0">
+              <a:rPr lang="en-SG" dirty="0" smtClean="0">
                 <a:solidFill>
                   <a:schemeClr val="tx1"/>
                 </a:solidFill>
               </a:rPr>
               <a:t>Shape With Exit Animation</a:t>
             </a:r>
+            <a:endParaRPr lang="en-SG" dirty="0">
+              <a:solidFill>
+                <a:schemeClr val="tx1"/>
+              </a:solidFill>
+            </a:endParaRPr>
           </a:p>
         </p:txBody>
       </p:sp>
@@ -19334,14 +18705,14 @@
               <a:buChar char="•"/>
             </a:pPr>
             <a:r>
-              <a:rPr lang="en-US" sz="3600" dirty="0"/>
+              <a:rPr lang="en-US" sz="3600" dirty="0" smtClean="0"/>
               <a:t>Blah </a:t>
             </a:r>
             <a:r>
-              <a:rPr lang="en-US" sz="3600" dirty="0" err="1"/>
+              <a:rPr lang="en-US" sz="3600" dirty="0" err="1" smtClean="0"/>
               <a:t>blah</a:t>
             </a:r>
-            <a:endParaRPr lang="en-US" sz="3600" dirty="0"/>
+            <a:endParaRPr lang="en-US" sz="3600" dirty="0" smtClean="0"/>
           </a:p>
           <a:p>
             <a:pPr marL="571500" indent="-571500">
@@ -19349,14 +18720,14 @@
               <a:buChar char="•"/>
             </a:pPr>
             <a:r>
-              <a:rPr lang="en-US" sz="3600" dirty="0"/>
+              <a:rPr lang="en-US" sz="3600" dirty="0" smtClean="0"/>
               <a:t>Blah </a:t>
             </a:r>
             <a:r>
-              <a:rPr lang="en-US" sz="3600" dirty="0" err="1"/>
+              <a:rPr lang="en-US" sz="3600" dirty="0" err="1" smtClean="0"/>
               <a:t>blah</a:t>
             </a:r>
-            <a:endParaRPr lang="en-US" sz="3600" dirty="0"/>
+            <a:endParaRPr lang="en-US" sz="3600" dirty="0" smtClean="0"/>
           </a:p>
           <a:p>
             <a:pPr marL="571500" indent="-571500">
@@ -19364,11 +18735,11 @@
               <a:buChar char="•"/>
             </a:pPr>
             <a:r>
-              <a:rPr lang="en-US" sz="3600" dirty="0"/>
+              <a:rPr lang="en-US" sz="3600" dirty="0" smtClean="0"/>
               <a:t>Blah </a:t>
             </a:r>
             <a:r>
-              <a:rPr lang="en-US" sz="3600" dirty="0" err="1"/>
+              <a:rPr lang="en-US" sz="3600" dirty="0" err="1" smtClean="0"/>
               <a:t>blah</a:t>
             </a:r>
             <a:endParaRPr lang="en-SG" sz="3600" dirty="0"/>
@@ -19412,7 +18783,7 @@
           <a:p>
             <a:pPr algn="ctr"/>
             <a:r>
-              <a:rPr lang="en-SG" dirty="0">
+              <a:rPr lang="en-SG" dirty="0" smtClean="0">
                 <a:solidFill>
                   <a:schemeClr val="tx1"/>
                 </a:solidFill>
@@ -19462,9 +18833,10 @@
           <a:p>
             <a:pPr algn="ctr"/>
             <a:r>
-              <a:rPr lang="en-US" dirty="0"/>
+              <a:rPr lang="en-US" dirty="0" smtClean="0"/>
               <a:t>HIDDEN SHAPE</a:t>
             </a:r>
+            <a:endParaRPr lang="en-US" dirty="0"/>
           </a:p>
         </p:txBody>
       </p:sp>
@@ -19508,9 +18880,10 @@
           <a:p>
             <a:pPr algn="ctr"/>
             <a:r>
-              <a:rPr lang="en-US" dirty="0"/>
+              <a:rPr lang="en-US" dirty="0" smtClean="0"/>
               <a:t>HIDDEN SHAPE</a:t>
             </a:r>
+            <a:endParaRPr lang="en-US" dirty="0"/>
           </a:p>
         </p:txBody>
       </p:sp>
@@ -19554,16 +18927,17 @@
           <a:p>
             <a:pPr algn="ctr"/>
             <a:r>
-              <a:rPr lang="en-US" dirty="0"/>
+              <a:rPr lang="en-US" dirty="0" smtClean="0"/>
               <a:t>Shape with entry animation</a:t>
             </a:r>
           </a:p>
           <a:p>
             <a:pPr algn="ctr"/>
             <a:r>
-              <a:rPr lang="en-US" dirty="0"/>
+              <a:rPr lang="en-US" dirty="0" smtClean="0"/>
               <a:t>THIS SHAPE SHOULD NOT APPEAR</a:t>
             </a:r>
+            <a:endParaRPr lang="en-US" dirty="0"/>
           </a:p>
         </p:txBody>
       </p:sp>
@@ -20144,9 +19518,10 @@
           <a:p>
             <a:pPr algn="ctr"/>
             <a:r>
-              <a:rPr lang="en-US" dirty="0"/>
+              <a:rPr lang="en-US" dirty="0" smtClean="0"/>
               <a:t>HIDDEN SHAPE</a:t>
             </a:r>
+            <a:endParaRPr lang="en-US" dirty="0"/>
           </a:p>
         </p:txBody>
       </p:sp>
@@ -20190,9 +19565,10 @@
           <a:p>
             <a:pPr algn="ctr"/>
             <a:r>
-              <a:rPr lang="en-US" dirty="0"/>
+              <a:rPr lang="en-US" dirty="0" smtClean="0"/>
               <a:t>HIDDEN SHAPE</a:t>
             </a:r>
+            <a:endParaRPr lang="en-US" dirty="0"/>
           </a:p>
         </p:txBody>
       </p:sp>
@@ -20609,11 +19985,11 @@
   <p:clrMapOvr>
     <a:masterClrMapping/>
   </p:clrMapOvr>
-  <mc:AlternateContent xmlns:mc="http://schemas.openxmlformats.org/markup-compatibility/2006" xmlns:p14="http://schemas.microsoft.com/office/powerpoint/2010/main">
-    <mc:Choice Requires="p14">
+  <mc:AlternateContent xmlns:mc="http://schemas.openxmlformats.org/markup-compatibility/2006">
+    <mc:Choice xmlns:p14="http://schemas.microsoft.com/office/powerpoint/2010/main" Requires="p14">
       <p:transition spd="med" p14:dur="700" advClick="0" advTm="0"/>
     </mc:Choice>
-    <mc:Fallback xmlns="">
+    <mc:Fallback>
       <p:transition spd="med" advClick="0" advTm="0"/>
     </mc:Fallback>
   </mc:AlternateContent>
@@ -20945,13 +20321,18 @@
           <a:p>
             <a:pPr algn="ctr"/>
             <a:r>
-              <a:rPr lang="en-SG" dirty="0">
+              <a:rPr lang="en-SG" dirty="0" smtClean="0">
                 <a:solidFill>
                   <a:schemeClr val="tx1"/>
                 </a:solidFill>
               </a:rPr>
               <a:t>Shape With Exit Animation</a:t>
             </a:r>
+            <a:endParaRPr lang="en-SG" dirty="0">
+              <a:solidFill>
+                <a:schemeClr val="tx1"/>
+              </a:solidFill>
+            </a:endParaRPr>
           </a:p>
         </p:txBody>
       </p:sp>
@@ -20982,14 +20363,14 @@
               <a:buChar char="•"/>
             </a:pPr>
             <a:r>
-              <a:rPr lang="en-US" sz="3600" dirty="0"/>
+              <a:rPr lang="en-US" sz="3600" dirty="0" smtClean="0"/>
               <a:t>Blah </a:t>
             </a:r>
             <a:r>
-              <a:rPr lang="en-US" sz="3600" dirty="0" err="1"/>
+              <a:rPr lang="en-US" sz="3600" dirty="0" err="1" smtClean="0"/>
               <a:t>blah</a:t>
             </a:r>
-            <a:endParaRPr lang="en-US" sz="3600" dirty="0"/>
+            <a:endParaRPr lang="en-US" sz="3600" dirty="0" smtClean="0"/>
           </a:p>
           <a:p>
             <a:pPr marL="571500" indent="-571500">
@@ -20997,14 +20378,14 @@
               <a:buChar char="•"/>
             </a:pPr>
             <a:r>
-              <a:rPr lang="en-US" sz="3600" dirty="0"/>
+              <a:rPr lang="en-US" sz="3600" dirty="0" smtClean="0"/>
               <a:t>Blah </a:t>
             </a:r>
             <a:r>
-              <a:rPr lang="en-US" sz="3600" dirty="0" err="1"/>
+              <a:rPr lang="en-US" sz="3600" dirty="0" err="1" smtClean="0"/>
               <a:t>blah</a:t>
             </a:r>
-            <a:endParaRPr lang="en-US" sz="3600" dirty="0"/>
+            <a:endParaRPr lang="en-US" sz="3600" dirty="0" smtClean="0"/>
           </a:p>
           <a:p>
             <a:pPr marL="571500" indent="-571500">
@@ -21012,11 +20393,11 @@
               <a:buChar char="•"/>
             </a:pPr>
             <a:r>
-              <a:rPr lang="en-US" sz="3600" dirty="0"/>
+              <a:rPr lang="en-US" sz="3600" dirty="0" smtClean="0"/>
               <a:t>Blah </a:t>
             </a:r>
             <a:r>
-              <a:rPr lang="en-US" sz="3600" dirty="0" err="1"/>
+              <a:rPr lang="en-US" sz="3600" dirty="0" err="1" smtClean="0"/>
               <a:t>blah</a:t>
             </a:r>
             <a:endParaRPr lang="en-SG" sz="3600" dirty="0"/>
@@ -21060,7 +20441,7 @@
           <a:p>
             <a:pPr algn="ctr"/>
             <a:r>
-              <a:rPr lang="en-SG" dirty="0">
+              <a:rPr lang="en-SG" dirty="0" smtClean="0">
                 <a:solidFill>
                   <a:schemeClr val="tx1"/>
                 </a:solidFill>
@@ -21110,9 +20491,10 @@
           <a:p>
             <a:pPr algn="ctr"/>
             <a:r>
-              <a:rPr lang="en-US" dirty="0"/>
+              <a:rPr lang="en-US" dirty="0" smtClean="0"/>
               <a:t>HIDDEN SHAPE</a:t>
             </a:r>
+            <a:endParaRPr lang="en-US" dirty="0"/>
           </a:p>
         </p:txBody>
       </p:sp>
@@ -21156,9 +20538,10 @@
           <a:p>
             <a:pPr algn="ctr"/>
             <a:r>
-              <a:rPr lang="en-US" dirty="0"/>
+              <a:rPr lang="en-US" dirty="0" smtClean="0"/>
               <a:t>HIDDEN SHAPE</a:t>
             </a:r>
+            <a:endParaRPr lang="en-US" dirty="0"/>
           </a:p>
         </p:txBody>
       </p:sp>
@@ -21202,16 +20585,17 @@
           <a:p>
             <a:pPr algn="ctr"/>
             <a:r>
-              <a:rPr lang="en-US" dirty="0"/>
+              <a:rPr lang="en-US" dirty="0" smtClean="0"/>
               <a:t>Shape with entry animation</a:t>
             </a:r>
           </a:p>
           <a:p>
             <a:pPr algn="ctr"/>
             <a:r>
-              <a:rPr lang="en-US" dirty="0"/>
+              <a:rPr lang="en-US" dirty="0" smtClean="0"/>
               <a:t>THIS SHAPE SHOULD NOT APPEAR</a:t>
             </a:r>
+            <a:endParaRPr lang="en-US" dirty="0"/>
           </a:p>
         </p:txBody>
       </p:sp>
@@ -21225,13 +20609,13 @@
   <p:clrMapOvr>
     <a:masterClrMapping/>
   </p:clrMapOvr>
-  <mc:AlternateContent xmlns:mc="http://schemas.openxmlformats.org/markup-compatibility/2006" xmlns:p14="http://schemas.microsoft.com/office/powerpoint/2010/main">
-    <mc:Choice Requires="p14">
+  <mc:AlternateContent xmlns:mc="http://schemas.openxmlformats.org/markup-compatibility/2006">
+    <mc:Choice xmlns:p14="http://schemas.microsoft.com/office/powerpoint/2010/main" Requires="p14">
       <p:transition p14:dur="250">
         <p:fade/>
       </p:transition>
     </mc:Choice>
-    <mc:Fallback xmlns="">
+    <mc:Fallback>
       <p:transition>
         <p:fade/>
       </p:transition>
@@ -21593,7 +20977,7 @@
           <a:lstStyle/>
           <a:p>
             <a:r>
-              <a:rPr lang="en-US" dirty="0"/>
+              <a:rPr lang="en-US" dirty="0" smtClean="0"/>
               <a:t>Auto Zoom:: Simple Zoom In (Drill Down)</a:t>
             </a:r>
             <a:endParaRPr lang="en-SG" dirty="0"/>
@@ -21617,7 +21001,11 @@
           <a:p>
             <a:r>
               <a:rPr lang="en-SG" dirty="0"/>
-              <a:t>Disable slide background in </a:t>
+              <a:t>Disable </a:t>
+            </a:r>
+            <a:r>
+              <a:rPr lang="en-SG" dirty="0" smtClean="0"/>
+              <a:t>slide background in </a:t>
             </a:r>
             <a:r>
               <a:rPr lang="en-SG" dirty="0" err="1"/>
@@ -21643,6 +21031,13 @@
   <p:clrMapOvr>
     <a:masterClrMapping/>
   </p:clrMapOvr>
+  <p:timing>
+    <p:tnLst>
+      <p:par>
+        <p:cTn id="1" dur="indefinite" restart="never" nodeType="tmRoot"/>
+      </p:par>
+    </p:tnLst>
+  </p:timing>
 </p:sld>
 </file>
 
